--- a/TR_ESCRIT/PPT_Marc.pptx
+++ b/TR_ESCRIT/PPT_Marc.pptx
@@ -5,13 +5,18 @@
     <p:sldMasterId id="2147483648" r:id="rId1"/>
   </p:sldMasterIdLst>
   <p:notesMasterIdLst>
-    <p:notesMasterId r:id="rId6"/>
+    <p:notesMasterId r:id="rId11"/>
   </p:notesMasterIdLst>
   <p:sldIdLst>
     <p:sldId id="261" r:id="rId2"/>
     <p:sldId id="256" r:id="rId3"/>
     <p:sldId id="262" r:id="rId4"/>
     <p:sldId id="263" r:id="rId5"/>
+    <p:sldId id="265" r:id="rId6"/>
+    <p:sldId id="266" r:id="rId7"/>
+    <p:sldId id="268" r:id="rId8"/>
+    <p:sldId id="267" r:id="rId9"/>
+    <p:sldId id="264" r:id="rId10"/>
   </p:sldIdLst>
   <p:sldSz cx="12192000" cy="6858000"/>
   <p:notesSz cx="6858000" cy="9144000"/>
@@ -110,6 +115,11 @@
       </a:defRPr>
     </a:lvl9pPr>
   </p:defaultTextStyle>
+  <p:extLst>
+    <p:ext uri="{EFAFB233-063F-42B5-8137-9DF3F51BA10A}">
+      <p15:sldGuideLst xmlns:p15="http://schemas.microsoft.com/office/powerpoint/2012/main"/>
+    </p:ext>
+  </p:extLst>
 </p:presentation>
 </file>
 
@@ -195,7 +205,7 @@
           <a:p>
             <a:fld id="{0226C92E-AAA0-4557-B9A1-29537D615C99}" type="datetimeFigureOut">
               <a:rPr lang="es-ES" smtClean="0"/>
-              <a:t>03/12/2024</a:t>
+              <a:t>06/12/2024</a:t>
             </a:fld>
             <a:endParaRPr lang="es-ES"/>
           </a:p>
@@ -353,7 +363,7 @@
           <a:p>
             <a:fld id="{F31E9070-4173-46FF-8E36-7CADF13F9FE7}" type="slidenum">
               <a:rPr lang="es-ES" smtClean="0"/>
-              <a:t>‹Nº›</a:t>
+              <a:t>‹#›</a:t>
             </a:fld>
             <a:endParaRPr lang="es-ES"/>
           </a:p>
@@ -738,6 +748,114 @@
 </p:notes>
 </file>
 
+<file path=ppt/notesSlides/notesSlide3.xml><?xml version="1.0" encoding="utf-8"?>
+<p:notes xmlns:a="http://schemas.openxmlformats.org/drawingml/2006/main" xmlns:r="http://schemas.openxmlformats.org/officeDocument/2006/relationships" xmlns:p="http://schemas.openxmlformats.org/presentationml/2006/main">
+  <p:cSld>
+    <p:spTree>
+      <p:nvGrpSpPr>
+        <p:cNvPr id="1" name="">
+          <a:extLst>
+            <a:ext uri="{FF2B5EF4-FFF2-40B4-BE49-F238E27FC236}">
+              <a16:creationId xmlns:a16="http://schemas.microsoft.com/office/drawing/2014/main" id="{1C1AA6EC-76D6-B169-A4C0-E74C85854F4A}"/>
+            </a:ext>
+          </a:extLst>
+        </p:cNvPr>
+        <p:cNvGrpSpPr/>
+        <p:nvPr/>
+      </p:nvGrpSpPr>
+      <p:grpSpPr>
+        <a:xfrm>
+          <a:off x="0" y="0"/>
+          <a:ext cx="0" cy="0"/>
+          <a:chOff x="0" y="0"/>
+          <a:chExt cx="0" cy="0"/>
+        </a:xfrm>
+      </p:grpSpPr>
+      <p:sp>
+        <p:nvSpPr>
+          <p:cNvPr id="2" name="Marcador de imagen de diapositiva 1">
+            <a:extLst>
+              <a:ext uri="{FF2B5EF4-FFF2-40B4-BE49-F238E27FC236}">
+                <a16:creationId xmlns:a16="http://schemas.microsoft.com/office/drawing/2014/main" id="{04D279C2-BCBA-9455-7CFD-1FC5425313BF}"/>
+              </a:ext>
+            </a:extLst>
+          </p:cNvPr>
+          <p:cNvSpPr>
+            <a:spLocks noGrp="1" noRot="1" noChangeAspect="1"/>
+          </p:cNvSpPr>
+          <p:nvPr>
+            <p:ph type="sldImg"/>
+          </p:nvPr>
+        </p:nvSpPr>
+        <p:spPr/>
+      </p:sp>
+      <p:sp>
+        <p:nvSpPr>
+          <p:cNvPr id="3" name="Marcador de notas 2">
+            <a:extLst>
+              <a:ext uri="{FF2B5EF4-FFF2-40B4-BE49-F238E27FC236}">
+                <a16:creationId xmlns:a16="http://schemas.microsoft.com/office/drawing/2014/main" id="{5787E225-5AC2-8D70-B9BF-AC3DB1C6C8E6}"/>
+              </a:ext>
+            </a:extLst>
+          </p:cNvPr>
+          <p:cNvSpPr>
+            <a:spLocks noGrp="1"/>
+          </p:cNvSpPr>
+          <p:nvPr>
+            <p:ph type="body" idx="1"/>
+          </p:nvPr>
+        </p:nvSpPr>
+        <p:spPr/>
+        <p:txBody>
+          <a:bodyPr/>
+          <a:lstStyle/>
+          <a:p>
+            <a:endParaRPr lang="es-ES" dirty="0"/>
+          </a:p>
+        </p:txBody>
+      </p:sp>
+      <p:sp>
+        <p:nvSpPr>
+          <p:cNvPr id="4" name="Marcador de número de diapositiva 3">
+            <a:extLst>
+              <a:ext uri="{FF2B5EF4-FFF2-40B4-BE49-F238E27FC236}">
+                <a16:creationId xmlns:a16="http://schemas.microsoft.com/office/drawing/2014/main" id="{F6977C6A-6DEF-5A94-C348-4B012C7ED209}"/>
+              </a:ext>
+            </a:extLst>
+          </p:cNvPr>
+          <p:cNvSpPr>
+            <a:spLocks noGrp="1"/>
+          </p:cNvSpPr>
+          <p:nvPr>
+            <p:ph type="sldNum" sz="quarter" idx="5"/>
+          </p:nvPr>
+        </p:nvSpPr>
+        <p:spPr/>
+        <p:txBody>
+          <a:bodyPr/>
+          <a:lstStyle/>
+          <a:p>
+            <a:fld id="{F31E9070-4173-46FF-8E36-7CADF13F9FE7}" type="slidenum">
+              <a:rPr lang="es-ES" smtClean="0"/>
+              <a:t>9</a:t>
+            </a:fld>
+            <a:endParaRPr lang="es-ES"/>
+          </a:p>
+        </p:txBody>
+      </p:sp>
+    </p:spTree>
+    <p:extLst>
+      <p:ext uri="{BB962C8B-B14F-4D97-AF65-F5344CB8AC3E}">
+        <p14:creationId xmlns:p14="http://schemas.microsoft.com/office/powerpoint/2010/main" val="4239892489"/>
+      </p:ext>
+    </p:extLst>
+  </p:cSld>
+  <p:clrMapOvr>
+    <a:masterClrMapping/>
+  </p:clrMapOvr>
+</p:notes>
+</file>
+
 <file path=ppt/slideLayouts/slideLayout1.xml><?xml version="1.0" encoding="utf-8"?>
 <p:sldLayout xmlns:a="http://schemas.openxmlformats.org/drawingml/2006/main" xmlns:r="http://schemas.openxmlformats.org/officeDocument/2006/relationships" xmlns:p="http://schemas.openxmlformats.org/presentationml/2006/main" type="title" preserve="1">
   <p:cSld name="Diapositiva de título">
@@ -885,7 +1003,7 @@
           <a:p>
             <a:fld id="{5BFCB7AD-FFC1-45CB-A519-22D7131A930E}" type="datetimeFigureOut">
               <a:rPr lang="es-ES" smtClean="0"/>
-              <a:t>03/12/2024</a:t>
+              <a:t>06/12/2024</a:t>
             </a:fld>
             <a:endParaRPr lang="es-ES"/>
           </a:p>
@@ -939,7 +1057,7 @@
           <a:p>
             <a:fld id="{FA161437-EA61-438E-B9B3-A19C585B0FA1}" type="slidenum">
               <a:rPr lang="es-ES" smtClean="0"/>
-              <a:t>‹Nº›</a:t>
+              <a:t>‹#›</a:t>
             </a:fld>
             <a:endParaRPr lang="es-ES"/>
           </a:p>
@@ -1083,7 +1201,7 @@
           <a:p>
             <a:fld id="{5BFCB7AD-FFC1-45CB-A519-22D7131A930E}" type="datetimeFigureOut">
               <a:rPr lang="es-ES" smtClean="0"/>
-              <a:t>03/12/2024</a:t>
+              <a:t>06/12/2024</a:t>
             </a:fld>
             <a:endParaRPr lang="es-ES"/>
           </a:p>
@@ -1137,7 +1255,7 @@
           <a:p>
             <a:fld id="{FA161437-EA61-438E-B9B3-A19C585B0FA1}" type="slidenum">
               <a:rPr lang="es-ES" smtClean="0"/>
-              <a:t>‹Nº›</a:t>
+              <a:t>‹#›</a:t>
             </a:fld>
             <a:endParaRPr lang="es-ES"/>
           </a:p>
@@ -1291,7 +1409,7 @@
           <a:p>
             <a:fld id="{5BFCB7AD-FFC1-45CB-A519-22D7131A930E}" type="datetimeFigureOut">
               <a:rPr lang="es-ES" smtClean="0"/>
-              <a:t>03/12/2024</a:t>
+              <a:t>06/12/2024</a:t>
             </a:fld>
             <a:endParaRPr lang="es-ES"/>
           </a:p>
@@ -1345,7 +1463,7 @@
           <a:p>
             <a:fld id="{FA161437-EA61-438E-B9B3-A19C585B0FA1}" type="slidenum">
               <a:rPr lang="es-ES" smtClean="0"/>
-              <a:t>‹Nº›</a:t>
+              <a:t>‹#›</a:t>
             </a:fld>
             <a:endParaRPr lang="es-ES"/>
           </a:p>
@@ -1489,7 +1607,7 @@
           <a:p>
             <a:fld id="{5BFCB7AD-FFC1-45CB-A519-22D7131A930E}" type="datetimeFigureOut">
               <a:rPr lang="es-ES" smtClean="0"/>
-              <a:t>03/12/2024</a:t>
+              <a:t>06/12/2024</a:t>
             </a:fld>
             <a:endParaRPr lang="es-ES"/>
           </a:p>
@@ -1543,7 +1661,7 @@
           <a:p>
             <a:fld id="{FA161437-EA61-438E-B9B3-A19C585B0FA1}" type="slidenum">
               <a:rPr lang="es-ES" smtClean="0"/>
-              <a:t>‹Nº›</a:t>
+              <a:t>‹#›</a:t>
             </a:fld>
             <a:endParaRPr lang="es-ES"/>
           </a:p>
@@ -1764,7 +1882,7 @@
           <a:p>
             <a:fld id="{5BFCB7AD-FFC1-45CB-A519-22D7131A930E}" type="datetimeFigureOut">
               <a:rPr lang="es-ES" smtClean="0"/>
-              <a:t>03/12/2024</a:t>
+              <a:t>06/12/2024</a:t>
             </a:fld>
             <a:endParaRPr lang="es-ES"/>
           </a:p>
@@ -1818,7 +1936,7 @@
           <a:p>
             <a:fld id="{FA161437-EA61-438E-B9B3-A19C585B0FA1}" type="slidenum">
               <a:rPr lang="es-ES" smtClean="0"/>
-              <a:t>‹Nº›</a:t>
+              <a:t>‹#›</a:t>
             </a:fld>
             <a:endParaRPr lang="es-ES"/>
           </a:p>
@@ -2029,7 +2147,7 @@
           <a:p>
             <a:fld id="{5BFCB7AD-FFC1-45CB-A519-22D7131A930E}" type="datetimeFigureOut">
               <a:rPr lang="es-ES" smtClean="0"/>
-              <a:t>03/12/2024</a:t>
+              <a:t>06/12/2024</a:t>
             </a:fld>
             <a:endParaRPr lang="es-ES"/>
           </a:p>
@@ -2083,7 +2201,7 @@
           <a:p>
             <a:fld id="{FA161437-EA61-438E-B9B3-A19C585B0FA1}" type="slidenum">
               <a:rPr lang="es-ES" smtClean="0"/>
-              <a:t>‹Nº›</a:t>
+              <a:t>‹#›</a:t>
             </a:fld>
             <a:endParaRPr lang="es-ES"/>
           </a:p>
@@ -2441,7 +2559,7 @@
           <a:p>
             <a:fld id="{5BFCB7AD-FFC1-45CB-A519-22D7131A930E}" type="datetimeFigureOut">
               <a:rPr lang="es-ES" smtClean="0"/>
-              <a:t>03/12/2024</a:t>
+              <a:t>06/12/2024</a:t>
             </a:fld>
             <a:endParaRPr lang="es-ES"/>
           </a:p>
@@ -2495,7 +2613,7 @@
           <a:p>
             <a:fld id="{FA161437-EA61-438E-B9B3-A19C585B0FA1}" type="slidenum">
               <a:rPr lang="es-ES" smtClean="0"/>
-              <a:t>‹Nº›</a:t>
+              <a:t>‹#›</a:t>
             </a:fld>
             <a:endParaRPr lang="es-ES"/>
           </a:p>
@@ -2582,7 +2700,7 @@
           <a:p>
             <a:fld id="{5BFCB7AD-FFC1-45CB-A519-22D7131A930E}" type="datetimeFigureOut">
               <a:rPr lang="es-ES" smtClean="0"/>
-              <a:t>03/12/2024</a:t>
+              <a:t>06/12/2024</a:t>
             </a:fld>
             <a:endParaRPr lang="es-ES"/>
           </a:p>
@@ -2636,7 +2754,7 @@
           <a:p>
             <a:fld id="{FA161437-EA61-438E-B9B3-A19C585B0FA1}" type="slidenum">
               <a:rPr lang="es-ES" smtClean="0"/>
-              <a:t>‹Nº›</a:t>
+              <a:t>‹#›</a:t>
             </a:fld>
             <a:endParaRPr lang="es-ES"/>
           </a:p>
@@ -2695,7 +2813,7 @@
           <a:p>
             <a:fld id="{5BFCB7AD-FFC1-45CB-A519-22D7131A930E}" type="datetimeFigureOut">
               <a:rPr lang="es-ES" smtClean="0"/>
-              <a:t>03/12/2024</a:t>
+              <a:t>06/12/2024</a:t>
             </a:fld>
             <a:endParaRPr lang="es-ES"/>
           </a:p>
@@ -2749,7 +2867,7 @@
           <a:p>
             <a:fld id="{FA161437-EA61-438E-B9B3-A19C585B0FA1}" type="slidenum">
               <a:rPr lang="es-ES" smtClean="0"/>
-              <a:t>‹Nº›</a:t>
+              <a:t>‹#›</a:t>
             </a:fld>
             <a:endParaRPr lang="es-ES"/>
           </a:p>
@@ -3006,7 +3124,7 @@
           <a:p>
             <a:fld id="{5BFCB7AD-FFC1-45CB-A519-22D7131A930E}" type="datetimeFigureOut">
               <a:rPr lang="es-ES" smtClean="0"/>
-              <a:t>03/12/2024</a:t>
+              <a:t>06/12/2024</a:t>
             </a:fld>
             <a:endParaRPr lang="es-ES"/>
           </a:p>
@@ -3060,7 +3178,7 @@
           <a:p>
             <a:fld id="{FA161437-EA61-438E-B9B3-A19C585B0FA1}" type="slidenum">
               <a:rPr lang="es-ES" smtClean="0"/>
-              <a:t>‹Nº›</a:t>
+              <a:t>‹#›</a:t>
             </a:fld>
             <a:endParaRPr lang="es-ES"/>
           </a:p>
@@ -3294,7 +3412,7 @@
           <a:p>
             <a:fld id="{5BFCB7AD-FFC1-45CB-A519-22D7131A930E}" type="datetimeFigureOut">
               <a:rPr lang="es-ES" smtClean="0"/>
-              <a:t>03/12/2024</a:t>
+              <a:t>06/12/2024</a:t>
             </a:fld>
             <a:endParaRPr lang="es-ES"/>
           </a:p>
@@ -3348,7 +3466,7 @@
           <a:p>
             <a:fld id="{FA161437-EA61-438E-B9B3-A19C585B0FA1}" type="slidenum">
               <a:rPr lang="es-ES" smtClean="0"/>
-              <a:t>‹Nº›</a:t>
+              <a:t>‹#›</a:t>
             </a:fld>
             <a:endParaRPr lang="es-ES"/>
           </a:p>
@@ -3535,7 +3653,7 @@
           <a:p>
             <a:fld id="{5BFCB7AD-FFC1-45CB-A519-22D7131A930E}" type="datetimeFigureOut">
               <a:rPr lang="es-ES" smtClean="0"/>
-              <a:t>03/12/2024</a:t>
+              <a:t>06/12/2024</a:t>
             </a:fld>
             <a:endParaRPr lang="es-ES"/>
           </a:p>
@@ -3625,7 +3743,7 @@
           <a:p>
             <a:fld id="{FA161437-EA61-438E-B9B3-A19C585B0FA1}" type="slidenum">
               <a:rPr lang="es-ES" smtClean="0"/>
-              <a:t>‹Nº›</a:t>
+              <a:t>‹#›</a:t>
             </a:fld>
             <a:endParaRPr lang="es-ES"/>
           </a:p>
@@ -4404,6 +4522,22 @@
               <a:rPr lang="es-ES" dirty="0" err="1"/>
               <a:t>millors</a:t>
             </a:r>
+            <a:r>
+              <a:rPr lang="es-ES" dirty="0"/>
+              <a:t> </a:t>
+            </a:r>
+            <a:r>
+              <a:rPr lang="es-ES" dirty="0" err="1"/>
+              <a:t>xarxes</a:t>
+            </a:r>
+            <a:r>
+              <a:rPr lang="es-ES" dirty="0"/>
+              <a:t> </a:t>
+            </a:r>
+            <a:r>
+              <a:rPr lang="es-ES" dirty="0" err="1"/>
+              <a:t>neuronals</a:t>
+            </a:r>
             <a:endParaRPr lang="es-ES" dirty="0"/>
           </a:p>
         </p:txBody>
@@ -5515,6 +5649,1151 @@
     <p:extLst>
       <p:ext uri="{BB962C8B-B14F-4D97-AF65-F5344CB8AC3E}">
         <p14:creationId xmlns:p14="http://schemas.microsoft.com/office/powerpoint/2010/main" val="1870269289"/>
+      </p:ext>
+    </p:extLst>
+  </p:cSld>
+  <p:clrMapOvr>
+    <a:masterClrMapping/>
+  </p:clrMapOvr>
+</p:sld>
+</file>
+
+<file path=ppt/slides/slide5.xml><?xml version="1.0" encoding="utf-8"?>
+<p:sld xmlns:a="http://schemas.openxmlformats.org/drawingml/2006/main" xmlns:r="http://schemas.openxmlformats.org/officeDocument/2006/relationships" xmlns:p="http://schemas.openxmlformats.org/presentationml/2006/main">
+  <p:cSld>
+    <p:spTree>
+      <p:nvGrpSpPr>
+        <p:cNvPr id="1" name=""/>
+        <p:cNvGrpSpPr/>
+        <p:nvPr/>
+      </p:nvGrpSpPr>
+      <p:grpSpPr>
+        <a:xfrm>
+          <a:off x="0" y="0"/>
+          <a:ext cx="0" cy="0"/>
+          <a:chOff x="0" y="0"/>
+          <a:chExt cx="0" cy="0"/>
+        </a:xfrm>
+      </p:grpSpPr>
+      <p:sp>
+        <p:nvSpPr>
+          <p:cNvPr id="4" name="Rectángulo 3">
+            <a:extLst>
+              <a:ext uri="{FF2B5EF4-FFF2-40B4-BE49-F238E27FC236}">
+                <a16:creationId xmlns:a16="http://schemas.microsoft.com/office/drawing/2014/main" id="{E3695DA3-8453-BE4F-E65B-986AFD82BF4C}"/>
+              </a:ext>
+            </a:extLst>
+          </p:cNvPr>
+          <p:cNvSpPr/>
+          <p:nvPr/>
+        </p:nvSpPr>
+        <p:spPr>
+          <a:xfrm>
+            <a:off x="3312976" y="527021"/>
+            <a:ext cx="5566048" cy="1814572"/>
+          </a:xfrm>
+          <a:prstGeom prst="rect">
+            <a:avLst/>
+          </a:prstGeom>
+        </p:spPr>
+        <p:style>
+          <a:lnRef idx="2">
+            <a:schemeClr val="accent1">
+              <a:shade val="15000"/>
+            </a:schemeClr>
+          </a:lnRef>
+          <a:fillRef idx="1">
+            <a:schemeClr val="accent1"/>
+          </a:fillRef>
+          <a:effectRef idx="0">
+            <a:schemeClr val="accent1"/>
+          </a:effectRef>
+          <a:fontRef idx="minor">
+            <a:schemeClr val="lt1"/>
+          </a:fontRef>
+        </p:style>
+        <p:txBody>
+          <a:bodyPr rtlCol="0" anchor="ctr"/>
+          <a:lstStyle/>
+          <a:p>
+            <a:pPr algn="ctr"/>
+            <a:r>
+              <a:rPr lang="es-ES" sz="4000"/>
+              <a:t>NO ESTRUCTURALS</a:t>
+            </a:r>
+            <a:endParaRPr lang="es-ES" sz="4000" dirty="0"/>
+          </a:p>
+        </p:txBody>
+      </p:sp>
+      <p:pic>
+        <p:nvPicPr>
+          <p:cNvPr id="5" name="Imatge 2">
+            <a:extLst>
+              <a:ext uri="{FF2B5EF4-FFF2-40B4-BE49-F238E27FC236}">
+                <a16:creationId xmlns:a16="http://schemas.microsoft.com/office/drawing/2014/main" id="{2F56D521-C776-515A-77A9-89C99975CA72}"/>
+              </a:ext>
+            </a:extLst>
+          </p:cNvPr>
+          <p:cNvPicPr>
+            <a:picLocks noChangeAspect="1"/>
+          </p:cNvPicPr>
+          <p:nvPr/>
+        </p:nvPicPr>
+        <p:blipFill>
+          <a:blip r:embed="rId2">
+            <a:extLst>
+              <a:ext uri="{28A0092B-C50C-407E-A947-70E740481C1C}">
+                <a14:useLocalDpi xmlns:a14="http://schemas.microsoft.com/office/drawing/2010/main" val="0"/>
+              </a:ext>
+            </a:extLst>
+          </a:blip>
+          <a:srcRect/>
+          <a:stretch>
+            <a:fillRect/>
+          </a:stretch>
+        </p:blipFill>
+        <p:spPr bwMode="auto">
+          <a:xfrm>
+            <a:off x="1977710" y="2766636"/>
+            <a:ext cx="8236580" cy="3794823"/>
+          </a:xfrm>
+          <a:prstGeom prst="rect">
+            <a:avLst/>
+          </a:prstGeom>
+          <a:noFill/>
+          <a:ln>
+            <a:noFill/>
+          </a:ln>
+        </p:spPr>
+      </p:pic>
+    </p:spTree>
+    <p:extLst>
+      <p:ext uri="{BB962C8B-B14F-4D97-AF65-F5344CB8AC3E}">
+        <p14:creationId xmlns:p14="http://schemas.microsoft.com/office/powerpoint/2010/main" val="31857445"/>
+      </p:ext>
+    </p:extLst>
+  </p:cSld>
+  <p:clrMapOvr>
+    <a:masterClrMapping/>
+  </p:clrMapOvr>
+</p:sld>
+</file>
+
+<file path=ppt/slides/slide6.xml><?xml version="1.0" encoding="utf-8"?>
+<p:sld xmlns:a="http://schemas.openxmlformats.org/drawingml/2006/main" xmlns:r="http://schemas.openxmlformats.org/officeDocument/2006/relationships" xmlns:p="http://schemas.openxmlformats.org/presentationml/2006/main">
+  <p:cSld>
+    <p:spTree>
+      <p:nvGrpSpPr>
+        <p:cNvPr id="1" name="">
+          <a:extLst>
+            <a:ext uri="{FF2B5EF4-FFF2-40B4-BE49-F238E27FC236}">
+              <a16:creationId xmlns:a16="http://schemas.microsoft.com/office/drawing/2014/main" id="{1701E012-101E-5B74-1521-254DE7E3EF5A}"/>
+            </a:ext>
+          </a:extLst>
+        </p:cNvPr>
+        <p:cNvGrpSpPr/>
+        <p:nvPr/>
+      </p:nvGrpSpPr>
+      <p:grpSpPr>
+        <a:xfrm>
+          <a:off x="0" y="0"/>
+          <a:ext cx="0" cy="0"/>
+          <a:chOff x="0" y="0"/>
+          <a:chExt cx="0" cy="0"/>
+        </a:xfrm>
+      </p:grpSpPr>
+      <p:sp>
+        <p:nvSpPr>
+          <p:cNvPr id="4" name="Rectángulo 3">
+            <a:extLst>
+              <a:ext uri="{FF2B5EF4-FFF2-40B4-BE49-F238E27FC236}">
+                <a16:creationId xmlns:a16="http://schemas.microsoft.com/office/drawing/2014/main" id="{B10FDEC0-AA6C-9921-14C3-443B894ABD8F}"/>
+              </a:ext>
+            </a:extLst>
+          </p:cNvPr>
+          <p:cNvSpPr/>
+          <p:nvPr/>
+        </p:nvSpPr>
+        <p:spPr>
+          <a:xfrm>
+            <a:off x="3312976" y="527022"/>
+            <a:ext cx="5566048" cy="1814572"/>
+          </a:xfrm>
+          <a:prstGeom prst="rect">
+            <a:avLst/>
+          </a:prstGeom>
+        </p:spPr>
+        <p:style>
+          <a:lnRef idx="2">
+            <a:schemeClr val="accent1">
+              <a:shade val="15000"/>
+            </a:schemeClr>
+          </a:lnRef>
+          <a:fillRef idx="1">
+            <a:schemeClr val="accent1"/>
+          </a:fillRef>
+          <a:effectRef idx="0">
+            <a:schemeClr val="accent1"/>
+          </a:effectRef>
+          <a:fontRef idx="minor">
+            <a:schemeClr val="lt1"/>
+          </a:fontRef>
+        </p:style>
+        <p:txBody>
+          <a:bodyPr rtlCol="0" anchor="ctr"/>
+          <a:lstStyle/>
+          <a:p>
+            <a:pPr algn="ctr"/>
+            <a:r>
+              <a:rPr lang="es-ES" sz="4000" dirty="0"/>
+              <a:t>ESTRUCTURALS</a:t>
+            </a:r>
+          </a:p>
+        </p:txBody>
+      </p:sp>
+      <p:pic>
+        <p:nvPicPr>
+          <p:cNvPr id="6" name="Imatge 5">
+            <a:extLst>
+              <a:ext uri="{FF2B5EF4-FFF2-40B4-BE49-F238E27FC236}">
+                <a16:creationId xmlns:a16="http://schemas.microsoft.com/office/drawing/2014/main" id="{60701952-7A03-577E-5A1E-E745D3E61E30}"/>
+              </a:ext>
+            </a:extLst>
+          </p:cNvPr>
+          <p:cNvPicPr>
+            <a:picLocks noChangeAspect="1"/>
+          </p:cNvPicPr>
+          <p:nvPr/>
+        </p:nvPicPr>
+        <p:blipFill rotWithShape="1">
+          <a:blip r:embed="rId2" cstate="print">
+            <a:extLst>
+              <a:ext uri="{28A0092B-C50C-407E-A947-70E740481C1C}">
+                <a14:useLocalDpi xmlns:a14="http://schemas.microsoft.com/office/drawing/2010/main" val="0"/>
+              </a:ext>
+            </a:extLst>
+          </a:blip>
+          <a:srcRect l="-1" r="3851"/>
+          <a:stretch/>
+        </p:blipFill>
+        <p:spPr bwMode="auto">
+          <a:xfrm>
+            <a:off x="707105" y="2944449"/>
+            <a:ext cx="5211742" cy="2530515"/>
+          </a:xfrm>
+          <a:prstGeom prst="rect">
+            <a:avLst/>
+          </a:prstGeom>
+          <a:noFill/>
+          <a:ln>
+            <a:noFill/>
+          </a:ln>
+          <a:extLst>
+            <a:ext uri="{53640926-AAD7-44D8-BBD7-CCE9431645EC}">
+              <a14:shadowObscured xmlns:a14="http://schemas.microsoft.com/office/drawing/2010/main"/>
+            </a:ext>
+          </a:extLst>
+        </p:spPr>
+      </p:pic>
+      <p:pic>
+        <p:nvPicPr>
+          <p:cNvPr id="7" name="Imatge 6" descr="Imatge que conté cercle, captura de pantalla&#10;&#10;Descripció generada automàticament">
+            <a:extLst>
+              <a:ext uri="{FF2B5EF4-FFF2-40B4-BE49-F238E27FC236}">
+                <a16:creationId xmlns:a16="http://schemas.microsoft.com/office/drawing/2014/main" id="{17B69F32-0998-B8A7-52B9-8251C4175987}"/>
+              </a:ext>
+            </a:extLst>
+          </p:cNvPr>
+          <p:cNvPicPr>
+            <a:picLocks noChangeAspect="1"/>
+          </p:cNvPicPr>
+          <p:nvPr/>
+        </p:nvPicPr>
+        <p:blipFill rotWithShape="1">
+          <a:blip r:embed="rId3" cstate="print">
+            <a:extLst>
+              <a:ext uri="{28A0092B-C50C-407E-A947-70E740481C1C}">
+                <a14:useLocalDpi xmlns:a14="http://schemas.microsoft.com/office/drawing/2010/main" val="0"/>
+              </a:ext>
+            </a:extLst>
+          </a:blip>
+          <a:srcRect l="3846" r="6341"/>
+          <a:stretch/>
+        </p:blipFill>
+        <p:spPr bwMode="auto">
+          <a:xfrm>
+            <a:off x="6417936" y="2944449"/>
+            <a:ext cx="4922175" cy="2530515"/>
+          </a:xfrm>
+          <a:prstGeom prst="rect">
+            <a:avLst/>
+          </a:prstGeom>
+          <a:noFill/>
+          <a:ln>
+            <a:noFill/>
+          </a:ln>
+          <a:extLst>
+            <a:ext uri="{53640926-AAD7-44D8-BBD7-CCE9431645EC}">
+              <a14:shadowObscured xmlns:a14="http://schemas.microsoft.com/office/drawing/2010/main"/>
+            </a:ext>
+          </a:extLst>
+        </p:spPr>
+      </p:pic>
+    </p:spTree>
+    <p:extLst>
+      <p:ext uri="{BB962C8B-B14F-4D97-AF65-F5344CB8AC3E}">
+        <p14:creationId xmlns:p14="http://schemas.microsoft.com/office/powerpoint/2010/main" val="306326696"/>
+      </p:ext>
+    </p:extLst>
+  </p:cSld>
+  <p:clrMapOvr>
+    <a:masterClrMapping/>
+  </p:clrMapOvr>
+</p:sld>
+</file>
+
+<file path=ppt/slides/slide7.xml><?xml version="1.0" encoding="utf-8"?>
+<p:sld xmlns:a="http://schemas.openxmlformats.org/drawingml/2006/main" xmlns:r="http://schemas.openxmlformats.org/officeDocument/2006/relationships" xmlns:p="http://schemas.openxmlformats.org/presentationml/2006/main">
+  <p:cSld>
+    <p:spTree>
+      <p:nvGrpSpPr>
+        <p:cNvPr id="1" name="">
+          <a:extLst>
+            <a:ext uri="{FF2B5EF4-FFF2-40B4-BE49-F238E27FC236}">
+              <a16:creationId xmlns:a16="http://schemas.microsoft.com/office/drawing/2014/main" id="{22179DCC-7914-0F66-0A32-D11EB710317A}"/>
+            </a:ext>
+          </a:extLst>
+        </p:cNvPr>
+        <p:cNvGrpSpPr/>
+        <p:nvPr/>
+      </p:nvGrpSpPr>
+      <p:grpSpPr>
+        <a:xfrm>
+          <a:off x="0" y="0"/>
+          <a:ext cx="0" cy="0"/>
+          <a:chOff x="0" y="0"/>
+          <a:chExt cx="0" cy="0"/>
+        </a:xfrm>
+      </p:grpSpPr>
+      <p:sp>
+        <p:nvSpPr>
+          <p:cNvPr id="4" name="Rectángulo 3">
+            <a:extLst>
+              <a:ext uri="{FF2B5EF4-FFF2-40B4-BE49-F238E27FC236}">
+                <a16:creationId xmlns:a16="http://schemas.microsoft.com/office/drawing/2014/main" id="{A9973C3F-B4EC-C935-A873-6CFB77563C05}"/>
+              </a:ext>
+            </a:extLst>
+          </p:cNvPr>
+          <p:cNvSpPr/>
+          <p:nvPr/>
+        </p:nvSpPr>
+        <p:spPr>
+          <a:xfrm>
+            <a:off x="3312976" y="527022"/>
+            <a:ext cx="5566048" cy="1814572"/>
+          </a:xfrm>
+          <a:prstGeom prst="rect">
+            <a:avLst/>
+          </a:prstGeom>
+        </p:spPr>
+        <p:style>
+          <a:lnRef idx="2">
+            <a:schemeClr val="accent1">
+              <a:shade val="15000"/>
+            </a:schemeClr>
+          </a:lnRef>
+          <a:fillRef idx="1">
+            <a:schemeClr val="accent1"/>
+          </a:fillRef>
+          <a:effectRef idx="0">
+            <a:schemeClr val="accent1"/>
+          </a:effectRef>
+          <a:fontRef idx="minor">
+            <a:schemeClr val="lt1"/>
+          </a:fontRef>
+        </p:style>
+        <p:txBody>
+          <a:bodyPr rtlCol="0" anchor="ctr"/>
+          <a:lstStyle/>
+          <a:p>
+            <a:pPr algn="ctr"/>
+            <a:r>
+              <a:rPr lang="es-ES" sz="4000" dirty="0"/>
+              <a:t>ESTRUCTURALS</a:t>
+            </a:r>
+          </a:p>
+        </p:txBody>
+      </p:sp>
+      <p:pic>
+        <p:nvPicPr>
+          <p:cNvPr id="2" name="Imatge 3">
+            <a:extLst>
+              <a:ext uri="{FF2B5EF4-FFF2-40B4-BE49-F238E27FC236}">
+                <a16:creationId xmlns:a16="http://schemas.microsoft.com/office/drawing/2014/main" id="{E0BC405A-A301-5A4B-C4B8-039F5FA8A8D2}"/>
+              </a:ext>
+            </a:extLst>
+          </p:cNvPr>
+          <p:cNvPicPr>
+            <a:picLocks noChangeAspect="1"/>
+          </p:cNvPicPr>
+          <p:nvPr/>
+        </p:nvPicPr>
+        <p:blipFill>
+          <a:blip r:embed="rId2" cstate="print">
+            <a:extLst>
+              <a:ext uri="{28A0092B-C50C-407E-A947-70E740481C1C}">
+                <a14:useLocalDpi xmlns:a14="http://schemas.microsoft.com/office/drawing/2010/main" val="0"/>
+              </a:ext>
+            </a:extLst>
+          </a:blip>
+          <a:srcRect/>
+          <a:stretch>
+            <a:fillRect/>
+          </a:stretch>
+        </p:blipFill>
+        <p:spPr bwMode="auto">
+          <a:xfrm>
+            <a:off x="1151760" y="2771654"/>
+            <a:ext cx="4322431" cy="3481869"/>
+          </a:xfrm>
+          <a:prstGeom prst="rect">
+            <a:avLst/>
+          </a:prstGeom>
+          <a:noFill/>
+          <a:ln>
+            <a:noFill/>
+          </a:ln>
+        </p:spPr>
+      </p:pic>
+      <p:pic>
+        <p:nvPicPr>
+          <p:cNvPr id="3" name="Imatge 4">
+            <a:extLst>
+              <a:ext uri="{FF2B5EF4-FFF2-40B4-BE49-F238E27FC236}">
+                <a16:creationId xmlns:a16="http://schemas.microsoft.com/office/drawing/2014/main" id="{1D744EAC-1C8D-04EA-8639-87ADD49178D9}"/>
+              </a:ext>
+            </a:extLst>
+          </p:cNvPr>
+          <p:cNvPicPr>
+            <a:picLocks noChangeAspect="1"/>
+          </p:cNvPicPr>
+          <p:nvPr/>
+        </p:nvPicPr>
+        <p:blipFill>
+          <a:blip r:embed="rId3" cstate="print">
+            <a:extLst>
+              <a:ext uri="{28A0092B-C50C-407E-A947-70E740481C1C}">
+                <a14:useLocalDpi xmlns:a14="http://schemas.microsoft.com/office/drawing/2010/main" val="0"/>
+              </a:ext>
+            </a:extLst>
+          </a:blip>
+          <a:srcRect/>
+          <a:stretch>
+            <a:fillRect/>
+          </a:stretch>
+        </p:blipFill>
+        <p:spPr bwMode="auto">
+          <a:xfrm>
+            <a:off x="6596316" y="2771654"/>
+            <a:ext cx="4565416" cy="3484414"/>
+          </a:xfrm>
+          <a:prstGeom prst="rect">
+            <a:avLst/>
+          </a:prstGeom>
+          <a:noFill/>
+          <a:ln>
+            <a:noFill/>
+          </a:ln>
+        </p:spPr>
+      </p:pic>
+    </p:spTree>
+    <p:extLst>
+      <p:ext uri="{BB962C8B-B14F-4D97-AF65-F5344CB8AC3E}">
+        <p14:creationId xmlns:p14="http://schemas.microsoft.com/office/powerpoint/2010/main" val="2402066510"/>
+      </p:ext>
+    </p:extLst>
+  </p:cSld>
+  <p:clrMapOvr>
+    <a:masterClrMapping/>
+  </p:clrMapOvr>
+</p:sld>
+</file>
+
+<file path=ppt/slides/slide8.xml><?xml version="1.0" encoding="utf-8"?>
+<p:sld xmlns:a="http://schemas.openxmlformats.org/drawingml/2006/main" xmlns:r="http://schemas.openxmlformats.org/officeDocument/2006/relationships" xmlns:p="http://schemas.openxmlformats.org/presentationml/2006/main">
+  <p:cSld>
+    <p:spTree>
+      <p:nvGrpSpPr>
+        <p:cNvPr id="1" name="">
+          <a:extLst>
+            <a:ext uri="{FF2B5EF4-FFF2-40B4-BE49-F238E27FC236}">
+              <a16:creationId xmlns:a16="http://schemas.microsoft.com/office/drawing/2014/main" id="{5E4D7C08-368B-1E74-69AA-D91E7C603C47}"/>
+            </a:ext>
+          </a:extLst>
+        </p:cNvPr>
+        <p:cNvGrpSpPr/>
+        <p:nvPr/>
+      </p:nvGrpSpPr>
+      <p:grpSpPr>
+        <a:xfrm>
+          <a:off x="0" y="0"/>
+          <a:ext cx="0" cy="0"/>
+          <a:chOff x="0" y="0"/>
+          <a:chExt cx="0" cy="0"/>
+        </a:xfrm>
+      </p:grpSpPr>
+      <p:sp>
+        <p:nvSpPr>
+          <p:cNvPr id="4" name="Rectángulo 3">
+            <a:extLst>
+              <a:ext uri="{FF2B5EF4-FFF2-40B4-BE49-F238E27FC236}">
+                <a16:creationId xmlns:a16="http://schemas.microsoft.com/office/drawing/2014/main" id="{00BD55C3-948B-27B1-A732-DB93251DECC9}"/>
+              </a:ext>
+            </a:extLst>
+          </p:cNvPr>
+          <p:cNvSpPr/>
+          <p:nvPr/>
+        </p:nvSpPr>
+        <p:spPr>
+          <a:xfrm>
+            <a:off x="3312976" y="527021"/>
+            <a:ext cx="5566048" cy="1814572"/>
+          </a:xfrm>
+          <a:prstGeom prst="rect">
+            <a:avLst/>
+          </a:prstGeom>
+        </p:spPr>
+        <p:style>
+          <a:lnRef idx="2">
+            <a:schemeClr val="accent1">
+              <a:shade val="15000"/>
+            </a:schemeClr>
+          </a:lnRef>
+          <a:fillRef idx="1">
+            <a:schemeClr val="accent1"/>
+          </a:fillRef>
+          <a:effectRef idx="0">
+            <a:schemeClr val="accent1"/>
+          </a:effectRef>
+          <a:fontRef idx="minor">
+            <a:schemeClr val="lt1"/>
+          </a:fontRef>
+        </p:style>
+        <p:txBody>
+          <a:bodyPr rtlCol="0" anchor="ctr"/>
+          <a:lstStyle/>
+          <a:p>
+            <a:pPr algn="ctr"/>
+            <a:r>
+              <a:rPr lang="es-ES" sz="4000" dirty="0"/>
+              <a:t>CROSSOVER</a:t>
+            </a:r>
+          </a:p>
+        </p:txBody>
+      </p:sp>
+      <p:pic>
+        <p:nvPicPr>
+          <p:cNvPr id="2" name="Imatge 1">
+            <a:extLst>
+              <a:ext uri="{FF2B5EF4-FFF2-40B4-BE49-F238E27FC236}">
+                <a16:creationId xmlns:a16="http://schemas.microsoft.com/office/drawing/2014/main" id="{05A837EC-0859-7251-C766-BAA00CCE5A3A}"/>
+              </a:ext>
+            </a:extLst>
+          </p:cNvPr>
+          <p:cNvPicPr>
+            <a:picLocks noChangeAspect="1"/>
+          </p:cNvPicPr>
+          <p:nvPr/>
+        </p:nvPicPr>
+        <p:blipFill>
+          <a:blip r:embed="rId2" cstate="print">
+            <a:extLst>
+              <a:ext uri="{28A0092B-C50C-407E-A947-70E740481C1C}">
+                <a14:useLocalDpi xmlns:a14="http://schemas.microsoft.com/office/drawing/2010/main" val="0"/>
+              </a:ext>
+            </a:extLst>
+          </a:blip>
+          <a:stretch>
+            <a:fillRect/>
+          </a:stretch>
+        </p:blipFill>
+        <p:spPr>
+          <a:xfrm>
+            <a:off x="893586" y="2460615"/>
+            <a:ext cx="10404827" cy="4111585"/>
+          </a:xfrm>
+          <a:prstGeom prst="rect">
+            <a:avLst/>
+          </a:prstGeom>
+        </p:spPr>
+      </p:pic>
+    </p:spTree>
+    <p:extLst>
+      <p:ext uri="{BB962C8B-B14F-4D97-AF65-F5344CB8AC3E}">
+        <p14:creationId xmlns:p14="http://schemas.microsoft.com/office/powerpoint/2010/main" val="3399800118"/>
+      </p:ext>
+    </p:extLst>
+  </p:cSld>
+  <p:clrMapOvr>
+    <a:masterClrMapping/>
+  </p:clrMapOvr>
+</p:sld>
+</file>
+
+<file path=ppt/slides/slide9.xml><?xml version="1.0" encoding="utf-8"?>
+<p:sld xmlns:a="http://schemas.openxmlformats.org/drawingml/2006/main" xmlns:r="http://schemas.openxmlformats.org/officeDocument/2006/relationships" xmlns:p="http://schemas.openxmlformats.org/presentationml/2006/main">
+  <p:cSld>
+    <p:spTree>
+      <p:nvGrpSpPr>
+        <p:cNvPr id="1" name="">
+          <a:extLst>
+            <a:ext uri="{FF2B5EF4-FFF2-40B4-BE49-F238E27FC236}">
+              <a16:creationId xmlns:a16="http://schemas.microsoft.com/office/drawing/2014/main" id="{2F6491D5-3B9D-B550-B7D1-36C73F0C29A8}"/>
+            </a:ext>
+          </a:extLst>
+        </p:cNvPr>
+        <p:cNvGrpSpPr/>
+        <p:nvPr/>
+      </p:nvGrpSpPr>
+      <p:grpSpPr>
+        <a:xfrm>
+          <a:off x="0" y="0"/>
+          <a:ext cx="0" cy="0"/>
+          <a:chOff x="0" y="0"/>
+          <a:chExt cx="0" cy="0"/>
+        </a:xfrm>
+      </p:grpSpPr>
+      <p:sp>
+        <p:nvSpPr>
+          <p:cNvPr id="4" name="CuadroTexto 3">
+            <a:extLst>
+              <a:ext uri="{FF2B5EF4-FFF2-40B4-BE49-F238E27FC236}">
+                <a16:creationId xmlns:a16="http://schemas.microsoft.com/office/drawing/2014/main" id="{B5BBBBAB-6DB9-CE99-AFF4-64275F9F60C4}"/>
+              </a:ext>
+            </a:extLst>
+          </p:cNvPr>
+          <p:cNvSpPr txBox="1"/>
+          <p:nvPr/>
+        </p:nvSpPr>
+        <p:spPr>
+          <a:xfrm>
+            <a:off x="562708" y="342872"/>
+            <a:ext cx="6693114" cy="369332"/>
+          </a:xfrm>
+          <a:prstGeom prst="rect">
+            <a:avLst/>
+          </a:prstGeom>
+          <a:noFill/>
+        </p:spPr>
+        <p:txBody>
+          <a:bodyPr wrap="none" rtlCol="0">
+            <a:spAutoFit/>
+          </a:bodyPr>
+          <a:lstStyle/>
+          <a:p>
+            <a:r>
+              <a:rPr lang="es-ES" dirty="0"/>
+              <a:t>Per entrenar la </a:t>
+            </a:r>
+            <a:r>
+              <a:rPr lang="es-ES" dirty="0" err="1"/>
+              <a:t>xarxa</a:t>
+            </a:r>
+            <a:r>
+              <a:rPr lang="es-ES" dirty="0"/>
+              <a:t> neuronal </a:t>
+            </a:r>
+            <a:r>
+              <a:rPr lang="es-ES" dirty="0" err="1"/>
+              <a:t>utilitzem</a:t>
+            </a:r>
+            <a:r>
+              <a:rPr lang="es-ES" dirty="0"/>
+              <a:t> NEAT un </a:t>
+            </a:r>
+            <a:r>
+              <a:rPr lang="es-ES" dirty="0" err="1"/>
+              <a:t>algoritme</a:t>
+            </a:r>
+            <a:r>
+              <a:rPr lang="es-ES" dirty="0"/>
+              <a:t> </a:t>
+            </a:r>
+            <a:r>
+              <a:rPr lang="es-ES" dirty="0" err="1"/>
+              <a:t>genetic</a:t>
+            </a:r>
+            <a:endParaRPr lang="es-ES" dirty="0"/>
+          </a:p>
+        </p:txBody>
+      </p:sp>
+      <p:sp>
+        <p:nvSpPr>
+          <p:cNvPr id="5" name="Elipse 4">
+            <a:extLst>
+              <a:ext uri="{FF2B5EF4-FFF2-40B4-BE49-F238E27FC236}">
+                <a16:creationId xmlns:a16="http://schemas.microsoft.com/office/drawing/2014/main" id="{D8896D8E-2A99-399B-D4D8-B85BFFC4147D}"/>
+              </a:ext>
+            </a:extLst>
+          </p:cNvPr>
+          <p:cNvSpPr/>
+          <p:nvPr/>
+        </p:nvSpPr>
+        <p:spPr>
+          <a:xfrm>
+            <a:off x="3381727" y="1134207"/>
+            <a:ext cx="2162908" cy="2162908"/>
+          </a:xfrm>
+          <a:prstGeom prst="ellipse">
+            <a:avLst/>
+          </a:prstGeom>
+        </p:spPr>
+        <p:style>
+          <a:lnRef idx="2">
+            <a:schemeClr val="accent1">
+              <a:shade val="15000"/>
+            </a:schemeClr>
+          </a:lnRef>
+          <a:fillRef idx="1">
+            <a:schemeClr val="accent1"/>
+          </a:fillRef>
+          <a:effectRef idx="0">
+            <a:schemeClr val="accent1"/>
+          </a:effectRef>
+          <a:fontRef idx="minor">
+            <a:schemeClr val="lt1"/>
+          </a:fontRef>
+        </p:style>
+        <p:txBody>
+          <a:bodyPr rtlCol="0" anchor="ctr"/>
+          <a:lstStyle/>
+          <a:p>
+            <a:pPr algn="ctr"/>
+            <a:r>
+              <a:rPr lang="es-ES" dirty="0" err="1"/>
+              <a:t>Població</a:t>
+            </a:r>
+            <a:r>
+              <a:rPr lang="es-ES" dirty="0"/>
+              <a:t> de </a:t>
+            </a:r>
+            <a:r>
+              <a:rPr lang="es-ES" dirty="0" err="1"/>
+              <a:t>xarxes</a:t>
+            </a:r>
+            <a:r>
+              <a:rPr lang="es-ES" dirty="0"/>
+              <a:t> </a:t>
+            </a:r>
+            <a:r>
+              <a:rPr lang="es-ES" dirty="0" err="1"/>
+              <a:t>neuronals</a:t>
+            </a:r>
+            <a:endParaRPr lang="es-ES" dirty="0"/>
+          </a:p>
+        </p:txBody>
+      </p:sp>
+      <p:sp>
+        <p:nvSpPr>
+          <p:cNvPr id="8" name="Elipse 7">
+            <a:extLst>
+              <a:ext uri="{FF2B5EF4-FFF2-40B4-BE49-F238E27FC236}">
+                <a16:creationId xmlns:a16="http://schemas.microsoft.com/office/drawing/2014/main" id="{EA6FC47B-B14D-323C-BDC5-ACC21EC698D9}"/>
+              </a:ext>
+            </a:extLst>
+          </p:cNvPr>
+          <p:cNvSpPr/>
+          <p:nvPr/>
+        </p:nvSpPr>
+        <p:spPr>
+          <a:xfrm>
+            <a:off x="6278091" y="1134207"/>
+            <a:ext cx="2162908" cy="2162908"/>
+          </a:xfrm>
+          <a:prstGeom prst="ellipse">
+            <a:avLst/>
+          </a:prstGeom>
+        </p:spPr>
+        <p:style>
+          <a:lnRef idx="2">
+            <a:schemeClr val="accent1">
+              <a:shade val="15000"/>
+            </a:schemeClr>
+          </a:lnRef>
+          <a:fillRef idx="1">
+            <a:schemeClr val="accent1"/>
+          </a:fillRef>
+          <a:effectRef idx="0">
+            <a:schemeClr val="accent1"/>
+          </a:effectRef>
+          <a:fontRef idx="minor">
+            <a:schemeClr val="lt1"/>
+          </a:fontRef>
+        </p:style>
+        <p:txBody>
+          <a:bodyPr rtlCol="0" anchor="ctr"/>
+          <a:lstStyle/>
+          <a:p>
+            <a:pPr algn="ctr"/>
+            <a:r>
+              <a:rPr lang="es-ES" dirty="0"/>
+              <a:t>Les </a:t>
+            </a:r>
+            <a:r>
+              <a:rPr lang="es-ES" dirty="0" err="1"/>
+              <a:t>fem</a:t>
+            </a:r>
+            <a:r>
+              <a:rPr lang="es-ES" dirty="0"/>
+              <a:t> </a:t>
+            </a:r>
+            <a:r>
+              <a:rPr lang="es-ES" dirty="0" err="1"/>
+              <a:t>fer</a:t>
+            </a:r>
+            <a:r>
+              <a:rPr lang="es-ES" dirty="0"/>
+              <a:t> la tasca</a:t>
+            </a:r>
+            <a:endParaRPr lang="es-ES" b="1" dirty="0"/>
+          </a:p>
+        </p:txBody>
+      </p:sp>
+      <p:sp>
+        <p:nvSpPr>
+          <p:cNvPr id="9" name="Elipse 8">
+            <a:extLst>
+              <a:ext uri="{FF2B5EF4-FFF2-40B4-BE49-F238E27FC236}">
+                <a16:creationId xmlns:a16="http://schemas.microsoft.com/office/drawing/2014/main" id="{A9C0CCAA-CA12-5A33-67C8-23BB33D6F88A}"/>
+              </a:ext>
+            </a:extLst>
+          </p:cNvPr>
+          <p:cNvSpPr/>
+          <p:nvPr/>
+        </p:nvSpPr>
+        <p:spPr>
+          <a:xfrm>
+            <a:off x="6278091" y="3851003"/>
+            <a:ext cx="2162908" cy="2162908"/>
+          </a:xfrm>
+          <a:prstGeom prst="ellipse">
+            <a:avLst/>
+          </a:prstGeom>
+        </p:spPr>
+        <p:style>
+          <a:lnRef idx="2">
+            <a:schemeClr val="accent1">
+              <a:shade val="15000"/>
+            </a:schemeClr>
+          </a:lnRef>
+          <a:fillRef idx="1">
+            <a:schemeClr val="accent1"/>
+          </a:fillRef>
+          <a:effectRef idx="0">
+            <a:schemeClr val="accent1"/>
+          </a:effectRef>
+          <a:fontRef idx="minor">
+            <a:schemeClr val="lt1"/>
+          </a:fontRef>
+        </p:style>
+        <p:txBody>
+          <a:bodyPr rtlCol="0" anchor="ctr"/>
+          <a:lstStyle/>
+          <a:p>
+            <a:pPr algn="ctr"/>
+            <a:r>
+              <a:rPr lang="es-ES" dirty="0" err="1"/>
+              <a:t>Evaluem</a:t>
+            </a:r>
+            <a:r>
+              <a:rPr lang="es-ES" dirty="0"/>
+              <a:t> el </a:t>
+            </a:r>
+            <a:r>
+              <a:rPr lang="es-ES" b="1" dirty="0"/>
+              <a:t>fitness</a:t>
+            </a:r>
+            <a:r>
+              <a:rPr lang="es-ES" dirty="0"/>
+              <a:t> i </a:t>
+            </a:r>
+            <a:r>
+              <a:rPr lang="es-ES" dirty="0" err="1"/>
+              <a:t>seleccionem</a:t>
+            </a:r>
+            <a:r>
+              <a:rPr lang="es-ES" dirty="0"/>
+              <a:t> les </a:t>
+            </a:r>
+            <a:r>
+              <a:rPr lang="es-ES" dirty="0" err="1"/>
+              <a:t>millors</a:t>
+            </a:r>
+            <a:r>
+              <a:rPr lang="es-ES" dirty="0"/>
+              <a:t> </a:t>
+            </a:r>
+            <a:r>
+              <a:rPr lang="es-ES" dirty="0" err="1"/>
+              <a:t>xarxes</a:t>
+            </a:r>
+            <a:r>
+              <a:rPr lang="es-ES" dirty="0"/>
+              <a:t> </a:t>
+            </a:r>
+            <a:r>
+              <a:rPr lang="es-ES" dirty="0" err="1"/>
+              <a:t>neuronals</a:t>
+            </a:r>
+            <a:endParaRPr lang="es-ES" dirty="0"/>
+          </a:p>
+        </p:txBody>
+      </p:sp>
+      <p:sp>
+        <p:nvSpPr>
+          <p:cNvPr id="10" name="Elipse 9">
+            <a:extLst>
+              <a:ext uri="{FF2B5EF4-FFF2-40B4-BE49-F238E27FC236}">
+                <a16:creationId xmlns:a16="http://schemas.microsoft.com/office/drawing/2014/main" id="{9B0D04BF-F630-580C-5FD0-16840A33C781}"/>
+              </a:ext>
+            </a:extLst>
+          </p:cNvPr>
+          <p:cNvSpPr/>
+          <p:nvPr/>
+        </p:nvSpPr>
+        <p:spPr>
+          <a:xfrm>
+            <a:off x="3381727" y="3851031"/>
+            <a:ext cx="2162908" cy="2162908"/>
+          </a:xfrm>
+          <a:prstGeom prst="ellipse">
+            <a:avLst/>
+          </a:prstGeom>
+        </p:spPr>
+        <p:style>
+          <a:lnRef idx="2">
+            <a:schemeClr val="accent1">
+              <a:shade val="15000"/>
+            </a:schemeClr>
+          </a:lnRef>
+          <a:fillRef idx="1">
+            <a:schemeClr val="accent1"/>
+          </a:fillRef>
+          <a:effectRef idx="0">
+            <a:schemeClr val="accent1"/>
+          </a:effectRef>
+          <a:fontRef idx="minor">
+            <a:schemeClr val="lt1"/>
+          </a:fontRef>
+        </p:style>
+        <p:txBody>
+          <a:bodyPr rtlCol="0" anchor="ctr"/>
+          <a:lstStyle/>
+          <a:p>
+            <a:pPr algn="ctr"/>
+            <a:r>
+              <a:rPr lang="es-ES" dirty="0"/>
+              <a:t>Les </a:t>
+            </a:r>
+            <a:r>
+              <a:rPr lang="es-ES" b="1" dirty="0" err="1"/>
+              <a:t>mutem</a:t>
+            </a:r>
+            <a:r>
+              <a:rPr lang="es-ES" dirty="0"/>
+              <a:t> per generar una nova…</a:t>
+            </a:r>
+          </a:p>
+        </p:txBody>
+      </p:sp>
+      <p:sp>
+        <p:nvSpPr>
+          <p:cNvPr id="14" name="Flecha: a la derecha 13">
+            <a:extLst>
+              <a:ext uri="{FF2B5EF4-FFF2-40B4-BE49-F238E27FC236}">
+                <a16:creationId xmlns:a16="http://schemas.microsoft.com/office/drawing/2014/main" id="{CE004B03-4063-F951-7643-3BDDF8E0F3E2}"/>
+              </a:ext>
+            </a:extLst>
+          </p:cNvPr>
+          <p:cNvSpPr/>
+          <p:nvPr/>
+        </p:nvSpPr>
+        <p:spPr>
+          <a:xfrm>
+            <a:off x="5693079" y="2136504"/>
+            <a:ext cx="436568" cy="219834"/>
+          </a:xfrm>
+          <a:prstGeom prst="rightArrow">
+            <a:avLst/>
+          </a:prstGeom>
+        </p:spPr>
+        <p:style>
+          <a:lnRef idx="2">
+            <a:schemeClr val="accent1">
+              <a:shade val="15000"/>
+            </a:schemeClr>
+          </a:lnRef>
+          <a:fillRef idx="1">
+            <a:schemeClr val="accent1"/>
+          </a:fillRef>
+          <a:effectRef idx="0">
+            <a:schemeClr val="accent1"/>
+          </a:effectRef>
+          <a:fontRef idx="minor">
+            <a:schemeClr val="lt1"/>
+          </a:fontRef>
+        </p:style>
+        <p:txBody>
+          <a:bodyPr rtlCol="0" anchor="ctr"/>
+          <a:lstStyle/>
+          <a:p>
+            <a:pPr algn="ctr"/>
+            <a:endParaRPr lang="es-ES"/>
+          </a:p>
+        </p:txBody>
+      </p:sp>
+      <p:sp>
+        <p:nvSpPr>
+          <p:cNvPr id="16" name="Flecha: a la derecha 15">
+            <a:extLst>
+              <a:ext uri="{FF2B5EF4-FFF2-40B4-BE49-F238E27FC236}">
+                <a16:creationId xmlns:a16="http://schemas.microsoft.com/office/drawing/2014/main" id="{A44E9B53-C7B9-2209-A716-C4FF6AF08F06}"/>
+              </a:ext>
+            </a:extLst>
+          </p:cNvPr>
+          <p:cNvSpPr/>
+          <p:nvPr/>
+        </p:nvSpPr>
+        <p:spPr>
+          <a:xfrm rot="10800000">
+            <a:off x="5703279" y="4822540"/>
+            <a:ext cx="436568" cy="219834"/>
+          </a:xfrm>
+          <a:prstGeom prst="rightArrow">
+            <a:avLst/>
+          </a:prstGeom>
+        </p:spPr>
+        <p:style>
+          <a:lnRef idx="2">
+            <a:schemeClr val="accent1">
+              <a:shade val="15000"/>
+            </a:schemeClr>
+          </a:lnRef>
+          <a:fillRef idx="1">
+            <a:schemeClr val="accent1"/>
+          </a:fillRef>
+          <a:effectRef idx="0">
+            <a:schemeClr val="accent1"/>
+          </a:effectRef>
+          <a:fontRef idx="minor">
+            <a:schemeClr val="lt1"/>
+          </a:fontRef>
+        </p:style>
+        <p:txBody>
+          <a:bodyPr rtlCol="0" anchor="ctr"/>
+          <a:lstStyle/>
+          <a:p>
+            <a:pPr algn="ctr"/>
+            <a:endParaRPr lang="es-ES"/>
+          </a:p>
+        </p:txBody>
+      </p:sp>
+      <p:sp>
+        <p:nvSpPr>
+          <p:cNvPr id="17" name="Flecha: a la derecha 16">
+            <a:extLst>
+              <a:ext uri="{FF2B5EF4-FFF2-40B4-BE49-F238E27FC236}">
+                <a16:creationId xmlns:a16="http://schemas.microsoft.com/office/drawing/2014/main" id="{955BB6D1-974B-22CE-C65C-3FFADEC34ECA}"/>
+              </a:ext>
+            </a:extLst>
+          </p:cNvPr>
+          <p:cNvSpPr/>
+          <p:nvPr/>
+        </p:nvSpPr>
+        <p:spPr>
+          <a:xfrm rot="5400000">
+            <a:off x="7141261" y="3464142"/>
+            <a:ext cx="436568" cy="219834"/>
+          </a:xfrm>
+          <a:prstGeom prst="rightArrow">
+            <a:avLst/>
+          </a:prstGeom>
+        </p:spPr>
+        <p:style>
+          <a:lnRef idx="2">
+            <a:schemeClr val="accent1">
+              <a:shade val="15000"/>
+            </a:schemeClr>
+          </a:lnRef>
+          <a:fillRef idx="1">
+            <a:schemeClr val="accent1"/>
+          </a:fillRef>
+          <a:effectRef idx="0">
+            <a:schemeClr val="accent1"/>
+          </a:effectRef>
+          <a:fontRef idx="minor">
+            <a:schemeClr val="lt1"/>
+          </a:fontRef>
+        </p:style>
+        <p:txBody>
+          <a:bodyPr rtlCol="0" anchor="ctr"/>
+          <a:lstStyle/>
+          <a:p>
+            <a:pPr algn="ctr"/>
+            <a:endParaRPr lang="es-ES"/>
+          </a:p>
+        </p:txBody>
+      </p:sp>
+      <p:sp>
+        <p:nvSpPr>
+          <p:cNvPr id="18" name="Flecha: a la derecha 17">
+            <a:extLst>
+              <a:ext uri="{FF2B5EF4-FFF2-40B4-BE49-F238E27FC236}">
+                <a16:creationId xmlns:a16="http://schemas.microsoft.com/office/drawing/2014/main" id="{3D53650B-4CE6-6603-C6A5-F9FBB1D9C8FD}"/>
+              </a:ext>
+            </a:extLst>
+          </p:cNvPr>
+          <p:cNvSpPr/>
+          <p:nvPr/>
+        </p:nvSpPr>
+        <p:spPr>
+          <a:xfrm rot="16200000">
+            <a:off x="4244897" y="3468524"/>
+            <a:ext cx="436568" cy="219834"/>
+          </a:xfrm>
+          <a:prstGeom prst="rightArrow">
+            <a:avLst/>
+          </a:prstGeom>
+        </p:spPr>
+        <p:style>
+          <a:lnRef idx="2">
+            <a:schemeClr val="accent1">
+              <a:shade val="15000"/>
+            </a:schemeClr>
+          </a:lnRef>
+          <a:fillRef idx="1">
+            <a:schemeClr val="accent1"/>
+          </a:fillRef>
+          <a:effectRef idx="0">
+            <a:schemeClr val="accent1"/>
+          </a:effectRef>
+          <a:fontRef idx="minor">
+            <a:schemeClr val="lt1"/>
+          </a:fontRef>
+        </p:style>
+        <p:txBody>
+          <a:bodyPr rtlCol="0" anchor="ctr"/>
+          <a:lstStyle/>
+          <a:p>
+            <a:pPr algn="ctr"/>
+            <a:endParaRPr lang="es-ES"/>
+          </a:p>
+        </p:txBody>
+      </p:sp>
+    </p:spTree>
+    <p:extLst>
+      <p:ext uri="{BB962C8B-B14F-4D97-AF65-F5344CB8AC3E}">
+        <p14:creationId xmlns:p14="http://schemas.microsoft.com/office/powerpoint/2010/main" val="993414440"/>
       </p:ext>
     </p:extLst>
   </p:cSld>

--- a/TR_ESCRIT/PPT_Marc.pptx
+++ b/TR_ESCRIT/PPT_Marc.pptx
@@ -4314,7 +4314,7 @@
             </a:r>
             <a:r>
               <a:rPr lang="es-ES" dirty="0" err="1"/>
-              <a:t>genetic</a:t>
+              <a:t>genètic</a:t>
             </a:r>
             <a:endParaRPr lang="es-ES" dirty="0"/>
           </a:p>

--- a/TR_ESCRIT/PPT_Marc.pptx
+++ b/TR_ESCRIT/PPT_Marc.pptx
@@ -749,6 +749,301 @@
 </file>
 
 <file path=ppt/notesSlides/notesSlide3.xml><?xml version="1.0" encoding="utf-8"?>
+<p:notes xmlns:a="http://schemas.openxmlformats.org/drawingml/2006/main" xmlns:r="http://schemas.openxmlformats.org/officeDocument/2006/relationships" xmlns:p="http://schemas.openxmlformats.org/presentationml/2006/main">
+  <p:cSld>
+    <p:spTree>
+      <p:nvGrpSpPr>
+        <p:cNvPr id="1" name=""/>
+        <p:cNvGrpSpPr/>
+        <p:nvPr/>
+      </p:nvGrpSpPr>
+      <p:grpSpPr>
+        <a:xfrm>
+          <a:off x="0" y="0"/>
+          <a:ext cx="0" cy="0"/>
+          <a:chOff x="0" y="0"/>
+          <a:chExt cx="0" cy="0"/>
+        </a:xfrm>
+      </p:grpSpPr>
+      <p:sp>
+        <p:nvSpPr>
+          <p:cNvPr id="2" name="Contenidor d'imatge de diapositiva 1"/>
+          <p:cNvSpPr>
+            <a:spLocks noGrp="1" noRot="1" noChangeAspect="1"/>
+          </p:cNvSpPr>
+          <p:nvPr>
+            <p:ph type="sldImg"/>
+          </p:nvPr>
+        </p:nvSpPr>
+        <p:spPr/>
+      </p:sp>
+      <p:sp>
+        <p:nvSpPr>
+          <p:cNvPr id="3" name="Contenidor de notes 2"/>
+          <p:cNvSpPr>
+            <a:spLocks noGrp="1"/>
+          </p:cNvSpPr>
+          <p:nvPr>
+            <p:ph type="body" idx="1"/>
+          </p:nvPr>
+        </p:nvSpPr>
+        <p:spPr/>
+        <p:txBody>
+          <a:bodyPr/>
+          <a:lstStyle/>
+          <a:p>
+            <a:pPr marL="0" indent="0">
+              <a:buNone/>
+            </a:pPr>
+            <a:r>
+              <a:rPr lang="es-ES" dirty="0" err="1"/>
+              <a:t>Funció</a:t>
+            </a:r>
+            <a:r>
+              <a:rPr lang="es-ES" dirty="0"/>
+              <a:t> que te </a:t>
+            </a:r>
+            <a:r>
+              <a:rPr lang="es-ES" dirty="0" err="1"/>
+              <a:t>com</a:t>
+            </a:r>
+            <a:r>
+              <a:rPr lang="es-ES" dirty="0"/>
+              <a:t> a variable una </a:t>
+            </a:r>
+            <a:r>
+              <a:rPr lang="es-ES" dirty="0" err="1"/>
+              <a:t>xarxa</a:t>
+            </a:r>
+            <a:r>
+              <a:rPr lang="es-ES" dirty="0"/>
+              <a:t> neuronal </a:t>
+            </a:r>
+            <a:r>
+              <a:rPr lang="es-ES" dirty="0">
+                <a:sym typeface="Wingdings" panose="05000000000000000000" pitchFamily="2" charset="2"/>
+              </a:rPr>
+              <a:t>i et dona </a:t>
+            </a:r>
+            <a:r>
+              <a:rPr lang="es-ES" dirty="0" err="1">
+                <a:sym typeface="Wingdings" panose="05000000000000000000" pitchFamily="2" charset="2"/>
+              </a:rPr>
+              <a:t>com</a:t>
+            </a:r>
+            <a:r>
+              <a:rPr lang="es-ES" dirty="0">
+                <a:sym typeface="Wingdings" panose="05000000000000000000" pitchFamily="2" charset="2"/>
+              </a:rPr>
+              <a:t> a </a:t>
+            </a:r>
+            <a:r>
+              <a:rPr lang="es-ES" dirty="0" err="1">
+                <a:sym typeface="Wingdings" panose="05000000000000000000" pitchFamily="2" charset="2"/>
+              </a:rPr>
+              <a:t>resultat</a:t>
+            </a:r>
+            <a:r>
+              <a:rPr lang="es-ES" dirty="0">
+                <a:sym typeface="Wingdings" panose="05000000000000000000" pitchFamily="2" charset="2"/>
+              </a:rPr>
+              <a:t> un valor. </a:t>
+            </a:r>
+            <a:r>
+              <a:rPr lang="es-ES" dirty="0" err="1">
+                <a:sym typeface="Wingdings" panose="05000000000000000000" pitchFamily="2" charset="2"/>
+              </a:rPr>
+              <a:t>Com</a:t>
+            </a:r>
+            <a:r>
+              <a:rPr lang="es-ES" dirty="0">
+                <a:sym typeface="Wingdings" panose="05000000000000000000" pitchFamily="2" charset="2"/>
+              </a:rPr>
+              <a:t> </a:t>
+            </a:r>
+            <a:r>
+              <a:rPr lang="es-ES" dirty="0" err="1">
+                <a:sym typeface="Wingdings" panose="05000000000000000000" pitchFamily="2" charset="2"/>
+              </a:rPr>
+              <a:t>més</a:t>
+            </a:r>
+            <a:r>
+              <a:rPr lang="es-ES" dirty="0">
+                <a:sym typeface="Wingdings" panose="05000000000000000000" pitchFamily="2" charset="2"/>
+              </a:rPr>
+              <a:t> </a:t>
+            </a:r>
+            <a:r>
+              <a:rPr lang="es-ES" dirty="0" err="1">
+                <a:sym typeface="Wingdings" panose="05000000000000000000" pitchFamily="2" charset="2"/>
+              </a:rPr>
+              <a:t>alt</a:t>
+            </a:r>
+            <a:r>
+              <a:rPr lang="es-ES" dirty="0">
+                <a:sym typeface="Wingdings" panose="05000000000000000000" pitchFamily="2" charset="2"/>
+              </a:rPr>
+              <a:t> </a:t>
+            </a:r>
+            <a:r>
+              <a:rPr lang="es-ES" dirty="0" err="1">
+                <a:sym typeface="Wingdings" panose="05000000000000000000" pitchFamily="2" charset="2"/>
+              </a:rPr>
+              <a:t>sigui</a:t>
+            </a:r>
+            <a:r>
+              <a:rPr lang="es-ES" dirty="0">
+                <a:sym typeface="Wingdings" panose="05000000000000000000" pitchFamily="2" charset="2"/>
+              </a:rPr>
+              <a:t> el valor la </a:t>
+            </a:r>
+            <a:r>
+              <a:rPr lang="es-ES" dirty="0" err="1">
+                <a:sym typeface="Wingdings" panose="05000000000000000000" pitchFamily="2" charset="2"/>
+              </a:rPr>
+              <a:t>xarxa</a:t>
+            </a:r>
+            <a:r>
+              <a:rPr lang="es-ES" dirty="0">
+                <a:sym typeface="Wingdings" panose="05000000000000000000" pitchFamily="2" charset="2"/>
+              </a:rPr>
+              <a:t> neuronal </a:t>
+            </a:r>
+            <a:r>
+              <a:rPr lang="es-ES" dirty="0" err="1">
+                <a:sym typeface="Wingdings" panose="05000000000000000000" pitchFamily="2" charset="2"/>
+              </a:rPr>
+              <a:t>haurà</a:t>
+            </a:r>
+            <a:r>
+              <a:rPr lang="es-ES" dirty="0">
+                <a:sym typeface="Wingdings" panose="05000000000000000000" pitchFamily="2" charset="2"/>
+              </a:rPr>
+              <a:t> </a:t>
+            </a:r>
+            <a:r>
+              <a:rPr lang="es-ES" dirty="0" err="1">
+                <a:sym typeface="Wingdings" panose="05000000000000000000" pitchFamily="2" charset="2"/>
+              </a:rPr>
+              <a:t>portat</a:t>
+            </a:r>
+            <a:r>
+              <a:rPr lang="es-ES" dirty="0">
+                <a:sym typeface="Wingdings" panose="05000000000000000000" pitchFamily="2" charset="2"/>
+              </a:rPr>
+              <a:t> a </a:t>
+            </a:r>
+            <a:r>
+              <a:rPr lang="es-ES" dirty="0" err="1">
+                <a:sym typeface="Wingdings" panose="05000000000000000000" pitchFamily="2" charset="2"/>
+              </a:rPr>
+              <a:t>terme</a:t>
+            </a:r>
+            <a:r>
+              <a:rPr lang="es-ES" dirty="0">
+                <a:sym typeface="Wingdings" panose="05000000000000000000" pitchFamily="2" charset="2"/>
+              </a:rPr>
+              <a:t> </a:t>
+            </a:r>
+            <a:r>
+              <a:rPr lang="es-ES" dirty="0" err="1">
+                <a:sym typeface="Wingdings" panose="05000000000000000000" pitchFamily="2" charset="2"/>
+              </a:rPr>
+              <a:t>millor</a:t>
+            </a:r>
+            <a:r>
+              <a:rPr lang="es-ES" dirty="0">
+                <a:sym typeface="Wingdings" panose="05000000000000000000" pitchFamily="2" charset="2"/>
+              </a:rPr>
+              <a:t> la tasca </a:t>
+            </a:r>
+            <a:r>
+              <a:rPr lang="es-ES" dirty="0" err="1">
+                <a:sym typeface="Wingdings" panose="05000000000000000000" pitchFamily="2" charset="2"/>
+              </a:rPr>
+              <a:t>encomanada</a:t>
+            </a:r>
+            <a:r>
+              <a:rPr lang="es-ES" dirty="0">
+                <a:sym typeface="Wingdings" panose="05000000000000000000" pitchFamily="2" charset="2"/>
+              </a:rPr>
+              <a:t>.</a:t>
+            </a:r>
+          </a:p>
+          <a:p>
+            <a:pPr marL="0" indent="0">
+              <a:buNone/>
+            </a:pPr>
+            <a:endParaRPr lang="es-ES" dirty="0">
+              <a:sym typeface="Wingdings" panose="05000000000000000000" pitchFamily="2" charset="2"/>
+            </a:endParaRPr>
+          </a:p>
+          <a:p>
+            <a:pPr marL="0" indent="0">
+              <a:buNone/>
+            </a:pPr>
+            <a:r>
+              <a:rPr lang="es-ES" dirty="0">
+                <a:sym typeface="Wingdings" panose="05000000000000000000" pitchFamily="2" charset="2"/>
+              </a:rPr>
+              <a:t>Cada tasca té infinites </a:t>
+            </a:r>
+            <a:r>
+              <a:rPr lang="es-ES" dirty="0" err="1">
+                <a:sym typeface="Wingdings" panose="05000000000000000000" pitchFamily="2" charset="2"/>
+              </a:rPr>
+              <a:t>funcions</a:t>
+            </a:r>
+            <a:r>
+              <a:rPr lang="es-ES" dirty="0">
+                <a:sym typeface="Wingdings" panose="05000000000000000000" pitchFamily="2" charset="2"/>
+              </a:rPr>
+              <a:t> fitness.</a:t>
+            </a:r>
+            <a:endParaRPr lang="es-ES" dirty="0"/>
+          </a:p>
+          <a:p>
+            <a:endParaRPr lang="ca-ES" dirty="0"/>
+          </a:p>
+        </p:txBody>
+      </p:sp>
+      <p:sp>
+        <p:nvSpPr>
+          <p:cNvPr id="4" name="Contenidor de número de diapositiva 3"/>
+          <p:cNvSpPr>
+            <a:spLocks noGrp="1"/>
+          </p:cNvSpPr>
+          <p:nvPr>
+            <p:ph type="sldNum" sz="quarter" idx="5"/>
+          </p:nvPr>
+        </p:nvSpPr>
+        <p:spPr/>
+        <p:txBody>
+          <a:bodyPr/>
+          <a:lstStyle/>
+          <a:p>
+            <a:fld id="{F31E9070-4173-46FF-8E36-7CADF13F9FE7}" type="slidenum">
+              <a:rPr lang="es-ES" smtClean="0"/>
+              <a:t>3</a:t>
+            </a:fld>
+            <a:endParaRPr lang="es-ES"/>
+          </a:p>
+        </p:txBody>
+      </p:sp>
+    </p:spTree>
+    <p:extLst>
+      <p:ext uri="{BB962C8B-B14F-4D97-AF65-F5344CB8AC3E}">
+        <p14:creationId xmlns:p14="http://schemas.microsoft.com/office/powerpoint/2010/main" val="134729265"/>
+      </p:ext>
+    </p:extLst>
+  </p:cSld>
+  <p:clrMapOvr>
+    <a:masterClrMapping/>
+  </p:clrMapOvr>
+</p:notes>
+</file>
+
+<file path=ppt/notesSlides/notesSlide4.xml><?xml version="1.0" encoding="utf-8"?>
 <p:notes xmlns:a="http://schemas.openxmlformats.org/drawingml/2006/main" xmlns:r="http://schemas.openxmlformats.org/officeDocument/2006/relationships" xmlns:p="http://schemas.openxmlformats.org/presentationml/2006/main">
   <p:cSld>
     <p:spTree>
@@ -4846,244 +5141,259 @@
           </a:p>
         </p:txBody>
       </p:sp>
-      <p:sp>
-        <p:nvSpPr>
-          <p:cNvPr id="6" name="Marcador de contenido 5">
-            <a:extLst>
-              <a:ext uri="{FF2B5EF4-FFF2-40B4-BE49-F238E27FC236}">
-                <a16:creationId xmlns:a16="http://schemas.microsoft.com/office/drawing/2014/main" id="{27733ADA-0B38-5880-5853-B968B81C74D3}"/>
-              </a:ext>
-            </a:extLst>
-          </p:cNvPr>
-          <p:cNvSpPr>
-            <a:spLocks noGrp="1"/>
-          </p:cNvSpPr>
-          <p:nvPr>
-            <p:ph idx="1"/>
-          </p:nvPr>
-        </p:nvSpPr>
-        <p:spPr>
+      <p:grpSp>
+        <p:nvGrpSpPr>
+          <p:cNvPr id="10" name="Agrupa 9">
+            <a:extLst>
+              <a:ext uri="{FF2B5EF4-FFF2-40B4-BE49-F238E27FC236}">
+                <a16:creationId xmlns:a16="http://schemas.microsoft.com/office/drawing/2014/main" id="{C96C9955-33BA-F2B0-52DA-DD1900CA8D2C}"/>
+              </a:ext>
+            </a:extLst>
+          </p:cNvPr>
+          <p:cNvGrpSpPr/>
+          <p:nvPr/>
+        </p:nvGrpSpPr>
+        <p:grpSpPr>
           <a:xfrm>
-            <a:off x="1635368" y="2417885"/>
-            <a:ext cx="9718431" cy="3759078"/>
+            <a:off x="817459" y="2062238"/>
+            <a:ext cx="10557082" cy="3176512"/>
+            <a:chOff x="1020971" y="2371877"/>
+            <a:chExt cx="8894879" cy="2676373"/>
           </a:xfrm>
-        </p:spPr>
-        <p:txBody>
-          <a:bodyPr/>
-          <a:lstStyle/>
-          <a:p>
-            <a:pPr marL="0" indent="0">
-              <a:buNone/>
-            </a:pPr>
-            <a:r>
-              <a:rPr lang="es-ES" dirty="0" err="1"/>
-              <a:t>Funció</a:t>
-            </a:r>
-            <a:r>
-              <a:rPr lang="es-ES" dirty="0"/>
-              <a:t> que te </a:t>
-            </a:r>
-            <a:r>
-              <a:rPr lang="es-ES" dirty="0" err="1"/>
-              <a:t>com</a:t>
-            </a:r>
-            <a:r>
-              <a:rPr lang="es-ES" dirty="0"/>
-              <a:t> a variable una </a:t>
-            </a:r>
-            <a:r>
-              <a:rPr lang="es-ES" dirty="0" err="1"/>
-              <a:t>xarxa</a:t>
-            </a:r>
-            <a:r>
-              <a:rPr lang="es-ES" dirty="0"/>
-              <a:t> neuronal </a:t>
-            </a:r>
-            <a:r>
-              <a:rPr lang="es-ES" dirty="0">
-                <a:sym typeface="Wingdings" panose="05000000000000000000" pitchFamily="2" charset="2"/>
-              </a:rPr>
-              <a:t>i et dona </a:t>
-            </a:r>
-            <a:r>
-              <a:rPr lang="es-ES" dirty="0" err="1">
-                <a:sym typeface="Wingdings" panose="05000000000000000000" pitchFamily="2" charset="2"/>
-              </a:rPr>
-              <a:t>com</a:t>
-            </a:r>
-            <a:r>
-              <a:rPr lang="es-ES" dirty="0">
-                <a:sym typeface="Wingdings" panose="05000000000000000000" pitchFamily="2" charset="2"/>
-              </a:rPr>
-              <a:t> a </a:t>
-            </a:r>
-            <a:r>
-              <a:rPr lang="es-ES" dirty="0" err="1">
-                <a:sym typeface="Wingdings" panose="05000000000000000000" pitchFamily="2" charset="2"/>
-              </a:rPr>
-              <a:t>resultat</a:t>
-            </a:r>
-            <a:r>
-              <a:rPr lang="es-ES" dirty="0">
-                <a:sym typeface="Wingdings" panose="05000000000000000000" pitchFamily="2" charset="2"/>
-              </a:rPr>
-              <a:t> un valor. </a:t>
-            </a:r>
-            <a:r>
-              <a:rPr lang="es-ES" dirty="0" err="1">
-                <a:sym typeface="Wingdings" panose="05000000000000000000" pitchFamily="2" charset="2"/>
-              </a:rPr>
-              <a:t>Com</a:t>
-            </a:r>
-            <a:r>
-              <a:rPr lang="es-ES" dirty="0">
-                <a:sym typeface="Wingdings" panose="05000000000000000000" pitchFamily="2" charset="2"/>
-              </a:rPr>
-              <a:t> </a:t>
-            </a:r>
-            <a:r>
-              <a:rPr lang="es-ES" dirty="0" err="1">
-                <a:sym typeface="Wingdings" panose="05000000000000000000" pitchFamily="2" charset="2"/>
-              </a:rPr>
-              <a:t>més</a:t>
-            </a:r>
-            <a:r>
-              <a:rPr lang="es-ES" dirty="0">
-                <a:sym typeface="Wingdings" panose="05000000000000000000" pitchFamily="2" charset="2"/>
-              </a:rPr>
-              <a:t> </a:t>
-            </a:r>
-            <a:r>
-              <a:rPr lang="es-ES" dirty="0" err="1">
-                <a:sym typeface="Wingdings" panose="05000000000000000000" pitchFamily="2" charset="2"/>
-              </a:rPr>
-              <a:t>alt</a:t>
-            </a:r>
-            <a:r>
-              <a:rPr lang="es-ES" dirty="0">
-                <a:sym typeface="Wingdings" panose="05000000000000000000" pitchFamily="2" charset="2"/>
-              </a:rPr>
-              <a:t> </a:t>
-            </a:r>
-            <a:r>
-              <a:rPr lang="es-ES" dirty="0" err="1">
-                <a:sym typeface="Wingdings" panose="05000000000000000000" pitchFamily="2" charset="2"/>
-              </a:rPr>
-              <a:t>sigui</a:t>
-            </a:r>
-            <a:r>
-              <a:rPr lang="es-ES" dirty="0">
-                <a:sym typeface="Wingdings" panose="05000000000000000000" pitchFamily="2" charset="2"/>
-              </a:rPr>
-              <a:t> el valor la </a:t>
-            </a:r>
-            <a:r>
-              <a:rPr lang="es-ES" dirty="0" err="1">
-                <a:sym typeface="Wingdings" panose="05000000000000000000" pitchFamily="2" charset="2"/>
-              </a:rPr>
-              <a:t>xarxa</a:t>
-            </a:r>
-            <a:r>
-              <a:rPr lang="es-ES" dirty="0">
-                <a:sym typeface="Wingdings" panose="05000000000000000000" pitchFamily="2" charset="2"/>
-              </a:rPr>
-              <a:t> neuronal </a:t>
-            </a:r>
-            <a:r>
-              <a:rPr lang="es-ES" dirty="0" err="1">
-                <a:sym typeface="Wingdings" panose="05000000000000000000" pitchFamily="2" charset="2"/>
-              </a:rPr>
-              <a:t>haurà</a:t>
-            </a:r>
-            <a:r>
-              <a:rPr lang="es-ES" dirty="0">
-                <a:sym typeface="Wingdings" panose="05000000000000000000" pitchFamily="2" charset="2"/>
-              </a:rPr>
-              <a:t> </a:t>
-            </a:r>
-            <a:r>
-              <a:rPr lang="es-ES" dirty="0" err="1">
-                <a:sym typeface="Wingdings" panose="05000000000000000000" pitchFamily="2" charset="2"/>
-              </a:rPr>
-              <a:t>portat</a:t>
-            </a:r>
-            <a:r>
-              <a:rPr lang="es-ES" dirty="0">
-                <a:sym typeface="Wingdings" panose="05000000000000000000" pitchFamily="2" charset="2"/>
-              </a:rPr>
-              <a:t> a </a:t>
-            </a:r>
-            <a:r>
-              <a:rPr lang="es-ES" dirty="0" err="1">
-                <a:sym typeface="Wingdings" panose="05000000000000000000" pitchFamily="2" charset="2"/>
-              </a:rPr>
-              <a:t>terme</a:t>
-            </a:r>
-            <a:r>
-              <a:rPr lang="es-ES" dirty="0">
-                <a:sym typeface="Wingdings" panose="05000000000000000000" pitchFamily="2" charset="2"/>
-              </a:rPr>
-              <a:t> </a:t>
-            </a:r>
-            <a:r>
-              <a:rPr lang="es-ES" dirty="0" err="1">
-                <a:sym typeface="Wingdings" panose="05000000000000000000" pitchFamily="2" charset="2"/>
-              </a:rPr>
-              <a:t>millor</a:t>
-            </a:r>
-            <a:r>
-              <a:rPr lang="es-ES" dirty="0">
-                <a:sym typeface="Wingdings" panose="05000000000000000000" pitchFamily="2" charset="2"/>
-              </a:rPr>
-              <a:t> la tasca </a:t>
-            </a:r>
-            <a:r>
-              <a:rPr lang="es-ES" dirty="0" err="1">
-                <a:sym typeface="Wingdings" panose="05000000000000000000" pitchFamily="2" charset="2"/>
-              </a:rPr>
-              <a:t>encomanada</a:t>
-            </a:r>
-            <a:r>
-              <a:rPr lang="es-ES" dirty="0">
-                <a:sym typeface="Wingdings" panose="05000000000000000000" pitchFamily="2" charset="2"/>
-              </a:rPr>
-              <a:t>.</a:t>
-            </a:r>
-          </a:p>
-          <a:p>
-            <a:pPr marL="0" indent="0">
-              <a:buNone/>
-            </a:pPr>
-            <a:endParaRPr lang="es-ES" dirty="0">
-              <a:sym typeface="Wingdings" panose="05000000000000000000" pitchFamily="2" charset="2"/>
-            </a:endParaRPr>
-          </a:p>
-          <a:p>
-            <a:pPr marL="0" indent="0">
-              <a:buNone/>
-            </a:pPr>
-            <a:r>
-              <a:rPr lang="es-ES" dirty="0">
-                <a:sym typeface="Wingdings" panose="05000000000000000000" pitchFamily="2" charset="2"/>
-              </a:rPr>
-              <a:t>Cada tasca té infinites </a:t>
-            </a:r>
-            <a:r>
-              <a:rPr lang="es-ES" dirty="0" err="1">
-                <a:sym typeface="Wingdings" panose="05000000000000000000" pitchFamily="2" charset="2"/>
-              </a:rPr>
-              <a:t>funcions</a:t>
-            </a:r>
-            <a:r>
-              <a:rPr lang="es-ES" dirty="0">
-                <a:sym typeface="Wingdings" panose="05000000000000000000" pitchFamily="2" charset="2"/>
-              </a:rPr>
-              <a:t> fitness.</a:t>
-            </a:r>
-            <a:endParaRPr lang="es-ES" dirty="0"/>
-          </a:p>
-        </p:txBody>
-      </p:sp>
+        </p:grpSpPr>
+        <p:pic>
+          <p:nvPicPr>
+            <p:cNvPr id="3" name="Imatge 1" descr="Imatge que conté text, captura de pantalla, Font, cercle&#10;&#10;Descripció generada automàticament">
+              <a:extLst>
+                <a:ext uri="{FF2B5EF4-FFF2-40B4-BE49-F238E27FC236}">
+                  <a16:creationId xmlns:a16="http://schemas.microsoft.com/office/drawing/2014/main" id="{427CBA8A-DBB0-A8AA-317F-D2D308B49ACF}"/>
+                </a:ext>
+              </a:extLst>
+            </p:cNvPr>
+            <p:cNvPicPr>
+              <a:picLocks noChangeAspect="1"/>
+            </p:cNvPicPr>
+            <p:nvPr/>
+          </p:nvPicPr>
+          <p:blipFill>
+            <a:blip r:embed="rId3" cstate="print">
+              <a:extLst>
+                <a:ext uri="{28A0092B-C50C-407E-A947-70E740481C1C}">
+                  <a14:useLocalDpi xmlns:a14="http://schemas.microsoft.com/office/drawing/2010/main" val="0"/>
+                </a:ext>
+              </a:extLst>
+            </a:blip>
+            <a:stretch>
+              <a:fillRect/>
+            </a:stretch>
+          </p:blipFill>
+          <p:spPr>
+            <a:xfrm>
+              <a:off x="1020971" y="2371877"/>
+              <a:ext cx="2976247" cy="2676373"/>
+            </a:xfrm>
+            <a:prstGeom prst="rect">
+              <a:avLst/>
+            </a:prstGeom>
+          </p:spPr>
+        </p:pic>
+        <p:sp>
+          <p:nvSpPr>
+            <p:cNvPr id="4" name="Fletxa: dreta 3">
+              <a:extLst>
+                <a:ext uri="{FF2B5EF4-FFF2-40B4-BE49-F238E27FC236}">
+                  <a16:creationId xmlns:a16="http://schemas.microsoft.com/office/drawing/2014/main" id="{C25C3F70-E6BE-07C2-E8FC-F6A7AD58097D}"/>
+                </a:ext>
+              </a:extLst>
+            </p:cNvPr>
+            <p:cNvSpPr/>
+            <p:nvPr/>
+          </p:nvSpPr>
+          <p:spPr>
+            <a:xfrm>
+              <a:off x="4286251" y="3414788"/>
+              <a:ext cx="1066800" cy="528415"/>
+            </a:xfrm>
+            <a:prstGeom prst="rightArrow">
+              <a:avLst/>
+            </a:prstGeom>
+          </p:spPr>
+          <p:style>
+            <a:lnRef idx="2">
+              <a:schemeClr val="accent1">
+                <a:shade val="15000"/>
+              </a:schemeClr>
+            </a:lnRef>
+            <a:fillRef idx="1">
+              <a:schemeClr val="accent1"/>
+            </a:fillRef>
+            <a:effectRef idx="0">
+              <a:schemeClr val="accent1"/>
+            </a:effectRef>
+            <a:fontRef idx="minor">
+              <a:schemeClr val="lt1"/>
+            </a:fontRef>
+          </p:style>
+          <p:txBody>
+            <a:bodyPr rtlCol="0" anchor="ctr"/>
+            <a:lstStyle/>
+            <a:p>
+              <a:pPr algn="ctr"/>
+              <a:endParaRPr lang="ca-ES"/>
+            </a:p>
+          </p:txBody>
+        </p:sp>
+        <p:sp>
+          <p:nvSpPr>
+            <p:cNvPr id="5" name="Rectangle 4">
+              <a:extLst>
+                <a:ext uri="{FF2B5EF4-FFF2-40B4-BE49-F238E27FC236}">
+                  <a16:creationId xmlns:a16="http://schemas.microsoft.com/office/drawing/2014/main" id="{633E6DEB-B974-8248-E277-DC0E4BE6D6D8}"/>
+                </a:ext>
+              </a:extLst>
+            </p:cNvPr>
+            <p:cNvSpPr/>
+            <p:nvPr/>
+          </p:nvSpPr>
+          <p:spPr>
+            <a:xfrm>
+              <a:off x="5642084" y="3093830"/>
+              <a:ext cx="1314450" cy="1123950"/>
+            </a:xfrm>
+            <a:prstGeom prst="rect">
+              <a:avLst/>
+            </a:prstGeom>
+          </p:spPr>
+          <p:style>
+            <a:lnRef idx="2">
+              <a:schemeClr val="accent1">
+                <a:shade val="15000"/>
+              </a:schemeClr>
+            </a:lnRef>
+            <a:fillRef idx="1">
+              <a:schemeClr val="accent1"/>
+            </a:fillRef>
+            <a:effectRef idx="0">
+              <a:schemeClr val="accent1"/>
+            </a:effectRef>
+            <a:fontRef idx="minor">
+              <a:schemeClr val="lt1"/>
+            </a:fontRef>
+          </p:style>
+          <p:txBody>
+            <a:bodyPr rtlCol="0" anchor="ctr"/>
+            <a:lstStyle/>
+            <a:p>
+              <a:pPr algn="ctr"/>
+              <a:r>
+                <a:rPr lang="es-ES" dirty="0" err="1"/>
+                <a:t>Funció</a:t>
+              </a:r>
+              <a:r>
+                <a:rPr lang="es-ES" dirty="0"/>
+                <a:t> Fitness</a:t>
+              </a:r>
+              <a:endParaRPr lang="ca-ES" dirty="0"/>
+            </a:p>
+          </p:txBody>
+        </p:sp>
+        <p:sp>
+          <p:nvSpPr>
+            <p:cNvPr id="7" name="Fletxa: dreta 6">
+              <a:extLst>
+                <a:ext uri="{FF2B5EF4-FFF2-40B4-BE49-F238E27FC236}">
+                  <a16:creationId xmlns:a16="http://schemas.microsoft.com/office/drawing/2014/main" id="{09429217-4A10-8530-5F00-6E7E2AA2A942}"/>
+                </a:ext>
+              </a:extLst>
+            </p:cNvPr>
+            <p:cNvSpPr/>
+            <p:nvPr/>
+          </p:nvSpPr>
+          <p:spPr>
+            <a:xfrm>
+              <a:off x="7245567" y="3414788"/>
+              <a:ext cx="1066800" cy="528415"/>
+            </a:xfrm>
+            <a:prstGeom prst="rightArrow">
+              <a:avLst/>
+            </a:prstGeom>
+          </p:spPr>
+          <p:style>
+            <a:lnRef idx="2">
+              <a:schemeClr val="accent1">
+                <a:shade val="15000"/>
+              </a:schemeClr>
+            </a:lnRef>
+            <a:fillRef idx="1">
+              <a:schemeClr val="accent1"/>
+            </a:fillRef>
+            <a:effectRef idx="0">
+              <a:schemeClr val="accent1"/>
+            </a:effectRef>
+            <a:fontRef idx="minor">
+              <a:schemeClr val="lt1"/>
+            </a:fontRef>
+          </p:style>
+          <p:txBody>
+            <a:bodyPr rtlCol="0" anchor="ctr"/>
+            <a:lstStyle/>
+            <a:p>
+              <a:pPr algn="ctr"/>
+              <a:endParaRPr lang="ca-ES"/>
+            </a:p>
+          </p:txBody>
+        </p:sp>
+        <p:sp>
+          <p:nvSpPr>
+            <p:cNvPr id="9" name="Rectangle 8">
+              <a:extLst>
+                <a:ext uri="{FF2B5EF4-FFF2-40B4-BE49-F238E27FC236}">
+                  <a16:creationId xmlns:a16="http://schemas.microsoft.com/office/drawing/2014/main" id="{AF2C9D66-DE2E-EC7A-2165-89E7D6D7A26D}"/>
+                </a:ext>
+              </a:extLst>
+            </p:cNvPr>
+            <p:cNvSpPr/>
+            <p:nvPr/>
+          </p:nvSpPr>
+          <p:spPr>
+            <a:xfrm>
+              <a:off x="8601400" y="3117020"/>
+              <a:ext cx="1314450" cy="1123950"/>
+            </a:xfrm>
+            <a:prstGeom prst="rect">
+              <a:avLst/>
+            </a:prstGeom>
+          </p:spPr>
+          <p:style>
+            <a:lnRef idx="2">
+              <a:schemeClr val="accent1">
+                <a:shade val="15000"/>
+              </a:schemeClr>
+            </a:lnRef>
+            <a:fillRef idx="1">
+              <a:schemeClr val="accent1"/>
+            </a:fillRef>
+            <a:effectRef idx="0">
+              <a:schemeClr val="accent1"/>
+            </a:effectRef>
+            <a:fontRef idx="minor">
+              <a:schemeClr val="lt1"/>
+            </a:fontRef>
+          </p:style>
+          <p:txBody>
+            <a:bodyPr rtlCol="0" anchor="ctr"/>
+            <a:lstStyle/>
+            <a:p>
+              <a:pPr algn="ctr"/>
+              <a:r>
+                <a:rPr lang="es-ES" dirty="0" err="1"/>
+                <a:t>Puntuació</a:t>
+              </a:r>
+              <a:endParaRPr lang="ca-ES" dirty="0"/>
+            </a:p>
+          </p:txBody>
+        </p:sp>
+      </p:grpSp>
     </p:spTree>
     <p:extLst>
       <p:ext uri="{BB962C8B-B14F-4D97-AF65-F5344CB8AC3E}">
@@ -6321,7 +6631,7 @@
             </a:r>
             <a:r>
               <a:rPr lang="es-ES" dirty="0" err="1"/>
-              <a:t>genetic</a:t>
+              <a:t>genètic</a:t>
             </a:r>
             <a:endParaRPr lang="es-ES" dirty="0"/>
           </a:p>

--- a/TR_ESCRIT/PPT_Marc.pptx
+++ b/TR_ESCRIT/PPT_Marc.pptx
@@ -5,7 +5,7 @@
     <p:sldMasterId id="2147483648" r:id="rId1"/>
   </p:sldMasterIdLst>
   <p:notesMasterIdLst>
-    <p:notesMasterId r:id="rId11"/>
+    <p:notesMasterId r:id="rId14"/>
   </p:notesMasterIdLst>
   <p:sldIdLst>
     <p:sldId id="261" r:id="rId2"/>
@@ -17,6 +17,9 @@
     <p:sldId id="268" r:id="rId8"/>
     <p:sldId id="267" r:id="rId9"/>
     <p:sldId id="264" r:id="rId10"/>
+    <p:sldId id="269" r:id="rId11"/>
+    <p:sldId id="270" r:id="rId12"/>
+    <p:sldId id="271" r:id="rId13"/>
   </p:sldIdLst>
   <p:sldSz cx="12192000" cy="6858000"/>
   <p:notesSz cx="6858000" cy="9144000"/>
@@ -205,7 +208,7 @@
           <a:p>
             <a:fld id="{0226C92E-AAA0-4557-B9A1-29537D615C99}" type="datetimeFigureOut">
               <a:rPr lang="es-ES" smtClean="0"/>
-              <a:t>06/12/2024</a:t>
+              <a:t>07/12/2024</a:t>
             </a:fld>
             <a:endParaRPr lang="es-ES"/>
           </a:p>
@@ -1298,7 +1301,7 @@
           <a:p>
             <a:fld id="{5BFCB7AD-FFC1-45CB-A519-22D7131A930E}" type="datetimeFigureOut">
               <a:rPr lang="es-ES" smtClean="0"/>
-              <a:t>06/12/2024</a:t>
+              <a:t>07/12/2024</a:t>
             </a:fld>
             <a:endParaRPr lang="es-ES"/>
           </a:p>
@@ -1496,7 +1499,7 @@
           <a:p>
             <a:fld id="{5BFCB7AD-FFC1-45CB-A519-22D7131A930E}" type="datetimeFigureOut">
               <a:rPr lang="es-ES" smtClean="0"/>
-              <a:t>06/12/2024</a:t>
+              <a:t>07/12/2024</a:t>
             </a:fld>
             <a:endParaRPr lang="es-ES"/>
           </a:p>
@@ -1704,7 +1707,7 @@
           <a:p>
             <a:fld id="{5BFCB7AD-FFC1-45CB-A519-22D7131A930E}" type="datetimeFigureOut">
               <a:rPr lang="es-ES" smtClean="0"/>
-              <a:t>06/12/2024</a:t>
+              <a:t>07/12/2024</a:t>
             </a:fld>
             <a:endParaRPr lang="es-ES"/>
           </a:p>
@@ -1902,7 +1905,7 @@
           <a:p>
             <a:fld id="{5BFCB7AD-FFC1-45CB-A519-22D7131A930E}" type="datetimeFigureOut">
               <a:rPr lang="es-ES" smtClean="0"/>
-              <a:t>06/12/2024</a:t>
+              <a:t>07/12/2024</a:t>
             </a:fld>
             <a:endParaRPr lang="es-ES"/>
           </a:p>
@@ -2177,7 +2180,7 @@
           <a:p>
             <a:fld id="{5BFCB7AD-FFC1-45CB-A519-22D7131A930E}" type="datetimeFigureOut">
               <a:rPr lang="es-ES" smtClean="0"/>
-              <a:t>06/12/2024</a:t>
+              <a:t>07/12/2024</a:t>
             </a:fld>
             <a:endParaRPr lang="es-ES"/>
           </a:p>
@@ -2442,7 +2445,7 @@
           <a:p>
             <a:fld id="{5BFCB7AD-FFC1-45CB-A519-22D7131A930E}" type="datetimeFigureOut">
               <a:rPr lang="es-ES" smtClean="0"/>
-              <a:t>06/12/2024</a:t>
+              <a:t>07/12/2024</a:t>
             </a:fld>
             <a:endParaRPr lang="es-ES"/>
           </a:p>
@@ -2854,7 +2857,7 @@
           <a:p>
             <a:fld id="{5BFCB7AD-FFC1-45CB-A519-22D7131A930E}" type="datetimeFigureOut">
               <a:rPr lang="es-ES" smtClean="0"/>
-              <a:t>06/12/2024</a:t>
+              <a:t>07/12/2024</a:t>
             </a:fld>
             <a:endParaRPr lang="es-ES"/>
           </a:p>
@@ -2995,7 +2998,7 @@
           <a:p>
             <a:fld id="{5BFCB7AD-FFC1-45CB-A519-22D7131A930E}" type="datetimeFigureOut">
               <a:rPr lang="es-ES" smtClean="0"/>
-              <a:t>06/12/2024</a:t>
+              <a:t>07/12/2024</a:t>
             </a:fld>
             <a:endParaRPr lang="es-ES"/>
           </a:p>
@@ -3108,7 +3111,7 @@
           <a:p>
             <a:fld id="{5BFCB7AD-FFC1-45CB-A519-22D7131A930E}" type="datetimeFigureOut">
               <a:rPr lang="es-ES" smtClean="0"/>
-              <a:t>06/12/2024</a:t>
+              <a:t>07/12/2024</a:t>
             </a:fld>
             <a:endParaRPr lang="es-ES"/>
           </a:p>
@@ -3419,7 +3422,7 @@
           <a:p>
             <a:fld id="{5BFCB7AD-FFC1-45CB-A519-22D7131A930E}" type="datetimeFigureOut">
               <a:rPr lang="es-ES" smtClean="0"/>
-              <a:t>06/12/2024</a:t>
+              <a:t>07/12/2024</a:t>
             </a:fld>
             <a:endParaRPr lang="es-ES"/>
           </a:p>
@@ -3707,7 +3710,7 @@
           <a:p>
             <a:fld id="{5BFCB7AD-FFC1-45CB-A519-22D7131A930E}" type="datetimeFigureOut">
               <a:rPr lang="es-ES" smtClean="0"/>
-              <a:t>06/12/2024</a:t>
+              <a:t>07/12/2024</a:t>
             </a:fld>
             <a:endParaRPr lang="es-ES"/>
           </a:p>
@@ -3948,7 +3951,7 @@
           <a:p>
             <a:fld id="{5BFCB7AD-FFC1-45CB-A519-22D7131A930E}" type="datetimeFigureOut">
               <a:rPr lang="es-ES" smtClean="0"/>
-              <a:t>06/12/2024</a:t>
+              <a:t>07/12/2024</a:t>
             </a:fld>
             <a:endParaRPr lang="es-ES"/>
           </a:p>
@@ -4525,6 +4528,4166 @@
     <p:extLst>
       <p:ext uri="{BB962C8B-B14F-4D97-AF65-F5344CB8AC3E}">
         <p14:creationId xmlns:p14="http://schemas.microsoft.com/office/powerpoint/2010/main" val="721707938"/>
+      </p:ext>
+    </p:extLst>
+  </p:cSld>
+  <p:clrMapOvr>
+    <a:masterClrMapping/>
+  </p:clrMapOvr>
+</p:sld>
+</file>
+
+<file path=ppt/slides/slide10.xml><?xml version="1.0" encoding="utf-8"?>
+<p:sld xmlns:a="http://schemas.openxmlformats.org/drawingml/2006/main" xmlns:r="http://schemas.openxmlformats.org/officeDocument/2006/relationships" xmlns:p="http://schemas.openxmlformats.org/presentationml/2006/main">
+  <p:cSld>
+    <p:bg>
+      <p:bgPr>
+        <a:solidFill>
+          <a:schemeClr val="bg1"/>
+        </a:solidFill>
+        <a:effectLst/>
+      </p:bgPr>
+    </p:bg>
+    <p:spTree>
+      <p:nvGrpSpPr>
+        <p:cNvPr id="1" name=""/>
+        <p:cNvGrpSpPr/>
+        <p:nvPr/>
+      </p:nvGrpSpPr>
+      <p:grpSpPr>
+        <a:xfrm>
+          <a:off x="0" y="0"/>
+          <a:ext cx="0" cy="0"/>
+          <a:chOff x="0" y="0"/>
+          <a:chExt cx="0" cy="0"/>
+        </a:xfrm>
+      </p:grpSpPr>
+      <p:sp useBgFill="1">
+        <p:nvSpPr>
+          <p:cNvPr id="20" name="Rectangle 19">
+            <a:extLst>
+              <a:ext uri="{FF2B5EF4-FFF2-40B4-BE49-F238E27FC236}">
+                <a16:creationId xmlns:a16="http://schemas.microsoft.com/office/drawing/2014/main" id="{337940BB-FBC4-492E-BD92-3B7B914D0EAE}"/>
+              </a:ext>
+              <a:ext uri="{C183D7F6-B498-43B3-948B-1728B52AA6E4}">
+                <adec:decorative xmlns:adec="http://schemas.microsoft.com/office/drawing/2017/decorative" val="1"/>
+              </a:ext>
+            </a:extLst>
+          </p:cNvPr>
+          <p:cNvSpPr>
+            <a:spLocks noGrp="1" noRot="1" noChangeAspect="1" noMove="1" noResize="1" noEditPoints="1" noAdjustHandles="1" noChangeArrowheads="1" noChangeShapeType="1" noTextEdit="1"/>
+          </p:cNvSpPr>
+          <p:nvPr>
+            <p:extLst>
+              <p:ext uri="{386F3935-93C4-4BCD-93E2-E3B085C9AB24}">
+                <p16:designElem xmlns:p16="http://schemas.microsoft.com/office/powerpoint/2015/main" val="1"/>
+              </p:ext>
+            </p:extLst>
+          </p:nvPr>
+        </p:nvSpPr>
+        <p:spPr>
+          <a:xfrm>
+            <a:off x="0" y="0"/>
+            <a:ext cx="12192000" cy="6858000"/>
+          </a:xfrm>
+          <a:prstGeom prst="rect">
+            <a:avLst/>
+          </a:prstGeom>
+          <a:ln>
+            <a:noFill/>
+          </a:ln>
+        </p:spPr>
+        <p:style>
+          <a:lnRef idx="2">
+            <a:schemeClr val="accent1">
+              <a:shade val="50000"/>
+            </a:schemeClr>
+          </a:lnRef>
+          <a:fillRef idx="1">
+            <a:schemeClr val="accent1"/>
+          </a:fillRef>
+          <a:effectRef idx="0">
+            <a:schemeClr val="accent1"/>
+          </a:effectRef>
+          <a:fontRef idx="minor">
+            <a:schemeClr val="lt1"/>
+          </a:fontRef>
+        </p:style>
+        <p:txBody>
+          <a:bodyPr rtlCol="0" anchor="ctr"/>
+          <a:lstStyle/>
+          <a:p>
+            <a:pPr algn="ctr"/>
+            <a:endParaRPr lang="en-US"/>
+          </a:p>
+        </p:txBody>
+      </p:sp>
+      <p:sp>
+        <p:nvSpPr>
+          <p:cNvPr id="2" name="Títol 1">
+            <a:extLst>
+              <a:ext uri="{FF2B5EF4-FFF2-40B4-BE49-F238E27FC236}">
+                <a16:creationId xmlns:a16="http://schemas.microsoft.com/office/drawing/2014/main" id="{E5319C96-3C7A-8A08-7981-E4D43543F884}"/>
+              </a:ext>
+            </a:extLst>
+          </p:cNvPr>
+          <p:cNvSpPr>
+            <a:spLocks noGrp="1"/>
+          </p:cNvSpPr>
+          <p:nvPr>
+            <p:ph type="title"/>
+          </p:nvPr>
+        </p:nvSpPr>
+        <p:spPr>
+          <a:xfrm>
+            <a:off x="4853988" y="320041"/>
+            <a:ext cx="6707084" cy="3892668"/>
+          </a:xfrm>
+        </p:spPr>
+        <p:txBody>
+          <a:bodyPr vert="horz" lIns="91440" tIns="45720" rIns="91440" bIns="45720" rtlCol="0" anchor="b">
+            <a:normAutofit/>
+          </a:bodyPr>
+          <a:lstStyle/>
+          <a:p>
+            <a:r>
+              <a:rPr lang="en-US" sz="6600" kern="1200">
+                <a:solidFill>
+                  <a:schemeClr val="tx1"/>
+                </a:solidFill>
+                <a:latin typeface="+mj-lt"/>
+                <a:ea typeface="+mj-ea"/>
+                <a:cs typeface="+mj-cs"/>
+              </a:rPr>
+              <a:t>Flappy Bird</a:t>
+            </a:r>
+          </a:p>
+        </p:txBody>
+      </p:sp>
+      <p:pic>
+        <p:nvPicPr>
+          <p:cNvPr id="4" name="Imatge 3" descr="Imatge que conté captura de pantalla, dibuixos, il·lustració, disseny&#10;&#10;Descripció generada automàticament">
+            <a:extLst>
+              <a:ext uri="{FF2B5EF4-FFF2-40B4-BE49-F238E27FC236}">
+                <a16:creationId xmlns:a16="http://schemas.microsoft.com/office/drawing/2014/main" id="{12AA8586-866B-CEC2-8E95-555DBD2E13B3}"/>
+              </a:ext>
+            </a:extLst>
+          </p:cNvPr>
+          <p:cNvPicPr>
+            <a:picLocks noChangeAspect="1"/>
+          </p:cNvPicPr>
+          <p:nvPr/>
+        </p:nvPicPr>
+        <p:blipFill>
+          <a:blip r:embed="rId2">
+            <a:extLst>
+              <a:ext uri="{28A0092B-C50C-407E-A947-70E740481C1C}">
+                <a14:useLocalDpi xmlns:a14="http://schemas.microsoft.com/office/drawing/2010/main" val="0"/>
+              </a:ext>
+            </a:extLst>
+          </a:blip>
+          <a:stretch>
+            <a:fillRect/>
+          </a:stretch>
+        </p:blipFill>
+        <p:spPr>
+          <a:xfrm>
+            <a:off x="421866" y="320040"/>
+            <a:ext cx="3883715" cy="5899785"/>
+          </a:xfrm>
+          <a:prstGeom prst="rect">
+            <a:avLst/>
+          </a:prstGeom>
+        </p:spPr>
+      </p:pic>
+      <p:sp>
+        <p:nvSpPr>
+          <p:cNvPr id="21" name="sketch line">
+            <a:extLst>
+              <a:ext uri="{FF2B5EF4-FFF2-40B4-BE49-F238E27FC236}">
+                <a16:creationId xmlns:a16="http://schemas.microsoft.com/office/drawing/2014/main" id="{3FCFB1DE-0B7E-48CC-BA90-B2AB0889F9D6}"/>
+              </a:ext>
+              <a:ext uri="{C183D7F6-B498-43B3-948B-1728B52AA6E4}">
+                <adec:decorative xmlns:adec="http://schemas.microsoft.com/office/drawing/2017/decorative" val="1"/>
+              </a:ext>
+            </a:extLst>
+          </p:cNvPr>
+          <p:cNvSpPr>
+            <a:spLocks noGrp="1" noRot="1" noChangeAspect="1" noMove="1" noResize="1" noEditPoints="1" noAdjustHandles="1" noChangeArrowheads="1" noChangeShapeType="1" noTextEdit="1"/>
+          </p:cNvSpPr>
+          <p:nvPr>
+            <p:extLst>
+              <p:ext uri="{386F3935-93C4-4BCD-93E2-E3B085C9AB24}">
+                <p16:designElem xmlns:p16="http://schemas.microsoft.com/office/powerpoint/2015/main" val="1"/>
+              </p:ext>
+            </p:extLst>
+          </p:nvPr>
+        </p:nvSpPr>
+        <p:spPr>
+          <a:xfrm>
+            <a:off x="4853987" y="4409267"/>
+            <a:ext cx="4243589" cy="27432"/>
+          </a:xfrm>
+          <a:custGeom>
+            <a:avLst/>
+            <a:gdLst>
+              <a:gd name="connsiteX0" fmla="*/ 0 w 4243589"/>
+              <a:gd name="connsiteY0" fmla="*/ 0 h 27432"/>
+              <a:gd name="connsiteX1" fmla="*/ 563791 w 4243589"/>
+              <a:gd name="connsiteY1" fmla="*/ 0 h 27432"/>
+              <a:gd name="connsiteX2" fmla="*/ 1042710 w 4243589"/>
+              <a:gd name="connsiteY2" fmla="*/ 0 h 27432"/>
+              <a:gd name="connsiteX3" fmla="*/ 1564066 w 4243589"/>
+              <a:gd name="connsiteY3" fmla="*/ 0 h 27432"/>
+              <a:gd name="connsiteX4" fmla="*/ 2212729 w 4243589"/>
+              <a:gd name="connsiteY4" fmla="*/ 0 h 27432"/>
+              <a:gd name="connsiteX5" fmla="*/ 2776520 w 4243589"/>
+              <a:gd name="connsiteY5" fmla="*/ 0 h 27432"/>
+              <a:gd name="connsiteX6" fmla="*/ 3297875 w 4243589"/>
+              <a:gd name="connsiteY6" fmla="*/ 0 h 27432"/>
+              <a:gd name="connsiteX7" fmla="*/ 4243589 w 4243589"/>
+              <a:gd name="connsiteY7" fmla="*/ 0 h 27432"/>
+              <a:gd name="connsiteX8" fmla="*/ 4243589 w 4243589"/>
+              <a:gd name="connsiteY8" fmla="*/ 27432 h 27432"/>
+              <a:gd name="connsiteX9" fmla="*/ 3637362 w 4243589"/>
+              <a:gd name="connsiteY9" fmla="*/ 27432 h 27432"/>
+              <a:gd name="connsiteX10" fmla="*/ 3116007 w 4243589"/>
+              <a:gd name="connsiteY10" fmla="*/ 27432 h 27432"/>
+              <a:gd name="connsiteX11" fmla="*/ 2424908 w 4243589"/>
+              <a:gd name="connsiteY11" fmla="*/ 27432 h 27432"/>
+              <a:gd name="connsiteX12" fmla="*/ 1861117 w 4243589"/>
+              <a:gd name="connsiteY12" fmla="*/ 27432 h 27432"/>
+              <a:gd name="connsiteX13" fmla="*/ 1382198 w 4243589"/>
+              <a:gd name="connsiteY13" fmla="*/ 27432 h 27432"/>
+              <a:gd name="connsiteX14" fmla="*/ 733535 w 4243589"/>
+              <a:gd name="connsiteY14" fmla="*/ 27432 h 27432"/>
+              <a:gd name="connsiteX15" fmla="*/ 0 w 4243589"/>
+              <a:gd name="connsiteY15" fmla="*/ 27432 h 27432"/>
+              <a:gd name="connsiteX16" fmla="*/ 0 w 4243589"/>
+              <a:gd name="connsiteY16" fmla="*/ 0 h 27432"/>
+            </a:gdLst>
+            <a:ahLst/>
+            <a:cxnLst>
+              <a:cxn ang="0">
+                <a:pos x="connsiteX0" y="connsiteY0"/>
+              </a:cxn>
+              <a:cxn ang="0">
+                <a:pos x="connsiteX1" y="connsiteY1"/>
+              </a:cxn>
+              <a:cxn ang="0">
+                <a:pos x="connsiteX2" y="connsiteY2"/>
+              </a:cxn>
+              <a:cxn ang="0">
+                <a:pos x="connsiteX3" y="connsiteY3"/>
+              </a:cxn>
+              <a:cxn ang="0">
+                <a:pos x="connsiteX4" y="connsiteY4"/>
+              </a:cxn>
+              <a:cxn ang="0">
+                <a:pos x="connsiteX5" y="connsiteY5"/>
+              </a:cxn>
+              <a:cxn ang="0">
+                <a:pos x="connsiteX6" y="connsiteY6"/>
+              </a:cxn>
+              <a:cxn ang="0">
+                <a:pos x="connsiteX7" y="connsiteY7"/>
+              </a:cxn>
+              <a:cxn ang="0">
+                <a:pos x="connsiteX8" y="connsiteY8"/>
+              </a:cxn>
+              <a:cxn ang="0">
+                <a:pos x="connsiteX9" y="connsiteY9"/>
+              </a:cxn>
+              <a:cxn ang="0">
+                <a:pos x="connsiteX10" y="connsiteY10"/>
+              </a:cxn>
+              <a:cxn ang="0">
+                <a:pos x="connsiteX11" y="connsiteY11"/>
+              </a:cxn>
+              <a:cxn ang="0">
+                <a:pos x="connsiteX12" y="connsiteY12"/>
+              </a:cxn>
+              <a:cxn ang="0">
+                <a:pos x="connsiteX13" y="connsiteY13"/>
+              </a:cxn>
+              <a:cxn ang="0">
+                <a:pos x="connsiteX14" y="connsiteY14"/>
+              </a:cxn>
+              <a:cxn ang="0">
+                <a:pos x="connsiteX15" y="connsiteY15"/>
+              </a:cxn>
+              <a:cxn ang="0">
+                <a:pos x="connsiteX16" y="connsiteY16"/>
+              </a:cxn>
+            </a:cxnLst>
+            <a:rect l="l" t="t" r="r" b="b"/>
+            <a:pathLst>
+              <a:path w="4243589" h="27432" fill="none" extrusionOk="0">
+                <a:moveTo>
+                  <a:pt x="0" y="0"/>
+                </a:moveTo>
+                <a:cubicBezTo>
+                  <a:pt x="157351" y="-15653"/>
+                  <a:pt x="378877" y="-5828"/>
+                  <a:pt x="563791" y="0"/>
+                </a:cubicBezTo>
+                <a:cubicBezTo>
+                  <a:pt x="748705" y="5828"/>
+                  <a:pt x="905659" y="-5525"/>
+                  <a:pt x="1042710" y="0"/>
+                </a:cubicBezTo>
+                <a:cubicBezTo>
+                  <a:pt x="1179761" y="5525"/>
+                  <a:pt x="1356845" y="-21288"/>
+                  <a:pt x="1564066" y="0"/>
+                </a:cubicBezTo>
+                <a:cubicBezTo>
+                  <a:pt x="1771287" y="21288"/>
+                  <a:pt x="1912099" y="25135"/>
+                  <a:pt x="2212729" y="0"/>
+                </a:cubicBezTo>
+                <a:cubicBezTo>
+                  <a:pt x="2513359" y="-25135"/>
+                  <a:pt x="2514918" y="-27119"/>
+                  <a:pt x="2776520" y="0"/>
+                </a:cubicBezTo>
+                <a:cubicBezTo>
+                  <a:pt x="3038122" y="27119"/>
+                  <a:pt x="3178771" y="18116"/>
+                  <a:pt x="3297875" y="0"/>
+                </a:cubicBezTo>
+                <a:cubicBezTo>
+                  <a:pt x="3416980" y="-18116"/>
+                  <a:pt x="4012240" y="-40869"/>
+                  <a:pt x="4243589" y="0"/>
+                </a:cubicBezTo>
+                <a:cubicBezTo>
+                  <a:pt x="4242616" y="8304"/>
+                  <a:pt x="4243111" y="21512"/>
+                  <a:pt x="4243589" y="27432"/>
+                </a:cubicBezTo>
+                <a:cubicBezTo>
+                  <a:pt x="4112949" y="6289"/>
+                  <a:pt x="3928037" y="10975"/>
+                  <a:pt x="3637362" y="27432"/>
+                </a:cubicBezTo>
+                <a:cubicBezTo>
+                  <a:pt x="3346687" y="43889"/>
+                  <a:pt x="3254446" y="35813"/>
+                  <a:pt x="3116007" y="27432"/>
+                </a:cubicBezTo>
+                <a:cubicBezTo>
+                  <a:pt x="2977569" y="19051"/>
+                  <a:pt x="2620228" y="38017"/>
+                  <a:pt x="2424908" y="27432"/>
+                </a:cubicBezTo>
+                <a:cubicBezTo>
+                  <a:pt x="2229588" y="16847"/>
+                  <a:pt x="2088287" y="5290"/>
+                  <a:pt x="1861117" y="27432"/>
+                </a:cubicBezTo>
+                <a:cubicBezTo>
+                  <a:pt x="1633947" y="49574"/>
+                  <a:pt x="1502447" y="8273"/>
+                  <a:pt x="1382198" y="27432"/>
+                </a:cubicBezTo>
+                <a:cubicBezTo>
+                  <a:pt x="1261949" y="46591"/>
+                  <a:pt x="1045440" y="37497"/>
+                  <a:pt x="733535" y="27432"/>
+                </a:cubicBezTo>
+                <a:cubicBezTo>
+                  <a:pt x="421630" y="17367"/>
+                  <a:pt x="341257" y="-9215"/>
+                  <a:pt x="0" y="27432"/>
+                </a:cubicBezTo>
+                <a:cubicBezTo>
+                  <a:pt x="-1048" y="14992"/>
+                  <a:pt x="-1120" y="7447"/>
+                  <a:pt x="0" y="0"/>
+                </a:cubicBezTo>
+                <a:close/>
+              </a:path>
+              <a:path w="4243589" h="27432" stroke="0" extrusionOk="0">
+                <a:moveTo>
+                  <a:pt x="0" y="0"/>
+                </a:moveTo>
+                <a:cubicBezTo>
+                  <a:pt x="128164" y="17204"/>
+                  <a:pt x="312653" y="1129"/>
+                  <a:pt x="563791" y="0"/>
+                </a:cubicBezTo>
+                <a:cubicBezTo>
+                  <a:pt x="814929" y="-1129"/>
+                  <a:pt x="837271" y="8503"/>
+                  <a:pt x="1042710" y="0"/>
+                </a:cubicBezTo>
+                <a:cubicBezTo>
+                  <a:pt x="1248149" y="-8503"/>
+                  <a:pt x="1588432" y="-28862"/>
+                  <a:pt x="1733809" y="0"/>
+                </a:cubicBezTo>
+                <a:cubicBezTo>
+                  <a:pt x="1879186" y="28862"/>
+                  <a:pt x="2052815" y="5974"/>
+                  <a:pt x="2297600" y="0"/>
+                </a:cubicBezTo>
+                <a:cubicBezTo>
+                  <a:pt x="2542385" y="-5974"/>
+                  <a:pt x="2699960" y="-23550"/>
+                  <a:pt x="2861391" y="0"/>
+                </a:cubicBezTo>
+                <a:cubicBezTo>
+                  <a:pt x="3022822" y="23550"/>
+                  <a:pt x="3390411" y="25272"/>
+                  <a:pt x="3552490" y="0"/>
+                </a:cubicBezTo>
+                <a:cubicBezTo>
+                  <a:pt x="3714569" y="-25272"/>
+                  <a:pt x="3950585" y="-31327"/>
+                  <a:pt x="4243589" y="0"/>
+                </a:cubicBezTo>
+                <a:cubicBezTo>
+                  <a:pt x="4244074" y="9333"/>
+                  <a:pt x="4244867" y="19699"/>
+                  <a:pt x="4243589" y="27432"/>
+                </a:cubicBezTo>
+                <a:cubicBezTo>
+                  <a:pt x="4130424" y="7904"/>
+                  <a:pt x="3932803" y="51393"/>
+                  <a:pt x="3722234" y="27432"/>
+                </a:cubicBezTo>
+                <a:cubicBezTo>
+                  <a:pt x="3511665" y="3471"/>
+                  <a:pt x="3269903" y="55138"/>
+                  <a:pt x="3116007" y="27432"/>
+                </a:cubicBezTo>
+                <a:cubicBezTo>
+                  <a:pt x="2962111" y="-274"/>
+                  <a:pt x="2744280" y="32368"/>
+                  <a:pt x="2509780" y="27432"/>
+                </a:cubicBezTo>
+                <a:cubicBezTo>
+                  <a:pt x="2275280" y="22496"/>
+                  <a:pt x="2066059" y="52808"/>
+                  <a:pt x="1945989" y="27432"/>
+                </a:cubicBezTo>
+                <a:cubicBezTo>
+                  <a:pt x="1825919" y="2056"/>
+                  <a:pt x="1407329" y="21760"/>
+                  <a:pt x="1254890" y="27432"/>
+                </a:cubicBezTo>
+                <a:cubicBezTo>
+                  <a:pt x="1102451" y="33104"/>
+                  <a:pt x="837950" y="40817"/>
+                  <a:pt x="563791" y="27432"/>
+                </a:cubicBezTo>
+                <a:cubicBezTo>
+                  <a:pt x="289632" y="14047"/>
+                  <a:pt x="132768" y="16249"/>
+                  <a:pt x="0" y="27432"/>
+                </a:cubicBezTo>
+                <a:cubicBezTo>
+                  <a:pt x="211" y="18145"/>
+                  <a:pt x="120" y="6480"/>
+                  <a:pt x="0" y="0"/>
+                </a:cubicBezTo>
+                <a:close/>
+              </a:path>
+            </a:pathLst>
+          </a:custGeom>
+          <a:solidFill>
+            <a:schemeClr val="accent2"/>
+          </a:solidFill>
+          <a:ln w="41275" cap="rnd">
+            <a:solidFill>
+              <a:schemeClr val="accent2"/>
+            </a:solidFill>
+            <a:round/>
+            <a:extLst>
+              <a:ext uri="{C807C97D-BFC1-408E-A445-0C87EB9F89A2}">
+                <ask:lineSketchStyleProps xmlns:ask="http://schemas.microsoft.com/office/drawing/2018/sketchyshapes" sd="1219033472">
+                  <a:prstGeom prst="rect">
+                    <a:avLst/>
+                  </a:prstGeom>
+                  <ask:type>
+                    <ask:lineSketchFreehand/>
+                  </ask:type>
+                </ask:lineSketchStyleProps>
+              </a:ext>
+            </a:extLst>
+          </a:ln>
+        </p:spPr>
+        <p:style>
+          <a:lnRef idx="2">
+            <a:schemeClr val="accent1">
+              <a:shade val="50000"/>
+            </a:schemeClr>
+          </a:lnRef>
+          <a:fillRef idx="1">
+            <a:schemeClr val="accent1"/>
+          </a:fillRef>
+          <a:effectRef idx="0">
+            <a:schemeClr val="accent1"/>
+          </a:effectRef>
+          <a:fontRef idx="minor">
+            <a:schemeClr val="lt1"/>
+          </a:fontRef>
+        </p:style>
+        <p:txBody>
+          <a:bodyPr rtlCol="0" anchor="ctr"/>
+          <a:lstStyle/>
+          <a:p>
+            <a:pPr algn="ctr"/>
+            <a:endParaRPr lang="en-US"/>
+          </a:p>
+        </p:txBody>
+      </p:sp>
+    </p:spTree>
+    <p:extLst>
+      <p:ext uri="{BB962C8B-B14F-4D97-AF65-F5344CB8AC3E}">
+        <p14:creationId xmlns:p14="http://schemas.microsoft.com/office/powerpoint/2010/main" val="2554469924"/>
+      </p:ext>
+    </p:extLst>
+  </p:cSld>
+  <p:clrMapOvr>
+    <a:masterClrMapping/>
+  </p:clrMapOvr>
+</p:sld>
+</file>
+
+<file path=ppt/slides/slide11.xml><?xml version="1.0" encoding="utf-8"?>
+<p:sld xmlns:a="http://schemas.openxmlformats.org/drawingml/2006/main" xmlns:r="http://schemas.openxmlformats.org/officeDocument/2006/relationships" xmlns:p="http://schemas.openxmlformats.org/presentationml/2006/main">
+  <p:cSld>
+    <p:spTree>
+      <p:nvGrpSpPr>
+        <p:cNvPr id="1" name=""/>
+        <p:cNvGrpSpPr/>
+        <p:nvPr/>
+      </p:nvGrpSpPr>
+      <p:grpSpPr>
+        <a:xfrm>
+          <a:off x="0" y="0"/>
+          <a:ext cx="0" cy="0"/>
+          <a:chOff x="0" y="0"/>
+          <a:chExt cx="0" cy="0"/>
+        </a:xfrm>
+      </p:grpSpPr>
+      <p:sp>
+        <p:nvSpPr>
+          <p:cNvPr id="2" name="Títol 1">
+            <a:extLst>
+              <a:ext uri="{FF2B5EF4-FFF2-40B4-BE49-F238E27FC236}">
+                <a16:creationId xmlns:a16="http://schemas.microsoft.com/office/drawing/2014/main" id="{9EF27FDC-C2D6-82E3-16F0-071A034CEE10}"/>
+              </a:ext>
+            </a:extLst>
+          </p:cNvPr>
+          <p:cNvSpPr>
+            <a:spLocks noGrp="1"/>
+          </p:cNvSpPr>
+          <p:nvPr>
+            <p:ph type="title"/>
+          </p:nvPr>
+        </p:nvSpPr>
+        <p:spPr>
+          <a:xfrm>
+            <a:off x="519859" y="513421"/>
+            <a:ext cx="6319838" cy="1325563"/>
+          </a:xfrm>
+        </p:spPr>
+        <p:txBody>
+          <a:bodyPr/>
+          <a:lstStyle/>
+          <a:p>
+            <a:r>
+              <a:rPr lang="es-ES" dirty="0"/>
+              <a:t>Dades que es donen a la IA</a:t>
+            </a:r>
+            <a:endParaRPr lang="ca-ES" dirty="0"/>
+          </a:p>
+        </p:txBody>
+      </p:sp>
+      <p:pic>
+        <p:nvPicPr>
+          <p:cNvPr id="4" name="Imatge 3" descr="Imatge que conté captura de pantalla, dibuixos, il·lustració, disseny&#10;&#10;Descripció generada automàticament">
+            <a:extLst>
+              <a:ext uri="{FF2B5EF4-FFF2-40B4-BE49-F238E27FC236}">
+                <a16:creationId xmlns:a16="http://schemas.microsoft.com/office/drawing/2014/main" id="{27B603DC-EE1F-B907-E28D-864A327591BB}"/>
+              </a:ext>
+            </a:extLst>
+          </p:cNvPr>
+          <p:cNvPicPr>
+            <a:picLocks noChangeAspect="1"/>
+          </p:cNvPicPr>
+          <p:nvPr/>
+        </p:nvPicPr>
+        <p:blipFill>
+          <a:blip r:embed="rId2">
+            <a:extLst>
+              <a:ext uri="{28A0092B-C50C-407E-A947-70E740481C1C}">
+                <a14:useLocalDpi xmlns:a14="http://schemas.microsoft.com/office/drawing/2010/main" val="0"/>
+              </a:ext>
+            </a:extLst>
+          </a:blip>
+          <a:stretch>
+            <a:fillRect/>
+          </a:stretch>
+        </p:blipFill>
+        <p:spPr>
+          <a:xfrm>
+            <a:off x="7308441" y="479107"/>
+            <a:ext cx="3883715" cy="5899785"/>
+          </a:xfrm>
+          <a:prstGeom prst="rect">
+            <a:avLst/>
+          </a:prstGeom>
+          <a:solidFill>
+            <a:srgbClr val="FF1515">
+              <a:alpha val="40000"/>
+            </a:srgbClr>
+          </a:solidFill>
+        </p:spPr>
+      </p:pic>
+      <p:sp>
+        <p:nvSpPr>
+          <p:cNvPr id="5" name="QuadreDeText 4">
+            <a:extLst>
+              <a:ext uri="{FF2B5EF4-FFF2-40B4-BE49-F238E27FC236}">
+                <a16:creationId xmlns:a16="http://schemas.microsoft.com/office/drawing/2014/main" id="{629E18EE-3317-4B91-ADF6-12CE3D77BB4E}"/>
+              </a:ext>
+            </a:extLst>
+          </p:cNvPr>
+          <p:cNvSpPr txBox="1"/>
+          <p:nvPr/>
+        </p:nvSpPr>
+        <p:spPr>
+          <a:xfrm>
+            <a:off x="534513" y="2829719"/>
+            <a:ext cx="6052274" cy="1569660"/>
+          </a:xfrm>
+          <a:prstGeom prst="rect">
+            <a:avLst/>
+          </a:prstGeom>
+          <a:noFill/>
+        </p:spPr>
+        <p:txBody>
+          <a:bodyPr wrap="square" rtlCol="0">
+            <a:spAutoFit/>
+          </a:bodyPr>
+          <a:lstStyle/>
+          <a:p>
+            <a:pPr marL="285750" indent="-285750">
+              <a:buFont typeface="Arial" panose="020B0604020202020204" pitchFamily="34" charset="0"/>
+              <a:buChar char="•"/>
+            </a:pPr>
+            <a:r>
+              <a:rPr lang="ca-ES" sz="2400" dirty="0">
+                <a:latin typeface="Times New Roman" panose="02020603050405020304" pitchFamily="18" charset="0"/>
+                <a:ea typeface="Aptos" panose="020B0004020202020204" pitchFamily="34" charset="0"/>
+                <a:cs typeface="Arial" panose="020B0604020202020204" pitchFamily="34" charset="0"/>
+              </a:rPr>
+              <a:t>L</a:t>
+            </a:r>
+            <a:r>
+              <a:rPr lang="ca-ES" sz="2400" dirty="0">
+                <a:effectLst/>
+                <a:latin typeface="Times New Roman" panose="02020603050405020304" pitchFamily="18" charset="0"/>
+                <a:ea typeface="Aptos" panose="020B0004020202020204" pitchFamily="34" charset="0"/>
+                <a:cs typeface="Arial" panose="020B0604020202020204" pitchFamily="34" charset="0"/>
+              </a:rPr>
+              <a:t>a posició Y de l’ocell </a:t>
+            </a:r>
+          </a:p>
+          <a:p>
+            <a:pPr marL="285750" indent="-285750">
+              <a:buFont typeface="Arial" panose="020B0604020202020204" pitchFamily="34" charset="0"/>
+              <a:buChar char="•"/>
+            </a:pPr>
+            <a:r>
+              <a:rPr lang="ca-ES" sz="2400" dirty="0">
+                <a:latin typeface="Times New Roman" panose="02020603050405020304" pitchFamily="18" charset="0"/>
+                <a:ea typeface="Aptos" panose="020B0004020202020204" pitchFamily="34" charset="0"/>
+                <a:cs typeface="Arial" panose="020B0604020202020204" pitchFamily="34" charset="0"/>
+              </a:rPr>
+              <a:t>L</a:t>
+            </a:r>
+            <a:r>
+              <a:rPr lang="ca-ES" sz="2400" dirty="0">
+                <a:effectLst/>
+                <a:latin typeface="Times New Roman" panose="02020603050405020304" pitchFamily="18" charset="0"/>
+                <a:ea typeface="Aptos" panose="020B0004020202020204" pitchFamily="34" charset="0"/>
+                <a:cs typeface="Arial" panose="020B0604020202020204" pitchFamily="34" charset="0"/>
+              </a:rPr>
+              <a:t>a posició Y del centre del forat de l’obstacle</a:t>
+            </a:r>
+          </a:p>
+          <a:p>
+            <a:pPr marL="285750" indent="-285750">
+              <a:buFont typeface="Arial" panose="020B0604020202020204" pitchFamily="34" charset="0"/>
+              <a:buChar char="•"/>
+            </a:pPr>
+            <a:r>
+              <a:rPr lang="ca-ES" sz="2400" dirty="0">
+                <a:latin typeface="Times New Roman" panose="02020603050405020304" pitchFamily="18" charset="0"/>
+                <a:ea typeface="Aptos" panose="020B0004020202020204" pitchFamily="34" charset="0"/>
+                <a:cs typeface="Arial" panose="020B0604020202020204" pitchFamily="34" charset="0"/>
+              </a:rPr>
+              <a:t>L</a:t>
+            </a:r>
+            <a:r>
+              <a:rPr lang="ca-ES" sz="2400" dirty="0">
+                <a:effectLst/>
+                <a:latin typeface="Times New Roman" panose="02020603050405020304" pitchFamily="18" charset="0"/>
+                <a:ea typeface="Aptos" panose="020B0004020202020204" pitchFamily="34" charset="0"/>
+                <a:cs typeface="Arial" panose="020B0604020202020204" pitchFamily="34" charset="0"/>
+              </a:rPr>
+              <a:t>a posició X del centre del forat de l’obstacle</a:t>
+            </a:r>
+          </a:p>
+          <a:p>
+            <a:pPr marL="285750" indent="-285750">
+              <a:buFont typeface="Arial" panose="020B0604020202020204" pitchFamily="34" charset="0"/>
+              <a:buChar char="•"/>
+            </a:pPr>
+            <a:r>
+              <a:rPr lang="ca-ES" sz="2400" dirty="0">
+                <a:latin typeface="Times New Roman" panose="02020603050405020304" pitchFamily="18" charset="0"/>
+                <a:cs typeface="Arial" panose="020B0604020202020204" pitchFamily="34" charset="0"/>
+              </a:rPr>
+              <a:t>La velocitat Y de l’ocell</a:t>
+            </a:r>
+            <a:endParaRPr lang="ca-ES" sz="2400" dirty="0"/>
+          </a:p>
+        </p:txBody>
+      </p:sp>
+      <p:sp>
+        <p:nvSpPr>
+          <p:cNvPr id="7" name="Oval 6">
+            <a:extLst>
+              <a:ext uri="{FF2B5EF4-FFF2-40B4-BE49-F238E27FC236}">
+                <a16:creationId xmlns:a16="http://schemas.microsoft.com/office/drawing/2014/main" id="{6E45D8D5-F7AC-C781-7F95-D5A32B8B21DD}"/>
+              </a:ext>
+            </a:extLst>
+          </p:cNvPr>
+          <p:cNvSpPr/>
+          <p:nvPr/>
+        </p:nvSpPr>
+        <p:spPr>
+          <a:xfrm>
+            <a:off x="10533733" y="3631039"/>
+            <a:ext cx="202223" cy="202223"/>
+          </a:xfrm>
+          <a:prstGeom prst="ellipse">
+            <a:avLst/>
+          </a:prstGeom>
+          <a:solidFill>
+            <a:srgbClr val="FF1515">
+              <a:alpha val="40000"/>
+            </a:srgbClr>
+          </a:solidFill>
+          <a:ln>
+            <a:solidFill>
+              <a:srgbClr val="FF0000"/>
+            </a:solidFill>
+          </a:ln>
+        </p:spPr>
+        <p:style>
+          <a:lnRef idx="2">
+            <a:schemeClr val="accent1">
+              <a:shade val="15000"/>
+            </a:schemeClr>
+          </a:lnRef>
+          <a:fillRef idx="1">
+            <a:schemeClr val="accent1"/>
+          </a:fillRef>
+          <a:effectRef idx="0">
+            <a:schemeClr val="accent1"/>
+          </a:effectRef>
+          <a:fontRef idx="minor">
+            <a:schemeClr val="lt1"/>
+          </a:fontRef>
+        </p:style>
+        <p:txBody>
+          <a:bodyPr rtlCol="0" anchor="ctr"/>
+          <a:lstStyle/>
+          <a:p>
+            <a:pPr algn="ctr"/>
+            <a:endParaRPr lang="ca-ES"/>
+          </a:p>
+        </p:txBody>
+      </p:sp>
+      <p:sp>
+        <p:nvSpPr>
+          <p:cNvPr id="8" name="Rectangle 7">
+            <a:extLst>
+              <a:ext uri="{FF2B5EF4-FFF2-40B4-BE49-F238E27FC236}">
+                <a16:creationId xmlns:a16="http://schemas.microsoft.com/office/drawing/2014/main" id="{AC9149DC-92BC-38C0-23A1-7A466E13A1B6}"/>
+              </a:ext>
+            </a:extLst>
+          </p:cNvPr>
+          <p:cNvSpPr/>
+          <p:nvPr/>
+        </p:nvSpPr>
+        <p:spPr>
+          <a:xfrm>
+            <a:off x="10598507" y="3903785"/>
+            <a:ext cx="72674" cy="202223"/>
+          </a:xfrm>
+          <a:prstGeom prst="rect">
+            <a:avLst/>
+          </a:prstGeom>
+          <a:solidFill>
+            <a:srgbClr val="FF1515">
+              <a:alpha val="40000"/>
+            </a:srgbClr>
+          </a:solidFill>
+          <a:ln>
+            <a:solidFill>
+              <a:srgbClr val="FF0000"/>
+            </a:solidFill>
+          </a:ln>
+        </p:spPr>
+        <p:style>
+          <a:lnRef idx="2">
+            <a:schemeClr val="accent1">
+              <a:shade val="15000"/>
+            </a:schemeClr>
+          </a:lnRef>
+          <a:fillRef idx="1">
+            <a:schemeClr val="accent1"/>
+          </a:fillRef>
+          <a:effectRef idx="0">
+            <a:schemeClr val="accent1"/>
+          </a:effectRef>
+          <a:fontRef idx="minor">
+            <a:schemeClr val="lt1"/>
+          </a:fontRef>
+        </p:style>
+        <p:txBody>
+          <a:bodyPr rtlCol="0" anchor="ctr"/>
+          <a:lstStyle/>
+          <a:p>
+            <a:pPr algn="ctr"/>
+            <a:endParaRPr lang="ca-ES"/>
+          </a:p>
+        </p:txBody>
+      </p:sp>
+      <p:sp>
+        <p:nvSpPr>
+          <p:cNvPr id="9" name="Rectangle 8">
+            <a:extLst>
+              <a:ext uri="{FF2B5EF4-FFF2-40B4-BE49-F238E27FC236}">
+                <a16:creationId xmlns:a16="http://schemas.microsoft.com/office/drawing/2014/main" id="{5C5FD56F-BDED-1BE6-05FE-8D3F5F56F2F7}"/>
+              </a:ext>
+            </a:extLst>
+          </p:cNvPr>
+          <p:cNvSpPr/>
+          <p:nvPr/>
+        </p:nvSpPr>
+        <p:spPr>
+          <a:xfrm>
+            <a:off x="10598507" y="4230017"/>
+            <a:ext cx="72674" cy="202223"/>
+          </a:xfrm>
+          <a:prstGeom prst="rect">
+            <a:avLst/>
+          </a:prstGeom>
+          <a:solidFill>
+            <a:srgbClr val="FF1515">
+              <a:alpha val="40000"/>
+            </a:srgbClr>
+          </a:solidFill>
+          <a:ln>
+            <a:solidFill>
+              <a:srgbClr val="FF0000"/>
+            </a:solidFill>
+          </a:ln>
+        </p:spPr>
+        <p:style>
+          <a:lnRef idx="2">
+            <a:schemeClr val="accent1">
+              <a:shade val="15000"/>
+            </a:schemeClr>
+          </a:lnRef>
+          <a:fillRef idx="1">
+            <a:schemeClr val="accent1"/>
+          </a:fillRef>
+          <a:effectRef idx="0">
+            <a:schemeClr val="accent1"/>
+          </a:effectRef>
+          <a:fontRef idx="minor">
+            <a:schemeClr val="lt1"/>
+          </a:fontRef>
+        </p:style>
+        <p:txBody>
+          <a:bodyPr rtlCol="0" anchor="ctr"/>
+          <a:lstStyle/>
+          <a:p>
+            <a:pPr algn="ctr"/>
+            <a:endParaRPr lang="ca-ES"/>
+          </a:p>
+        </p:txBody>
+      </p:sp>
+      <p:sp>
+        <p:nvSpPr>
+          <p:cNvPr id="10" name="Rectangle 9">
+            <a:extLst>
+              <a:ext uri="{FF2B5EF4-FFF2-40B4-BE49-F238E27FC236}">
+                <a16:creationId xmlns:a16="http://schemas.microsoft.com/office/drawing/2014/main" id="{9E3EF3DD-FDE4-B1E3-E4FC-26A7CEFE512C}"/>
+              </a:ext>
+            </a:extLst>
+          </p:cNvPr>
+          <p:cNvSpPr/>
+          <p:nvPr/>
+        </p:nvSpPr>
+        <p:spPr>
+          <a:xfrm>
+            <a:off x="10598507" y="4556249"/>
+            <a:ext cx="72674" cy="202223"/>
+          </a:xfrm>
+          <a:prstGeom prst="rect">
+            <a:avLst/>
+          </a:prstGeom>
+          <a:solidFill>
+            <a:srgbClr val="FF1515">
+              <a:alpha val="40000"/>
+            </a:srgbClr>
+          </a:solidFill>
+          <a:ln>
+            <a:solidFill>
+              <a:srgbClr val="FF0000"/>
+            </a:solidFill>
+          </a:ln>
+        </p:spPr>
+        <p:style>
+          <a:lnRef idx="2">
+            <a:schemeClr val="accent1">
+              <a:shade val="15000"/>
+            </a:schemeClr>
+          </a:lnRef>
+          <a:fillRef idx="1">
+            <a:schemeClr val="accent1"/>
+          </a:fillRef>
+          <a:effectRef idx="0">
+            <a:schemeClr val="accent1"/>
+          </a:effectRef>
+          <a:fontRef idx="minor">
+            <a:schemeClr val="lt1"/>
+          </a:fontRef>
+        </p:style>
+        <p:txBody>
+          <a:bodyPr rtlCol="0" anchor="ctr"/>
+          <a:lstStyle/>
+          <a:p>
+            <a:pPr algn="ctr"/>
+            <a:endParaRPr lang="ca-ES"/>
+          </a:p>
+        </p:txBody>
+      </p:sp>
+      <p:sp>
+        <p:nvSpPr>
+          <p:cNvPr id="11" name="Rectangle 10">
+            <a:extLst>
+              <a:ext uri="{FF2B5EF4-FFF2-40B4-BE49-F238E27FC236}">
+                <a16:creationId xmlns:a16="http://schemas.microsoft.com/office/drawing/2014/main" id="{B4C41E91-3731-B8A5-AC69-9BD7D5579B1B}"/>
+              </a:ext>
+            </a:extLst>
+          </p:cNvPr>
+          <p:cNvSpPr/>
+          <p:nvPr/>
+        </p:nvSpPr>
+        <p:spPr>
+          <a:xfrm>
+            <a:off x="10598507" y="4882481"/>
+            <a:ext cx="72674" cy="202223"/>
+          </a:xfrm>
+          <a:prstGeom prst="rect">
+            <a:avLst/>
+          </a:prstGeom>
+          <a:solidFill>
+            <a:srgbClr val="FF1515">
+              <a:alpha val="40000"/>
+            </a:srgbClr>
+          </a:solidFill>
+          <a:ln>
+            <a:solidFill>
+              <a:srgbClr val="FF0000"/>
+            </a:solidFill>
+          </a:ln>
+        </p:spPr>
+        <p:style>
+          <a:lnRef idx="2">
+            <a:schemeClr val="accent1">
+              <a:shade val="15000"/>
+            </a:schemeClr>
+          </a:lnRef>
+          <a:fillRef idx="1">
+            <a:schemeClr val="accent1"/>
+          </a:fillRef>
+          <a:effectRef idx="0">
+            <a:schemeClr val="accent1"/>
+          </a:effectRef>
+          <a:fontRef idx="minor">
+            <a:schemeClr val="lt1"/>
+          </a:fontRef>
+        </p:style>
+        <p:txBody>
+          <a:bodyPr rtlCol="0" anchor="ctr"/>
+          <a:lstStyle/>
+          <a:p>
+            <a:pPr algn="ctr"/>
+            <a:endParaRPr lang="ca-ES"/>
+          </a:p>
+        </p:txBody>
+      </p:sp>
+      <p:sp>
+        <p:nvSpPr>
+          <p:cNvPr id="12" name="Rectangle 11">
+            <a:extLst>
+              <a:ext uri="{FF2B5EF4-FFF2-40B4-BE49-F238E27FC236}">
+                <a16:creationId xmlns:a16="http://schemas.microsoft.com/office/drawing/2014/main" id="{6B3EFCAC-8D37-B28B-E8F0-60A0E1CD41EA}"/>
+              </a:ext>
+            </a:extLst>
+          </p:cNvPr>
+          <p:cNvSpPr/>
+          <p:nvPr/>
+        </p:nvSpPr>
+        <p:spPr>
+          <a:xfrm>
+            <a:off x="10598507" y="5197973"/>
+            <a:ext cx="72674" cy="202223"/>
+          </a:xfrm>
+          <a:prstGeom prst="rect">
+            <a:avLst/>
+          </a:prstGeom>
+          <a:solidFill>
+            <a:srgbClr val="FF1515">
+              <a:alpha val="40000"/>
+            </a:srgbClr>
+          </a:solidFill>
+          <a:ln>
+            <a:solidFill>
+              <a:srgbClr val="FF0000"/>
+            </a:solidFill>
+          </a:ln>
+        </p:spPr>
+        <p:style>
+          <a:lnRef idx="2">
+            <a:schemeClr val="accent1">
+              <a:shade val="15000"/>
+            </a:schemeClr>
+          </a:lnRef>
+          <a:fillRef idx="1">
+            <a:schemeClr val="accent1"/>
+          </a:fillRef>
+          <a:effectRef idx="0">
+            <a:schemeClr val="accent1"/>
+          </a:effectRef>
+          <a:fontRef idx="minor">
+            <a:schemeClr val="lt1"/>
+          </a:fontRef>
+        </p:style>
+        <p:txBody>
+          <a:bodyPr rtlCol="0" anchor="ctr"/>
+          <a:lstStyle/>
+          <a:p>
+            <a:pPr algn="ctr"/>
+            <a:endParaRPr lang="ca-ES"/>
+          </a:p>
+        </p:txBody>
+      </p:sp>
+      <p:sp>
+        <p:nvSpPr>
+          <p:cNvPr id="13" name="Rectangle 12">
+            <a:extLst>
+              <a:ext uri="{FF2B5EF4-FFF2-40B4-BE49-F238E27FC236}">
+                <a16:creationId xmlns:a16="http://schemas.microsoft.com/office/drawing/2014/main" id="{C146B0EF-5863-85CA-0368-A88840FC5059}"/>
+              </a:ext>
+            </a:extLst>
+          </p:cNvPr>
+          <p:cNvSpPr/>
+          <p:nvPr/>
+        </p:nvSpPr>
+        <p:spPr>
+          <a:xfrm>
+            <a:off x="10598507" y="5524205"/>
+            <a:ext cx="72674" cy="202223"/>
+          </a:xfrm>
+          <a:prstGeom prst="rect">
+            <a:avLst/>
+          </a:prstGeom>
+          <a:solidFill>
+            <a:srgbClr val="FF1515">
+              <a:alpha val="40000"/>
+            </a:srgbClr>
+          </a:solidFill>
+          <a:ln>
+            <a:solidFill>
+              <a:srgbClr val="FF0000"/>
+            </a:solidFill>
+          </a:ln>
+        </p:spPr>
+        <p:style>
+          <a:lnRef idx="2">
+            <a:schemeClr val="accent1">
+              <a:shade val="15000"/>
+            </a:schemeClr>
+          </a:lnRef>
+          <a:fillRef idx="1">
+            <a:schemeClr val="accent1"/>
+          </a:fillRef>
+          <a:effectRef idx="0">
+            <a:schemeClr val="accent1"/>
+          </a:effectRef>
+          <a:fontRef idx="minor">
+            <a:schemeClr val="lt1"/>
+          </a:fontRef>
+        </p:style>
+        <p:txBody>
+          <a:bodyPr rtlCol="0" anchor="ctr"/>
+          <a:lstStyle/>
+          <a:p>
+            <a:pPr algn="ctr"/>
+            <a:endParaRPr lang="ca-ES"/>
+          </a:p>
+        </p:txBody>
+      </p:sp>
+      <p:sp>
+        <p:nvSpPr>
+          <p:cNvPr id="14" name="Rectangle 13">
+            <a:extLst>
+              <a:ext uri="{FF2B5EF4-FFF2-40B4-BE49-F238E27FC236}">
+                <a16:creationId xmlns:a16="http://schemas.microsoft.com/office/drawing/2014/main" id="{5DDA2E87-4B16-1166-DE06-63DF67A3D7FC}"/>
+              </a:ext>
+            </a:extLst>
+          </p:cNvPr>
+          <p:cNvSpPr/>
+          <p:nvPr/>
+        </p:nvSpPr>
+        <p:spPr>
+          <a:xfrm>
+            <a:off x="10598507" y="5850437"/>
+            <a:ext cx="72674" cy="202223"/>
+          </a:xfrm>
+          <a:prstGeom prst="rect">
+            <a:avLst/>
+          </a:prstGeom>
+          <a:solidFill>
+            <a:srgbClr val="FF1515">
+              <a:alpha val="40000"/>
+            </a:srgbClr>
+          </a:solidFill>
+          <a:ln>
+            <a:solidFill>
+              <a:srgbClr val="FF0000"/>
+            </a:solidFill>
+          </a:ln>
+        </p:spPr>
+        <p:style>
+          <a:lnRef idx="2">
+            <a:schemeClr val="accent1">
+              <a:shade val="15000"/>
+            </a:schemeClr>
+          </a:lnRef>
+          <a:fillRef idx="1">
+            <a:schemeClr val="accent1"/>
+          </a:fillRef>
+          <a:effectRef idx="0">
+            <a:schemeClr val="accent1"/>
+          </a:effectRef>
+          <a:fontRef idx="minor">
+            <a:schemeClr val="lt1"/>
+          </a:fontRef>
+        </p:style>
+        <p:txBody>
+          <a:bodyPr rtlCol="0" anchor="ctr"/>
+          <a:lstStyle/>
+          <a:p>
+            <a:pPr algn="ctr"/>
+            <a:endParaRPr lang="ca-ES"/>
+          </a:p>
+        </p:txBody>
+      </p:sp>
+      <p:sp>
+        <p:nvSpPr>
+          <p:cNvPr id="15" name="Rectangle 14">
+            <a:extLst>
+              <a:ext uri="{FF2B5EF4-FFF2-40B4-BE49-F238E27FC236}">
+                <a16:creationId xmlns:a16="http://schemas.microsoft.com/office/drawing/2014/main" id="{AB52504C-26A4-CC05-451B-A1C8F401EB70}"/>
+              </a:ext>
+            </a:extLst>
+          </p:cNvPr>
+          <p:cNvSpPr/>
+          <p:nvPr/>
+        </p:nvSpPr>
+        <p:spPr>
+          <a:xfrm>
+            <a:off x="10598507" y="6176669"/>
+            <a:ext cx="72674" cy="202223"/>
+          </a:xfrm>
+          <a:prstGeom prst="rect">
+            <a:avLst/>
+          </a:prstGeom>
+          <a:solidFill>
+            <a:srgbClr val="FF1515">
+              <a:alpha val="40000"/>
+            </a:srgbClr>
+          </a:solidFill>
+          <a:ln>
+            <a:solidFill>
+              <a:srgbClr val="FF0000"/>
+            </a:solidFill>
+          </a:ln>
+        </p:spPr>
+        <p:style>
+          <a:lnRef idx="2">
+            <a:schemeClr val="accent1">
+              <a:shade val="15000"/>
+            </a:schemeClr>
+          </a:lnRef>
+          <a:fillRef idx="1">
+            <a:schemeClr val="accent1"/>
+          </a:fillRef>
+          <a:effectRef idx="0">
+            <a:schemeClr val="accent1"/>
+          </a:effectRef>
+          <a:fontRef idx="minor">
+            <a:schemeClr val="lt1"/>
+          </a:fontRef>
+        </p:style>
+        <p:txBody>
+          <a:bodyPr rtlCol="0" anchor="ctr"/>
+          <a:lstStyle/>
+          <a:p>
+            <a:pPr algn="ctr"/>
+            <a:endParaRPr lang="ca-ES"/>
+          </a:p>
+        </p:txBody>
+      </p:sp>
+      <p:sp>
+        <p:nvSpPr>
+          <p:cNvPr id="16" name="Rectangle 15">
+            <a:extLst>
+              <a:ext uri="{FF2B5EF4-FFF2-40B4-BE49-F238E27FC236}">
+                <a16:creationId xmlns:a16="http://schemas.microsoft.com/office/drawing/2014/main" id="{AAAD0B51-2BC0-D176-BB66-57E901205392}"/>
+              </a:ext>
+            </a:extLst>
+          </p:cNvPr>
+          <p:cNvSpPr/>
+          <p:nvPr/>
+        </p:nvSpPr>
+        <p:spPr>
+          <a:xfrm>
+            <a:off x="10598507" y="1085409"/>
+            <a:ext cx="72674" cy="202223"/>
+          </a:xfrm>
+          <a:prstGeom prst="rect">
+            <a:avLst/>
+          </a:prstGeom>
+          <a:solidFill>
+            <a:srgbClr val="FF1515">
+              <a:alpha val="40000"/>
+            </a:srgbClr>
+          </a:solidFill>
+          <a:ln>
+            <a:solidFill>
+              <a:srgbClr val="FF0000"/>
+            </a:solidFill>
+          </a:ln>
+        </p:spPr>
+        <p:style>
+          <a:lnRef idx="2">
+            <a:schemeClr val="accent1">
+              <a:shade val="15000"/>
+            </a:schemeClr>
+          </a:lnRef>
+          <a:fillRef idx="1">
+            <a:schemeClr val="accent1"/>
+          </a:fillRef>
+          <a:effectRef idx="0">
+            <a:schemeClr val="accent1"/>
+          </a:effectRef>
+          <a:fontRef idx="minor">
+            <a:schemeClr val="lt1"/>
+          </a:fontRef>
+        </p:style>
+        <p:txBody>
+          <a:bodyPr rtlCol="0" anchor="ctr"/>
+          <a:lstStyle/>
+          <a:p>
+            <a:pPr algn="ctr"/>
+            <a:endParaRPr lang="ca-ES"/>
+          </a:p>
+        </p:txBody>
+      </p:sp>
+      <p:sp>
+        <p:nvSpPr>
+          <p:cNvPr id="17" name="Rectangle 16">
+            <a:extLst>
+              <a:ext uri="{FF2B5EF4-FFF2-40B4-BE49-F238E27FC236}">
+                <a16:creationId xmlns:a16="http://schemas.microsoft.com/office/drawing/2014/main" id="{940ACEDD-B164-F2C8-C138-E8000C3EB7AB}"/>
+              </a:ext>
+            </a:extLst>
+          </p:cNvPr>
+          <p:cNvSpPr/>
+          <p:nvPr/>
+        </p:nvSpPr>
+        <p:spPr>
+          <a:xfrm>
+            <a:off x="10598507" y="1411641"/>
+            <a:ext cx="72674" cy="202223"/>
+          </a:xfrm>
+          <a:prstGeom prst="rect">
+            <a:avLst/>
+          </a:prstGeom>
+          <a:solidFill>
+            <a:srgbClr val="FF1515">
+              <a:alpha val="40000"/>
+            </a:srgbClr>
+          </a:solidFill>
+          <a:ln>
+            <a:solidFill>
+              <a:srgbClr val="FF0000"/>
+            </a:solidFill>
+          </a:ln>
+        </p:spPr>
+        <p:style>
+          <a:lnRef idx="2">
+            <a:schemeClr val="accent1">
+              <a:shade val="15000"/>
+            </a:schemeClr>
+          </a:lnRef>
+          <a:fillRef idx="1">
+            <a:schemeClr val="accent1"/>
+          </a:fillRef>
+          <a:effectRef idx="0">
+            <a:schemeClr val="accent1"/>
+          </a:effectRef>
+          <a:fontRef idx="minor">
+            <a:schemeClr val="lt1"/>
+          </a:fontRef>
+        </p:style>
+        <p:txBody>
+          <a:bodyPr rtlCol="0" anchor="ctr"/>
+          <a:lstStyle/>
+          <a:p>
+            <a:pPr algn="ctr"/>
+            <a:endParaRPr lang="ca-ES"/>
+          </a:p>
+        </p:txBody>
+      </p:sp>
+      <p:sp>
+        <p:nvSpPr>
+          <p:cNvPr id="18" name="Rectangle 17">
+            <a:extLst>
+              <a:ext uri="{FF2B5EF4-FFF2-40B4-BE49-F238E27FC236}">
+                <a16:creationId xmlns:a16="http://schemas.microsoft.com/office/drawing/2014/main" id="{09BAEB54-432F-3E6F-00EE-0042BE0764DC}"/>
+              </a:ext>
+            </a:extLst>
+          </p:cNvPr>
+          <p:cNvSpPr/>
+          <p:nvPr/>
+        </p:nvSpPr>
+        <p:spPr>
+          <a:xfrm>
+            <a:off x="10598507" y="1737873"/>
+            <a:ext cx="72674" cy="202223"/>
+          </a:xfrm>
+          <a:prstGeom prst="rect">
+            <a:avLst/>
+          </a:prstGeom>
+          <a:solidFill>
+            <a:srgbClr val="FF1515">
+              <a:alpha val="40000"/>
+            </a:srgbClr>
+          </a:solidFill>
+          <a:ln>
+            <a:solidFill>
+              <a:srgbClr val="FF0000"/>
+            </a:solidFill>
+          </a:ln>
+        </p:spPr>
+        <p:style>
+          <a:lnRef idx="2">
+            <a:schemeClr val="accent1">
+              <a:shade val="15000"/>
+            </a:schemeClr>
+          </a:lnRef>
+          <a:fillRef idx="1">
+            <a:schemeClr val="accent1"/>
+          </a:fillRef>
+          <a:effectRef idx="0">
+            <a:schemeClr val="accent1"/>
+          </a:effectRef>
+          <a:fontRef idx="minor">
+            <a:schemeClr val="lt1"/>
+          </a:fontRef>
+        </p:style>
+        <p:txBody>
+          <a:bodyPr rtlCol="0" anchor="ctr"/>
+          <a:lstStyle/>
+          <a:p>
+            <a:pPr algn="ctr"/>
+            <a:endParaRPr lang="ca-ES"/>
+          </a:p>
+        </p:txBody>
+      </p:sp>
+      <p:sp>
+        <p:nvSpPr>
+          <p:cNvPr id="19" name="Rectangle 18">
+            <a:extLst>
+              <a:ext uri="{FF2B5EF4-FFF2-40B4-BE49-F238E27FC236}">
+                <a16:creationId xmlns:a16="http://schemas.microsoft.com/office/drawing/2014/main" id="{9FB6ED37-BA01-EE3B-54E9-172EC7C6B070}"/>
+              </a:ext>
+            </a:extLst>
+          </p:cNvPr>
+          <p:cNvSpPr/>
+          <p:nvPr/>
+        </p:nvSpPr>
+        <p:spPr>
+          <a:xfrm>
+            <a:off x="10598507" y="2064105"/>
+            <a:ext cx="72674" cy="202223"/>
+          </a:xfrm>
+          <a:prstGeom prst="rect">
+            <a:avLst/>
+          </a:prstGeom>
+          <a:solidFill>
+            <a:srgbClr val="FF1515">
+              <a:alpha val="40000"/>
+            </a:srgbClr>
+          </a:solidFill>
+          <a:ln>
+            <a:solidFill>
+              <a:srgbClr val="FF0000"/>
+            </a:solidFill>
+          </a:ln>
+        </p:spPr>
+        <p:style>
+          <a:lnRef idx="2">
+            <a:schemeClr val="accent1">
+              <a:shade val="15000"/>
+            </a:schemeClr>
+          </a:lnRef>
+          <a:fillRef idx="1">
+            <a:schemeClr val="accent1"/>
+          </a:fillRef>
+          <a:effectRef idx="0">
+            <a:schemeClr val="accent1"/>
+          </a:effectRef>
+          <a:fontRef idx="minor">
+            <a:schemeClr val="lt1"/>
+          </a:fontRef>
+        </p:style>
+        <p:txBody>
+          <a:bodyPr rtlCol="0" anchor="ctr"/>
+          <a:lstStyle/>
+          <a:p>
+            <a:pPr algn="ctr"/>
+            <a:endParaRPr lang="ca-ES"/>
+          </a:p>
+        </p:txBody>
+      </p:sp>
+      <p:sp>
+        <p:nvSpPr>
+          <p:cNvPr id="20" name="Rectangle 19">
+            <a:extLst>
+              <a:ext uri="{FF2B5EF4-FFF2-40B4-BE49-F238E27FC236}">
+                <a16:creationId xmlns:a16="http://schemas.microsoft.com/office/drawing/2014/main" id="{C0947BCD-03FF-6719-F746-5D23C441B38D}"/>
+              </a:ext>
+            </a:extLst>
+          </p:cNvPr>
+          <p:cNvSpPr/>
+          <p:nvPr/>
+        </p:nvSpPr>
+        <p:spPr>
+          <a:xfrm>
+            <a:off x="10598507" y="2379597"/>
+            <a:ext cx="72674" cy="202223"/>
+          </a:xfrm>
+          <a:prstGeom prst="rect">
+            <a:avLst/>
+          </a:prstGeom>
+          <a:solidFill>
+            <a:srgbClr val="FF1515">
+              <a:alpha val="40000"/>
+            </a:srgbClr>
+          </a:solidFill>
+          <a:ln>
+            <a:solidFill>
+              <a:srgbClr val="FF0000"/>
+            </a:solidFill>
+          </a:ln>
+        </p:spPr>
+        <p:style>
+          <a:lnRef idx="2">
+            <a:schemeClr val="accent1">
+              <a:shade val="15000"/>
+            </a:schemeClr>
+          </a:lnRef>
+          <a:fillRef idx="1">
+            <a:schemeClr val="accent1"/>
+          </a:fillRef>
+          <a:effectRef idx="0">
+            <a:schemeClr val="accent1"/>
+          </a:effectRef>
+          <a:fontRef idx="minor">
+            <a:schemeClr val="lt1"/>
+          </a:fontRef>
+        </p:style>
+        <p:txBody>
+          <a:bodyPr rtlCol="0" anchor="ctr"/>
+          <a:lstStyle/>
+          <a:p>
+            <a:pPr algn="ctr"/>
+            <a:endParaRPr lang="ca-ES"/>
+          </a:p>
+        </p:txBody>
+      </p:sp>
+      <p:sp>
+        <p:nvSpPr>
+          <p:cNvPr id="21" name="Rectangle 20">
+            <a:extLst>
+              <a:ext uri="{FF2B5EF4-FFF2-40B4-BE49-F238E27FC236}">
+                <a16:creationId xmlns:a16="http://schemas.microsoft.com/office/drawing/2014/main" id="{C03437F5-3FE0-3433-4A0C-FA835500AC64}"/>
+              </a:ext>
+            </a:extLst>
+          </p:cNvPr>
+          <p:cNvSpPr/>
+          <p:nvPr/>
+        </p:nvSpPr>
+        <p:spPr>
+          <a:xfrm>
+            <a:off x="10598507" y="2705829"/>
+            <a:ext cx="72674" cy="202223"/>
+          </a:xfrm>
+          <a:prstGeom prst="rect">
+            <a:avLst/>
+          </a:prstGeom>
+          <a:solidFill>
+            <a:srgbClr val="FF1515">
+              <a:alpha val="40000"/>
+            </a:srgbClr>
+          </a:solidFill>
+          <a:ln>
+            <a:solidFill>
+              <a:srgbClr val="FF0000"/>
+            </a:solidFill>
+          </a:ln>
+        </p:spPr>
+        <p:style>
+          <a:lnRef idx="2">
+            <a:schemeClr val="accent1">
+              <a:shade val="15000"/>
+            </a:schemeClr>
+          </a:lnRef>
+          <a:fillRef idx="1">
+            <a:schemeClr val="accent1"/>
+          </a:fillRef>
+          <a:effectRef idx="0">
+            <a:schemeClr val="accent1"/>
+          </a:effectRef>
+          <a:fontRef idx="minor">
+            <a:schemeClr val="lt1"/>
+          </a:fontRef>
+        </p:style>
+        <p:txBody>
+          <a:bodyPr rtlCol="0" anchor="ctr"/>
+          <a:lstStyle/>
+          <a:p>
+            <a:pPr algn="ctr"/>
+            <a:endParaRPr lang="ca-ES"/>
+          </a:p>
+        </p:txBody>
+      </p:sp>
+      <p:sp>
+        <p:nvSpPr>
+          <p:cNvPr id="22" name="Rectangle 21">
+            <a:extLst>
+              <a:ext uri="{FF2B5EF4-FFF2-40B4-BE49-F238E27FC236}">
+                <a16:creationId xmlns:a16="http://schemas.microsoft.com/office/drawing/2014/main" id="{76F59DCF-AE77-A410-B28E-6E6A0DB60283}"/>
+              </a:ext>
+            </a:extLst>
+          </p:cNvPr>
+          <p:cNvSpPr/>
+          <p:nvPr/>
+        </p:nvSpPr>
+        <p:spPr>
+          <a:xfrm>
+            <a:off x="10598507" y="3032061"/>
+            <a:ext cx="72674" cy="202223"/>
+          </a:xfrm>
+          <a:prstGeom prst="rect">
+            <a:avLst/>
+          </a:prstGeom>
+          <a:solidFill>
+            <a:srgbClr val="FF1515">
+              <a:alpha val="40000"/>
+            </a:srgbClr>
+          </a:solidFill>
+          <a:ln>
+            <a:solidFill>
+              <a:srgbClr val="FF0000"/>
+            </a:solidFill>
+          </a:ln>
+        </p:spPr>
+        <p:style>
+          <a:lnRef idx="2">
+            <a:schemeClr val="accent1">
+              <a:shade val="15000"/>
+            </a:schemeClr>
+          </a:lnRef>
+          <a:fillRef idx="1">
+            <a:schemeClr val="accent1"/>
+          </a:fillRef>
+          <a:effectRef idx="0">
+            <a:schemeClr val="accent1"/>
+          </a:effectRef>
+          <a:fontRef idx="minor">
+            <a:schemeClr val="lt1"/>
+          </a:fontRef>
+        </p:style>
+        <p:txBody>
+          <a:bodyPr rtlCol="0" anchor="ctr"/>
+          <a:lstStyle/>
+          <a:p>
+            <a:pPr algn="ctr"/>
+            <a:endParaRPr lang="ca-ES"/>
+          </a:p>
+        </p:txBody>
+      </p:sp>
+      <p:sp>
+        <p:nvSpPr>
+          <p:cNvPr id="23" name="Rectangle 22">
+            <a:extLst>
+              <a:ext uri="{FF2B5EF4-FFF2-40B4-BE49-F238E27FC236}">
+                <a16:creationId xmlns:a16="http://schemas.microsoft.com/office/drawing/2014/main" id="{A6012CF3-D13C-266D-9ECB-3F82C7205D27}"/>
+              </a:ext>
+            </a:extLst>
+          </p:cNvPr>
+          <p:cNvSpPr/>
+          <p:nvPr/>
+        </p:nvSpPr>
+        <p:spPr>
+          <a:xfrm>
+            <a:off x="10598507" y="3358293"/>
+            <a:ext cx="72674" cy="202223"/>
+          </a:xfrm>
+          <a:prstGeom prst="rect">
+            <a:avLst/>
+          </a:prstGeom>
+          <a:solidFill>
+            <a:srgbClr val="FF1515">
+              <a:alpha val="40000"/>
+            </a:srgbClr>
+          </a:solidFill>
+          <a:ln>
+            <a:solidFill>
+              <a:srgbClr val="FF0000"/>
+            </a:solidFill>
+          </a:ln>
+        </p:spPr>
+        <p:style>
+          <a:lnRef idx="2">
+            <a:schemeClr val="accent1">
+              <a:shade val="15000"/>
+            </a:schemeClr>
+          </a:lnRef>
+          <a:fillRef idx="1">
+            <a:schemeClr val="accent1"/>
+          </a:fillRef>
+          <a:effectRef idx="0">
+            <a:schemeClr val="accent1"/>
+          </a:effectRef>
+          <a:fontRef idx="minor">
+            <a:schemeClr val="lt1"/>
+          </a:fontRef>
+        </p:style>
+        <p:txBody>
+          <a:bodyPr rtlCol="0" anchor="ctr"/>
+          <a:lstStyle/>
+          <a:p>
+            <a:pPr algn="ctr"/>
+            <a:endParaRPr lang="ca-ES"/>
+          </a:p>
+        </p:txBody>
+      </p:sp>
+      <p:sp>
+        <p:nvSpPr>
+          <p:cNvPr id="33" name="Rectangle 32">
+            <a:extLst>
+              <a:ext uri="{FF2B5EF4-FFF2-40B4-BE49-F238E27FC236}">
+                <a16:creationId xmlns:a16="http://schemas.microsoft.com/office/drawing/2014/main" id="{A65D011A-C8BF-7267-EC10-C3A353745B63}"/>
+              </a:ext>
+            </a:extLst>
+          </p:cNvPr>
+          <p:cNvSpPr/>
+          <p:nvPr/>
+        </p:nvSpPr>
+        <p:spPr>
+          <a:xfrm>
+            <a:off x="10598507" y="759177"/>
+            <a:ext cx="72674" cy="202223"/>
+          </a:xfrm>
+          <a:prstGeom prst="rect">
+            <a:avLst/>
+          </a:prstGeom>
+          <a:solidFill>
+            <a:srgbClr val="FF1515">
+              <a:alpha val="40000"/>
+            </a:srgbClr>
+          </a:solidFill>
+          <a:ln>
+            <a:solidFill>
+              <a:srgbClr val="FF0000"/>
+            </a:solidFill>
+          </a:ln>
+        </p:spPr>
+        <p:style>
+          <a:lnRef idx="2">
+            <a:schemeClr val="accent1">
+              <a:shade val="15000"/>
+            </a:schemeClr>
+          </a:lnRef>
+          <a:fillRef idx="1">
+            <a:schemeClr val="accent1"/>
+          </a:fillRef>
+          <a:effectRef idx="0">
+            <a:schemeClr val="accent1"/>
+          </a:effectRef>
+          <a:fontRef idx="minor">
+            <a:schemeClr val="lt1"/>
+          </a:fontRef>
+        </p:style>
+        <p:txBody>
+          <a:bodyPr rtlCol="0" anchor="ctr"/>
+          <a:lstStyle/>
+          <a:p>
+            <a:pPr algn="ctr"/>
+            <a:endParaRPr lang="ca-ES"/>
+          </a:p>
+        </p:txBody>
+      </p:sp>
+      <p:sp>
+        <p:nvSpPr>
+          <p:cNvPr id="34" name="Rectangle 33">
+            <a:extLst>
+              <a:ext uri="{FF2B5EF4-FFF2-40B4-BE49-F238E27FC236}">
+                <a16:creationId xmlns:a16="http://schemas.microsoft.com/office/drawing/2014/main" id="{20C09088-B2D5-397A-8FDF-D71E910FF636}"/>
+              </a:ext>
+            </a:extLst>
+          </p:cNvPr>
+          <p:cNvSpPr/>
+          <p:nvPr/>
+        </p:nvSpPr>
+        <p:spPr>
+          <a:xfrm>
+            <a:off x="10598507" y="486431"/>
+            <a:ext cx="72674" cy="148737"/>
+          </a:xfrm>
+          <a:prstGeom prst="rect">
+            <a:avLst/>
+          </a:prstGeom>
+          <a:solidFill>
+            <a:srgbClr val="FF1515">
+              <a:alpha val="40000"/>
+            </a:srgbClr>
+          </a:solidFill>
+          <a:ln>
+            <a:solidFill>
+              <a:srgbClr val="FF0000"/>
+            </a:solidFill>
+          </a:ln>
+        </p:spPr>
+        <p:style>
+          <a:lnRef idx="2">
+            <a:schemeClr val="accent1">
+              <a:shade val="15000"/>
+            </a:schemeClr>
+          </a:lnRef>
+          <a:fillRef idx="1">
+            <a:schemeClr val="accent1"/>
+          </a:fillRef>
+          <a:effectRef idx="0">
+            <a:schemeClr val="accent1"/>
+          </a:effectRef>
+          <a:fontRef idx="minor">
+            <a:schemeClr val="lt1"/>
+          </a:fontRef>
+        </p:style>
+        <p:txBody>
+          <a:bodyPr rtlCol="0" anchor="ctr"/>
+          <a:lstStyle/>
+          <a:p>
+            <a:pPr algn="ctr"/>
+            <a:endParaRPr lang="ca-ES"/>
+          </a:p>
+        </p:txBody>
+      </p:sp>
+      <p:sp>
+        <p:nvSpPr>
+          <p:cNvPr id="35" name="Rectangle 34">
+            <a:extLst>
+              <a:ext uri="{FF2B5EF4-FFF2-40B4-BE49-F238E27FC236}">
+                <a16:creationId xmlns:a16="http://schemas.microsoft.com/office/drawing/2014/main" id="{66D90439-9B60-26F3-2C67-915D79C5911E}"/>
+              </a:ext>
+            </a:extLst>
+          </p:cNvPr>
+          <p:cNvSpPr/>
+          <p:nvPr/>
+        </p:nvSpPr>
+        <p:spPr>
+          <a:xfrm rot="16200000">
+            <a:off x="8048199" y="3631038"/>
+            <a:ext cx="72674" cy="202223"/>
+          </a:xfrm>
+          <a:prstGeom prst="rect">
+            <a:avLst/>
+          </a:prstGeom>
+          <a:solidFill>
+            <a:srgbClr val="FF1515">
+              <a:alpha val="40000"/>
+            </a:srgbClr>
+          </a:solidFill>
+          <a:ln>
+            <a:solidFill>
+              <a:srgbClr val="FF0000"/>
+            </a:solidFill>
+          </a:ln>
+        </p:spPr>
+        <p:style>
+          <a:lnRef idx="2">
+            <a:schemeClr val="accent1">
+              <a:shade val="15000"/>
+            </a:schemeClr>
+          </a:lnRef>
+          <a:fillRef idx="1">
+            <a:schemeClr val="accent1"/>
+          </a:fillRef>
+          <a:effectRef idx="0">
+            <a:schemeClr val="accent1"/>
+          </a:effectRef>
+          <a:fontRef idx="minor">
+            <a:schemeClr val="lt1"/>
+          </a:fontRef>
+        </p:style>
+        <p:txBody>
+          <a:bodyPr rtlCol="0" anchor="ctr"/>
+          <a:lstStyle/>
+          <a:p>
+            <a:pPr algn="ctr"/>
+            <a:endParaRPr lang="ca-ES"/>
+          </a:p>
+        </p:txBody>
+      </p:sp>
+      <p:sp>
+        <p:nvSpPr>
+          <p:cNvPr id="36" name="Rectangle 35">
+            <a:extLst>
+              <a:ext uri="{FF2B5EF4-FFF2-40B4-BE49-F238E27FC236}">
+                <a16:creationId xmlns:a16="http://schemas.microsoft.com/office/drawing/2014/main" id="{8D232A1D-3B62-E217-C2C1-E055737CAC58}"/>
+              </a:ext>
+            </a:extLst>
+          </p:cNvPr>
+          <p:cNvSpPr/>
+          <p:nvPr/>
+        </p:nvSpPr>
+        <p:spPr>
+          <a:xfrm rot="16200000">
+            <a:off x="8374431" y="3631038"/>
+            <a:ext cx="72674" cy="202223"/>
+          </a:xfrm>
+          <a:prstGeom prst="rect">
+            <a:avLst/>
+          </a:prstGeom>
+          <a:solidFill>
+            <a:srgbClr val="FF1515">
+              <a:alpha val="40000"/>
+            </a:srgbClr>
+          </a:solidFill>
+          <a:ln>
+            <a:solidFill>
+              <a:srgbClr val="FF0000"/>
+            </a:solidFill>
+          </a:ln>
+        </p:spPr>
+        <p:style>
+          <a:lnRef idx="2">
+            <a:schemeClr val="accent1">
+              <a:shade val="15000"/>
+            </a:schemeClr>
+          </a:lnRef>
+          <a:fillRef idx="1">
+            <a:schemeClr val="accent1"/>
+          </a:fillRef>
+          <a:effectRef idx="0">
+            <a:schemeClr val="accent1"/>
+          </a:effectRef>
+          <a:fontRef idx="minor">
+            <a:schemeClr val="lt1"/>
+          </a:fontRef>
+        </p:style>
+        <p:txBody>
+          <a:bodyPr rtlCol="0" anchor="ctr"/>
+          <a:lstStyle/>
+          <a:p>
+            <a:pPr algn="ctr"/>
+            <a:endParaRPr lang="ca-ES"/>
+          </a:p>
+        </p:txBody>
+      </p:sp>
+      <p:sp>
+        <p:nvSpPr>
+          <p:cNvPr id="37" name="Rectangle 36">
+            <a:extLst>
+              <a:ext uri="{FF2B5EF4-FFF2-40B4-BE49-F238E27FC236}">
+                <a16:creationId xmlns:a16="http://schemas.microsoft.com/office/drawing/2014/main" id="{56506018-AA51-EEE1-ECB0-8E9A17829715}"/>
+              </a:ext>
+            </a:extLst>
+          </p:cNvPr>
+          <p:cNvSpPr/>
+          <p:nvPr/>
+        </p:nvSpPr>
+        <p:spPr>
+          <a:xfrm rot="16200000">
+            <a:off x="8700663" y="3631038"/>
+            <a:ext cx="72674" cy="202223"/>
+          </a:xfrm>
+          <a:prstGeom prst="rect">
+            <a:avLst/>
+          </a:prstGeom>
+          <a:solidFill>
+            <a:srgbClr val="FF1515">
+              <a:alpha val="40000"/>
+            </a:srgbClr>
+          </a:solidFill>
+          <a:ln>
+            <a:solidFill>
+              <a:srgbClr val="FF0000"/>
+            </a:solidFill>
+          </a:ln>
+        </p:spPr>
+        <p:style>
+          <a:lnRef idx="2">
+            <a:schemeClr val="accent1">
+              <a:shade val="15000"/>
+            </a:schemeClr>
+          </a:lnRef>
+          <a:fillRef idx="1">
+            <a:schemeClr val="accent1"/>
+          </a:fillRef>
+          <a:effectRef idx="0">
+            <a:schemeClr val="accent1"/>
+          </a:effectRef>
+          <a:fontRef idx="minor">
+            <a:schemeClr val="lt1"/>
+          </a:fontRef>
+        </p:style>
+        <p:txBody>
+          <a:bodyPr rtlCol="0" anchor="ctr"/>
+          <a:lstStyle/>
+          <a:p>
+            <a:pPr algn="ctr"/>
+            <a:endParaRPr lang="ca-ES"/>
+          </a:p>
+        </p:txBody>
+      </p:sp>
+      <p:sp>
+        <p:nvSpPr>
+          <p:cNvPr id="38" name="Rectangle 37">
+            <a:extLst>
+              <a:ext uri="{FF2B5EF4-FFF2-40B4-BE49-F238E27FC236}">
+                <a16:creationId xmlns:a16="http://schemas.microsoft.com/office/drawing/2014/main" id="{7259C8B3-4618-DAA2-FDDA-967ABBDA62D0}"/>
+              </a:ext>
+            </a:extLst>
+          </p:cNvPr>
+          <p:cNvSpPr/>
+          <p:nvPr/>
+        </p:nvSpPr>
+        <p:spPr>
+          <a:xfrm rot="16200000">
+            <a:off x="9026895" y="3631038"/>
+            <a:ext cx="72674" cy="202223"/>
+          </a:xfrm>
+          <a:prstGeom prst="rect">
+            <a:avLst/>
+          </a:prstGeom>
+          <a:solidFill>
+            <a:srgbClr val="FF1515">
+              <a:alpha val="40000"/>
+            </a:srgbClr>
+          </a:solidFill>
+          <a:ln>
+            <a:solidFill>
+              <a:srgbClr val="FF0000"/>
+            </a:solidFill>
+          </a:ln>
+        </p:spPr>
+        <p:style>
+          <a:lnRef idx="2">
+            <a:schemeClr val="accent1">
+              <a:shade val="15000"/>
+            </a:schemeClr>
+          </a:lnRef>
+          <a:fillRef idx="1">
+            <a:schemeClr val="accent1"/>
+          </a:fillRef>
+          <a:effectRef idx="0">
+            <a:schemeClr val="accent1"/>
+          </a:effectRef>
+          <a:fontRef idx="minor">
+            <a:schemeClr val="lt1"/>
+          </a:fontRef>
+        </p:style>
+        <p:txBody>
+          <a:bodyPr rtlCol="0" anchor="ctr"/>
+          <a:lstStyle/>
+          <a:p>
+            <a:pPr algn="ctr"/>
+            <a:endParaRPr lang="ca-ES"/>
+          </a:p>
+        </p:txBody>
+      </p:sp>
+      <p:sp>
+        <p:nvSpPr>
+          <p:cNvPr id="39" name="Rectangle 38">
+            <a:extLst>
+              <a:ext uri="{FF2B5EF4-FFF2-40B4-BE49-F238E27FC236}">
+                <a16:creationId xmlns:a16="http://schemas.microsoft.com/office/drawing/2014/main" id="{79755D0E-6160-B381-AB6D-AFC4674173DB}"/>
+              </a:ext>
+            </a:extLst>
+          </p:cNvPr>
+          <p:cNvSpPr/>
+          <p:nvPr/>
+        </p:nvSpPr>
+        <p:spPr>
+          <a:xfrm rot="16200000">
+            <a:off x="9342387" y="3631038"/>
+            <a:ext cx="72674" cy="202223"/>
+          </a:xfrm>
+          <a:prstGeom prst="rect">
+            <a:avLst/>
+          </a:prstGeom>
+          <a:solidFill>
+            <a:srgbClr val="FF1515">
+              <a:alpha val="40000"/>
+            </a:srgbClr>
+          </a:solidFill>
+          <a:ln>
+            <a:solidFill>
+              <a:srgbClr val="FF0000"/>
+            </a:solidFill>
+          </a:ln>
+        </p:spPr>
+        <p:style>
+          <a:lnRef idx="2">
+            <a:schemeClr val="accent1">
+              <a:shade val="15000"/>
+            </a:schemeClr>
+          </a:lnRef>
+          <a:fillRef idx="1">
+            <a:schemeClr val="accent1"/>
+          </a:fillRef>
+          <a:effectRef idx="0">
+            <a:schemeClr val="accent1"/>
+          </a:effectRef>
+          <a:fontRef idx="minor">
+            <a:schemeClr val="lt1"/>
+          </a:fontRef>
+        </p:style>
+        <p:txBody>
+          <a:bodyPr rtlCol="0" anchor="ctr"/>
+          <a:lstStyle/>
+          <a:p>
+            <a:pPr algn="ctr"/>
+            <a:endParaRPr lang="ca-ES"/>
+          </a:p>
+        </p:txBody>
+      </p:sp>
+      <p:sp>
+        <p:nvSpPr>
+          <p:cNvPr id="40" name="Rectangle 39">
+            <a:extLst>
+              <a:ext uri="{FF2B5EF4-FFF2-40B4-BE49-F238E27FC236}">
+                <a16:creationId xmlns:a16="http://schemas.microsoft.com/office/drawing/2014/main" id="{AA9DDB87-69F1-FEC1-4366-4E12DA60E3C9}"/>
+              </a:ext>
+            </a:extLst>
+          </p:cNvPr>
+          <p:cNvSpPr/>
+          <p:nvPr/>
+        </p:nvSpPr>
+        <p:spPr>
+          <a:xfrm rot="16200000">
+            <a:off x="9668619" y="3631038"/>
+            <a:ext cx="72674" cy="202223"/>
+          </a:xfrm>
+          <a:prstGeom prst="rect">
+            <a:avLst/>
+          </a:prstGeom>
+          <a:solidFill>
+            <a:srgbClr val="FF1515">
+              <a:alpha val="40000"/>
+            </a:srgbClr>
+          </a:solidFill>
+          <a:ln>
+            <a:solidFill>
+              <a:srgbClr val="FF0000"/>
+            </a:solidFill>
+          </a:ln>
+        </p:spPr>
+        <p:style>
+          <a:lnRef idx="2">
+            <a:schemeClr val="accent1">
+              <a:shade val="15000"/>
+            </a:schemeClr>
+          </a:lnRef>
+          <a:fillRef idx="1">
+            <a:schemeClr val="accent1"/>
+          </a:fillRef>
+          <a:effectRef idx="0">
+            <a:schemeClr val="accent1"/>
+          </a:effectRef>
+          <a:fontRef idx="minor">
+            <a:schemeClr val="lt1"/>
+          </a:fontRef>
+        </p:style>
+        <p:txBody>
+          <a:bodyPr rtlCol="0" anchor="ctr"/>
+          <a:lstStyle/>
+          <a:p>
+            <a:pPr algn="ctr"/>
+            <a:endParaRPr lang="ca-ES"/>
+          </a:p>
+        </p:txBody>
+      </p:sp>
+      <p:sp>
+        <p:nvSpPr>
+          <p:cNvPr id="41" name="Rectangle 40">
+            <a:extLst>
+              <a:ext uri="{FF2B5EF4-FFF2-40B4-BE49-F238E27FC236}">
+                <a16:creationId xmlns:a16="http://schemas.microsoft.com/office/drawing/2014/main" id="{CBBD21D4-7986-2814-9B51-8982855D3467}"/>
+              </a:ext>
+            </a:extLst>
+          </p:cNvPr>
+          <p:cNvSpPr/>
+          <p:nvPr/>
+        </p:nvSpPr>
+        <p:spPr>
+          <a:xfrm rot="16200000">
+            <a:off x="9994851" y="3631038"/>
+            <a:ext cx="72674" cy="202223"/>
+          </a:xfrm>
+          <a:prstGeom prst="rect">
+            <a:avLst/>
+          </a:prstGeom>
+          <a:solidFill>
+            <a:srgbClr val="FF1515">
+              <a:alpha val="40000"/>
+            </a:srgbClr>
+          </a:solidFill>
+          <a:ln>
+            <a:solidFill>
+              <a:srgbClr val="FF0000"/>
+            </a:solidFill>
+          </a:ln>
+        </p:spPr>
+        <p:style>
+          <a:lnRef idx="2">
+            <a:schemeClr val="accent1">
+              <a:shade val="15000"/>
+            </a:schemeClr>
+          </a:lnRef>
+          <a:fillRef idx="1">
+            <a:schemeClr val="accent1"/>
+          </a:fillRef>
+          <a:effectRef idx="0">
+            <a:schemeClr val="accent1"/>
+          </a:effectRef>
+          <a:fontRef idx="minor">
+            <a:schemeClr val="lt1"/>
+          </a:fontRef>
+        </p:style>
+        <p:txBody>
+          <a:bodyPr rtlCol="0" anchor="ctr"/>
+          <a:lstStyle/>
+          <a:p>
+            <a:pPr algn="ctr"/>
+            <a:endParaRPr lang="ca-ES"/>
+          </a:p>
+        </p:txBody>
+      </p:sp>
+      <p:sp>
+        <p:nvSpPr>
+          <p:cNvPr id="42" name="Rectangle 41">
+            <a:extLst>
+              <a:ext uri="{FF2B5EF4-FFF2-40B4-BE49-F238E27FC236}">
+                <a16:creationId xmlns:a16="http://schemas.microsoft.com/office/drawing/2014/main" id="{745C28D0-978E-829F-A0A8-D2427E36781F}"/>
+              </a:ext>
+            </a:extLst>
+          </p:cNvPr>
+          <p:cNvSpPr/>
+          <p:nvPr/>
+        </p:nvSpPr>
+        <p:spPr>
+          <a:xfrm rot="16200000">
+            <a:off x="10321083" y="3631038"/>
+            <a:ext cx="72674" cy="202223"/>
+          </a:xfrm>
+          <a:prstGeom prst="rect">
+            <a:avLst/>
+          </a:prstGeom>
+          <a:solidFill>
+            <a:srgbClr val="FF1515">
+              <a:alpha val="40000"/>
+            </a:srgbClr>
+          </a:solidFill>
+          <a:ln>
+            <a:solidFill>
+              <a:srgbClr val="FF0000"/>
+            </a:solidFill>
+          </a:ln>
+        </p:spPr>
+        <p:style>
+          <a:lnRef idx="2">
+            <a:schemeClr val="accent1">
+              <a:shade val="15000"/>
+            </a:schemeClr>
+          </a:lnRef>
+          <a:fillRef idx="1">
+            <a:schemeClr val="accent1"/>
+          </a:fillRef>
+          <a:effectRef idx="0">
+            <a:schemeClr val="accent1"/>
+          </a:effectRef>
+          <a:fontRef idx="minor">
+            <a:schemeClr val="lt1"/>
+          </a:fontRef>
+        </p:style>
+        <p:txBody>
+          <a:bodyPr rtlCol="0" anchor="ctr"/>
+          <a:lstStyle/>
+          <a:p>
+            <a:pPr algn="ctr"/>
+            <a:endParaRPr lang="ca-ES"/>
+          </a:p>
+        </p:txBody>
+      </p:sp>
+      <p:sp>
+        <p:nvSpPr>
+          <p:cNvPr id="44" name="Rectangle 43">
+            <a:extLst>
+              <a:ext uri="{FF2B5EF4-FFF2-40B4-BE49-F238E27FC236}">
+                <a16:creationId xmlns:a16="http://schemas.microsoft.com/office/drawing/2014/main" id="{A5BABAC2-4037-19C3-ABBD-C664AFFF1C06}"/>
+              </a:ext>
+            </a:extLst>
+          </p:cNvPr>
+          <p:cNvSpPr/>
+          <p:nvPr/>
+        </p:nvSpPr>
+        <p:spPr>
+          <a:xfrm rot="16200000">
+            <a:off x="7395735" y="3631038"/>
+            <a:ext cx="72674" cy="202223"/>
+          </a:xfrm>
+          <a:prstGeom prst="rect">
+            <a:avLst/>
+          </a:prstGeom>
+          <a:solidFill>
+            <a:srgbClr val="FF1515">
+              <a:alpha val="40000"/>
+            </a:srgbClr>
+          </a:solidFill>
+          <a:ln>
+            <a:solidFill>
+              <a:srgbClr val="FF0000"/>
+            </a:solidFill>
+          </a:ln>
+        </p:spPr>
+        <p:style>
+          <a:lnRef idx="2">
+            <a:schemeClr val="accent1">
+              <a:shade val="15000"/>
+            </a:schemeClr>
+          </a:lnRef>
+          <a:fillRef idx="1">
+            <a:schemeClr val="accent1"/>
+          </a:fillRef>
+          <a:effectRef idx="0">
+            <a:schemeClr val="accent1"/>
+          </a:effectRef>
+          <a:fontRef idx="minor">
+            <a:schemeClr val="lt1"/>
+          </a:fontRef>
+        </p:style>
+        <p:txBody>
+          <a:bodyPr rtlCol="0" anchor="ctr"/>
+          <a:lstStyle/>
+          <a:p>
+            <a:pPr algn="ctr"/>
+            <a:endParaRPr lang="ca-ES"/>
+          </a:p>
+        </p:txBody>
+      </p:sp>
+      <p:sp>
+        <p:nvSpPr>
+          <p:cNvPr id="45" name="Rectangle 44">
+            <a:extLst>
+              <a:ext uri="{FF2B5EF4-FFF2-40B4-BE49-F238E27FC236}">
+                <a16:creationId xmlns:a16="http://schemas.microsoft.com/office/drawing/2014/main" id="{716B0AD2-9D93-5244-8D21-5349B8859E92}"/>
+              </a:ext>
+            </a:extLst>
+          </p:cNvPr>
+          <p:cNvSpPr/>
+          <p:nvPr/>
+        </p:nvSpPr>
+        <p:spPr>
+          <a:xfrm rot="16200000">
+            <a:off x="7721967" y="3631038"/>
+            <a:ext cx="72674" cy="202223"/>
+          </a:xfrm>
+          <a:prstGeom prst="rect">
+            <a:avLst/>
+          </a:prstGeom>
+          <a:solidFill>
+            <a:srgbClr val="FF1515">
+              <a:alpha val="40000"/>
+            </a:srgbClr>
+          </a:solidFill>
+          <a:ln>
+            <a:solidFill>
+              <a:srgbClr val="FF0000"/>
+            </a:solidFill>
+          </a:ln>
+        </p:spPr>
+        <p:style>
+          <a:lnRef idx="2">
+            <a:schemeClr val="accent1">
+              <a:shade val="15000"/>
+            </a:schemeClr>
+          </a:lnRef>
+          <a:fillRef idx="1">
+            <a:schemeClr val="accent1"/>
+          </a:fillRef>
+          <a:effectRef idx="0">
+            <a:schemeClr val="accent1"/>
+          </a:effectRef>
+          <a:fontRef idx="minor">
+            <a:schemeClr val="lt1"/>
+          </a:fontRef>
+        </p:style>
+        <p:txBody>
+          <a:bodyPr rtlCol="0" anchor="ctr"/>
+          <a:lstStyle/>
+          <a:p>
+            <a:pPr algn="ctr"/>
+            <a:endParaRPr lang="ca-ES"/>
+          </a:p>
+        </p:txBody>
+      </p:sp>
+      <p:sp>
+        <p:nvSpPr>
+          <p:cNvPr id="46" name="Rectangle 45">
+            <a:extLst>
+              <a:ext uri="{FF2B5EF4-FFF2-40B4-BE49-F238E27FC236}">
+                <a16:creationId xmlns:a16="http://schemas.microsoft.com/office/drawing/2014/main" id="{0CA0D634-CF01-8FA2-9ED6-AC6F979FB5B1}"/>
+              </a:ext>
+            </a:extLst>
+          </p:cNvPr>
+          <p:cNvSpPr/>
+          <p:nvPr/>
+        </p:nvSpPr>
+        <p:spPr>
+          <a:xfrm rot="16200000">
+            <a:off x="10878879" y="3625139"/>
+            <a:ext cx="72674" cy="202223"/>
+          </a:xfrm>
+          <a:prstGeom prst="rect">
+            <a:avLst/>
+          </a:prstGeom>
+          <a:solidFill>
+            <a:srgbClr val="FF1515">
+              <a:alpha val="40000"/>
+            </a:srgbClr>
+          </a:solidFill>
+          <a:ln>
+            <a:solidFill>
+              <a:srgbClr val="FF0000"/>
+            </a:solidFill>
+          </a:ln>
+        </p:spPr>
+        <p:style>
+          <a:lnRef idx="2">
+            <a:schemeClr val="accent1">
+              <a:shade val="15000"/>
+            </a:schemeClr>
+          </a:lnRef>
+          <a:fillRef idx="1">
+            <a:schemeClr val="accent1"/>
+          </a:fillRef>
+          <a:effectRef idx="0">
+            <a:schemeClr val="accent1"/>
+          </a:effectRef>
+          <a:fontRef idx="minor">
+            <a:schemeClr val="lt1"/>
+          </a:fontRef>
+        </p:style>
+        <p:txBody>
+          <a:bodyPr rtlCol="0" anchor="ctr"/>
+          <a:lstStyle/>
+          <a:p>
+            <a:pPr algn="ctr"/>
+            <a:endParaRPr lang="ca-ES"/>
+          </a:p>
+        </p:txBody>
+      </p:sp>
+      <p:sp>
+        <p:nvSpPr>
+          <p:cNvPr id="47" name="Rectangle 46">
+            <a:extLst>
+              <a:ext uri="{FF2B5EF4-FFF2-40B4-BE49-F238E27FC236}">
+                <a16:creationId xmlns:a16="http://schemas.microsoft.com/office/drawing/2014/main" id="{E11EFCE5-085B-4D96-2DDA-56918D246CB4}"/>
+              </a:ext>
+            </a:extLst>
+          </p:cNvPr>
+          <p:cNvSpPr/>
+          <p:nvPr/>
+        </p:nvSpPr>
+        <p:spPr>
+          <a:xfrm rot="16200000">
+            <a:off x="11129911" y="3700340"/>
+            <a:ext cx="72674" cy="51821"/>
+          </a:xfrm>
+          <a:prstGeom prst="rect">
+            <a:avLst/>
+          </a:prstGeom>
+          <a:solidFill>
+            <a:srgbClr val="FF1515">
+              <a:alpha val="40000"/>
+            </a:srgbClr>
+          </a:solidFill>
+          <a:ln>
+            <a:solidFill>
+              <a:srgbClr val="FF0000"/>
+            </a:solidFill>
+          </a:ln>
+        </p:spPr>
+        <p:style>
+          <a:lnRef idx="2">
+            <a:schemeClr val="accent1">
+              <a:shade val="15000"/>
+            </a:schemeClr>
+          </a:lnRef>
+          <a:fillRef idx="1">
+            <a:schemeClr val="accent1"/>
+          </a:fillRef>
+          <a:effectRef idx="0">
+            <a:schemeClr val="accent1"/>
+          </a:effectRef>
+          <a:fontRef idx="minor">
+            <a:schemeClr val="lt1"/>
+          </a:fontRef>
+        </p:style>
+        <p:txBody>
+          <a:bodyPr rtlCol="0" anchor="ctr"/>
+          <a:lstStyle/>
+          <a:p>
+            <a:pPr algn="ctr"/>
+            <a:endParaRPr lang="ca-ES"/>
+          </a:p>
+        </p:txBody>
+      </p:sp>
+      <p:sp>
+        <p:nvSpPr>
+          <p:cNvPr id="48" name="Oval 47">
+            <a:extLst>
+              <a:ext uri="{FF2B5EF4-FFF2-40B4-BE49-F238E27FC236}">
+                <a16:creationId xmlns:a16="http://schemas.microsoft.com/office/drawing/2014/main" id="{93CDA609-A57A-269E-EE3E-968F2453E6B0}"/>
+              </a:ext>
+            </a:extLst>
+          </p:cNvPr>
+          <p:cNvSpPr/>
+          <p:nvPr/>
+        </p:nvSpPr>
+        <p:spPr>
+          <a:xfrm>
+            <a:off x="7859416" y="1310529"/>
+            <a:ext cx="202223" cy="202223"/>
+          </a:xfrm>
+          <a:prstGeom prst="ellipse">
+            <a:avLst/>
+          </a:prstGeom>
+          <a:solidFill>
+            <a:srgbClr val="FF1515">
+              <a:alpha val="40000"/>
+            </a:srgbClr>
+          </a:solidFill>
+          <a:ln>
+            <a:solidFill>
+              <a:srgbClr val="FF0000"/>
+            </a:solidFill>
+          </a:ln>
+        </p:spPr>
+        <p:style>
+          <a:lnRef idx="2">
+            <a:schemeClr val="accent1">
+              <a:shade val="15000"/>
+            </a:schemeClr>
+          </a:lnRef>
+          <a:fillRef idx="1">
+            <a:schemeClr val="accent1"/>
+          </a:fillRef>
+          <a:effectRef idx="0">
+            <a:schemeClr val="accent1"/>
+          </a:effectRef>
+          <a:fontRef idx="minor">
+            <a:schemeClr val="lt1"/>
+          </a:fontRef>
+        </p:style>
+        <p:txBody>
+          <a:bodyPr rtlCol="0" anchor="ctr"/>
+          <a:lstStyle/>
+          <a:p>
+            <a:pPr algn="ctr"/>
+            <a:endParaRPr lang="ca-ES"/>
+          </a:p>
+        </p:txBody>
+      </p:sp>
+      <p:sp>
+        <p:nvSpPr>
+          <p:cNvPr id="49" name="Rectangle 48">
+            <a:extLst>
+              <a:ext uri="{FF2B5EF4-FFF2-40B4-BE49-F238E27FC236}">
+                <a16:creationId xmlns:a16="http://schemas.microsoft.com/office/drawing/2014/main" id="{9CA8AB57-7630-D36A-459F-013FD7C83BCB}"/>
+              </a:ext>
+            </a:extLst>
+          </p:cNvPr>
+          <p:cNvSpPr/>
+          <p:nvPr/>
+        </p:nvSpPr>
+        <p:spPr>
+          <a:xfrm>
+            <a:off x="7923945" y="1893018"/>
+            <a:ext cx="72674" cy="202223"/>
+          </a:xfrm>
+          <a:prstGeom prst="rect">
+            <a:avLst/>
+          </a:prstGeom>
+          <a:solidFill>
+            <a:srgbClr val="FF1515">
+              <a:alpha val="40000"/>
+            </a:srgbClr>
+          </a:solidFill>
+          <a:ln>
+            <a:solidFill>
+              <a:srgbClr val="FF0000"/>
+            </a:solidFill>
+          </a:ln>
+        </p:spPr>
+        <p:style>
+          <a:lnRef idx="2">
+            <a:schemeClr val="accent1">
+              <a:shade val="15000"/>
+            </a:schemeClr>
+          </a:lnRef>
+          <a:fillRef idx="1">
+            <a:schemeClr val="accent1"/>
+          </a:fillRef>
+          <a:effectRef idx="0">
+            <a:schemeClr val="accent1"/>
+          </a:effectRef>
+          <a:fontRef idx="minor">
+            <a:schemeClr val="lt1"/>
+          </a:fontRef>
+        </p:style>
+        <p:txBody>
+          <a:bodyPr rtlCol="0" anchor="ctr"/>
+          <a:lstStyle/>
+          <a:p>
+            <a:pPr algn="ctr"/>
+            <a:endParaRPr lang="ca-ES"/>
+          </a:p>
+        </p:txBody>
+      </p:sp>
+      <p:sp>
+        <p:nvSpPr>
+          <p:cNvPr id="50" name="Rectangle 49">
+            <a:extLst>
+              <a:ext uri="{FF2B5EF4-FFF2-40B4-BE49-F238E27FC236}">
+                <a16:creationId xmlns:a16="http://schemas.microsoft.com/office/drawing/2014/main" id="{132F6B1D-D072-8B9C-5891-B218D495A3CE}"/>
+              </a:ext>
+            </a:extLst>
+          </p:cNvPr>
+          <p:cNvSpPr/>
+          <p:nvPr/>
+        </p:nvSpPr>
+        <p:spPr>
+          <a:xfrm>
+            <a:off x="7923945" y="2219250"/>
+            <a:ext cx="72674" cy="202223"/>
+          </a:xfrm>
+          <a:prstGeom prst="rect">
+            <a:avLst/>
+          </a:prstGeom>
+          <a:solidFill>
+            <a:srgbClr val="FF1515">
+              <a:alpha val="40000"/>
+            </a:srgbClr>
+          </a:solidFill>
+          <a:ln>
+            <a:solidFill>
+              <a:srgbClr val="FF0000"/>
+            </a:solidFill>
+          </a:ln>
+        </p:spPr>
+        <p:style>
+          <a:lnRef idx="2">
+            <a:schemeClr val="accent1">
+              <a:shade val="15000"/>
+            </a:schemeClr>
+          </a:lnRef>
+          <a:fillRef idx="1">
+            <a:schemeClr val="accent1"/>
+          </a:fillRef>
+          <a:effectRef idx="0">
+            <a:schemeClr val="accent1"/>
+          </a:effectRef>
+          <a:fontRef idx="minor">
+            <a:schemeClr val="lt1"/>
+          </a:fontRef>
+        </p:style>
+        <p:txBody>
+          <a:bodyPr rtlCol="0" anchor="ctr"/>
+          <a:lstStyle/>
+          <a:p>
+            <a:pPr algn="ctr"/>
+            <a:endParaRPr lang="ca-ES"/>
+          </a:p>
+        </p:txBody>
+      </p:sp>
+      <p:sp>
+        <p:nvSpPr>
+          <p:cNvPr id="51" name="Rectangle 50">
+            <a:extLst>
+              <a:ext uri="{FF2B5EF4-FFF2-40B4-BE49-F238E27FC236}">
+                <a16:creationId xmlns:a16="http://schemas.microsoft.com/office/drawing/2014/main" id="{15067814-5F35-6611-570A-848217F05D15}"/>
+              </a:ext>
+            </a:extLst>
+          </p:cNvPr>
+          <p:cNvSpPr/>
+          <p:nvPr/>
+        </p:nvSpPr>
+        <p:spPr>
+          <a:xfrm>
+            <a:off x="7923945" y="2545482"/>
+            <a:ext cx="72674" cy="202223"/>
+          </a:xfrm>
+          <a:prstGeom prst="rect">
+            <a:avLst/>
+          </a:prstGeom>
+          <a:solidFill>
+            <a:srgbClr val="FF1515">
+              <a:alpha val="40000"/>
+            </a:srgbClr>
+          </a:solidFill>
+          <a:ln>
+            <a:solidFill>
+              <a:srgbClr val="FF0000"/>
+            </a:solidFill>
+          </a:ln>
+        </p:spPr>
+        <p:style>
+          <a:lnRef idx="2">
+            <a:schemeClr val="accent1">
+              <a:shade val="15000"/>
+            </a:schemeClr>
+          </a:lnRef>
+          <a:fillRef idx="1">
+            <a:schemeClr val="accent1"/>
+          </a:fillRef>
+          <a:effectRef idx="0">
+            <a:schemeClr val="accent1"/>
+          </a:effectRef>
+          <a:fontRef idx="minor">
+            <a:schemeClr val="lt1"/>
+          </a:fontRef>
+        </p:style>
+        <p:txBody>
+          <a:bodyPr rtlCol="0" anchor="ctr"/>
+          <a:lstStyle/>
+          <a:p>
+            <a:pPr algn="ctr"/>
+            <a:endParaRPr lang="ca-ES"/>
+          </a:p>
+        </p:txBody>
+      </p:sp>
+      <p:sp>
+        <p:nvSpPr>
+          <p:cNvPr id="52" name="Rectangle 51">
+            <a:extLst>
+              <a:ext uri="{FF2B5EF4-FFF2-40B4-BE49-F238E27FC236}">
+                <a16:creationId xmlns:a16="http://schemas.microsoft.com/office/drawing/2014/main" id="{B01EDEC1-AC84-9FD1-0F05-7DAC847AD052}"/>
+              </a:ext>
+            </a:extLst>
+          </p:cNvPr>
+          <p:cNvSpPr/>
+          <p:nvPr/>
+        </p:nvSpPr>
+        <p:spPr>
+          <a:xfrm>
+            <a:off x="7923945" y="2871714"/>
+            <a:ext cx="72674" cy="202223"/>
+          </a:xfrm>
+          <a:prstGeom prst="rect">
+            <a:avLst/>
+          </a:prstGeom>
+          <a:solidFill>
+            <a:srgbClr val="FF1515">
+              <a:alpha val="40000"/>
+            </a:srgbClr>
+          </a:solidFill>
+          <a:ln>
+            <a:solidFill>
+              <a:srgbClr val="FF0000"/>
+            </a:solidFill>
+          </a:ln>
+        </p:spPr>
+        <p:style>
+          <a:lnRef idx="2">
+            <a:schemeClr val="accent1">
+              <a:shade val="15000"/>
+            </a:schemeClr>
+          </a:lnRef>
+          <a:fillRef idx="1">
+            <a:schemeClr val="accent1"/>
+          </a:fillRef>
+          <a:effectRef idx="0">
+            <a:schemeClr val="accent1"/>
+          </a:effectRef>
+          <a:fontRef idx="minor">
+            <a:schemeClr val="lt1"/>
+          </a:fontRef>
+        </p:style>
+        <p:txBody>
+          <a:bodyPr rtlCol="0" anchor="ctr"/>
+          <a:lstStyle/>
+          <a:p>
+            <a:pPr algn="ctr"/>
+            <a:endParaRPr lang="ca-ES"/>
+          </a:p>
+        </p:txBody>
+      </p:sp>
+      <p:sp>
+        <p:nvSpPr>
+          <p:cNvPr id="53" name="Rectangle 52">
+            <a:extLst>
+              <a:ext uri="{FF2B5EF4-FFF2-40B4-BE49-F238E27FC236}">
+                <a16:creationId xmlns:a16="http://schemas.microsoft.com/office/drawing/2014/main" id="{54B4C2E4-7907-FE4D-E0F9-688679D2F293}"/>
+              </a:ext>
+            </a:extLst>
+          </p:cNvPr>
+          <p:cNvSpPr/>
+          <p:nvPr/>
+        </p:nvSpPr>
+        <p:spPr>
+          <a:xfrm>
+            <a:off x="7923945" y="3187206"/>
+            <a:ext cx="72674" cy="202223"/>
+          </a:xfrm>
+          <a:prstGeom prst="rect">
+            <a:avLst/>
+          </a:prstGeom>
+          <a:solidFill>
+            <a:srgbClr val="FF1515">
+              <a:alpha val="40000"/>
+            </a:srgbClr>
+          </a:solidFill>
+          <a:ln>
+            <a:solidFill>
+              <a:srgbClr val="FF0000"/>
+            </a:solidFill>
+          </a:ln>
+        </p:spPr>
+        <p:style>
+          <a:lnRef idx="2">
+            <a:schemeClr val="accent1">
+              <a:shade val="15000"/>
+            </a:schemeClr>
+          </a:lnRef>
+          <a:fillRef idx="1">
+            <a:schemeClr val="accent1"/>
+          </a:fillRef>
+          <a:effectRef idx="0">
+            <a:schemeClr val="accent1"/>
+          </a:effectRef>
+          <a:fontRef idx="minor">
+            <a:schemeClr val="lt1"/>
+          </a:fontRef>
+        </p:style>
+        <p:txBody>
+          <a:bodyPr rtlCol="0" anchor="ctr"/>
+          <a:lstStyle/>
+          <a:p>
+            <a:pPr algn="ctr"/>
+            <a:endParaRPr lang="ca-ES"/>
+          </a:p>
+        </p:txBody>
+      </p:sp>
+      <p:sp>
+        <p:nvSpPr>
+          <p:cNvPr id="54" name="Rectangle 53">
+            <a:extLst>
+              <a:ext uri="{FF2B5EF4-FFF2-40B4-BE49-F238E27FC236}">
+                <a16:creationId xmlns:a16="http://schemas.microsoft.com/office/drawing/2014/main" id="{8E025AB6-3D25-ADC7-DC27-2137251C0978}"/>
+              </a:ext>
+            </a:extLst>
+          </p:cNvPr>
+          <p:cNvSpPr/>
+          <p:nvPr/>
+        </p:nvSpPr>
+        <p:spPr>
+          <a:xfrm>
+            <a:off x="7923945" y="3513438"/>
+            <a:ext cx="72674" cy="202223"/>
+          </a:xfrm>
+          <a:prstGeom prst="rect">
+            <a:avLst/>
+          </a:prstGeom>
+          <a:solidFill>
+            <a:srgbClr val="FF1515">
+              <a:alpha val="40000"/>
+            </a:srgbClr>
+          </a:solidFill>
+          <a:ln>
+            <a:solidFill>
+              <a:srgbClr val="FF0000"/>
+            </a:solidFill>
+          </a:ln>
+        </p:spPr>
+        <p:style>
+          <a:lnRef idx="2">
+            <a:schemeClr val="accent1">
+              <a:shade val="15000"/>
+            </a:schemeClr>
+          </a:lnRef>
+          <a:fillRef idx="1">
+            <a:schemeClr val="accent1"/>
+          </a:fillRef>
+          <a:effectRef idx="0">
+            <a:schemeClr val="accent1"/>
+          </a:effectRef>
+          <a:fontRef idx="minor">
+            <a:schemeClr val="lt1"/>
+          </a:fontRef>
+        </p:style>
+        <p:txBody>
+          <a:bodyPr rtlCol="0" anchor="ctr"/>
+          <a:lstStyle/>
+          <a:p>
+            <a:pPr algn="ctr"/>
+            <a:endParaRPr lang="ca-ES"/>
+          </a:p>
+        </p:txBody>
+      </p:sp>
+      <p:sp>
+        <p:nvSpPr>
+          <p:cNvPr id="55" name="Rectangle 54">
+            <a:extLst>
+              <a:ext uri="{FF2B5EF4-FFF2-40B4-BE49-F238E27FC236}">
+                <a16:creationId xmlns:a16="http://schemas.microsoft.com/office/drawing/2014/main" id="{428EB778-A68B-1168-E13E-AB3F47B72564}"/>
+              </a:ext>
+            </a:extLst>
+          </p:cNvPr>
+          <p:cNvSpPr/>
+          <p:nvPr/>
+        </p:nvSpPr>
+        <p:spPr>
+          <a:xfrm>
+            <a:off x="7923945" y="3839670"/>
+            <a:ext cx="72674" cy="202223"/>
+          </a:xfrm>
+          <a:prstGeom prst="rect">
+            <a:avLst/>
+          </a:prstGeom>
+          <a:solidFill>
+            <a:srgbClr val="FF1515">
+              <a:alpha val="40000"/>
+            </a:srgbClr>
+          </a:solidFill>
+          <a:ln>
+            <a:solidFill>
+              <a:srgbClr val="FF0000"/>
+            </a:solidFill>
+          </a:ln>
+        </p:spPr>
+        <p:style>
+          <a:lnRef idx="2">
+            <a:schemeClr val="accent1">
+              <a:shade val="15000"/>
+            </a:schemeClr>
+          </a:lnRef>
+          <a:fillRef idx="1">
+            <a:schemeClr val="accent1"/>
+          </a:fillRef>
+          <a:effectRef idx="0">
+            <a:schemeClr val="accent1"/>
+          </a:effectRef>
+          <a:fontRef idx="minor">
+            <a:schemeClr val="lt1"/>
+          </a:fontRef>
+        </p:style>
+        <p:txBody>
+          <a:bodyPr rtlCol="0" anchor="ctr"/>
+          <a:lstStyle/>
+          <a:p>
+            <a:pPr algn="ctr"/>
+            <a:endParaRPr lang="ca-ES"/>
+          </a:p>
+        </p:txBody>
+      </p:sp>
+      <p:sp>
+        <p:nvSpPr>
+          <p:cNvPr id="56" name="Rectangle 55">
+            <a:extLst>
+              <a:ext uri="{FF2B5EF4-FFF2-40B4-BE49-F238E27FC236}">
+                <a16:creationId xmlns:a16="http://schemas.microsoft.com/office/drawing/2014/main" id="{753F15B5-EE6B-D850-B299-33F2B6973B4F}"/>
+              </a:ext>
+            </a:extLst>
+          </p:cNvPr>
+          <p:cNvSpPr/>
+          <p:nvPr/>
+        </p:nvSpPr>
+        <p:spPr>
+          <a:xfrm>
+            <a:off x="7923945" y="4165902"/>
+            <a:ext cx="72674" cy="202223"/>
+          </a:xfrm>
+          <a:prstGeom prst="rect">
+            <a:avLst/>
+          </a:prstGeom>
+          <a:solidFill>
+            <a:srgbClr val="FF1515">
+              <a:alpha val="40000"/>
+            </a:srgbClr>
+          </a:solidFill>
+          <a:ln>
+            <a:solidFill>
+              <a:srgbClr val="FF0000"/>
+            </a:solidFill>
+          </a:ln>
+        </p:spPr>
+        <p:style>
+          <a:lnRef idx="2">
+            <a:schemeClr val="accent1">
+              <a:shade val="15000"/>
+            </a:schemeClr>
+          </a:lnRef>
+          <a:fillRef idx="1">
+            <a:schemeClr val="accent1"/>
+          </a:fillRef>
+          <a:effectRef idx="0">
+            <a:schemeClr val="accent1"/>
+          </a:effectRef>
+          <a:fontRef idx="minor">
+            <a:schemeClr val="lt1"/>
+          </a:fontRef>
+        </p:style>
+        <p:txBody>
+          <a:bodyPr rtlCol="0" anchor="ctr"/>
+          <a:lstStyle/>
+          <a:p>
+            <a:pPr algn="ctr"/>
+            <a:endParaRPr lang="ca-ES"/>
+          </a:p>
+        </p:txBody>
+      </p:sp>
+      <p:sp>
+        <p:nvSpPr>
+          <p:cNvPr id="57" name="Rectangle 56">
+            <a:extLst>
+              <a:ext uri="{FF2B5EF4-FFF2-40B4-BE49-F238E27FC236}">
+                <a16:creationId xmlns:a16="http://schemas.microsoft.com/office/drawing/2014/main" id="{24DFCEDC-0AB6-5DC9-11CF-659DFA834275}"/>
+              </a:ext>
+            </a:extLst>
+          </p:cNvPr>
+          <p:cNvSpPr/>
+          <p:nvPr/>
+        </p:nvSpPr>
+        <p:spPr>
+          <a:xfrm>
+            <a:off x="7923945" y="1566786"/>
+            <a:ext cx="72674" cy="202223"/>
+          </a:xfrm>
+          <a:prstGeom prst="rect">
+            <a:avLst/>
+          </a:prstGeom>
+          <a:solidFill>
+            <a:srgbClr val="FF1515">
+              <a:alpha val="40000"/>
+            </a:srgbClr>
+          </a:solidFill>
+          <a:ln>
+            <a:solidFill>
+              <a:srgbClr val="FF0000"/>
+            </a:solidFill>
+          </a:ln>
+        </p:spPr>
+        <p:style>
+          <a:lnRef idx="2">
+            <a:schemeClr val="accent1">
+              <a:shade val="15000"/>
+            </a:schemeClr>
+          </a:lnRef>
+          <a:fillRef idx="1">
+            <a:schemeClr val="accent1"/>
+          </a:fillRef>
+          <a:effectRef idx="0">
+            <a:schemeClr val="accent1"/>
+          </a:effectRef>
+          <a:fontRef idx="minor">
+            <a:schemeClr val="lt1"/>
+          </a:fontRef>
+        </p:style>
+        <p:txBody>
+          <a:bodyPr rtlCol="0" anchor="ctr"/>
+          <a:lstStyle/>
+          <a:p>
+            <a:pPr algn="ctr"/>
+            <a:endParaRPr lang="ca-ES"/>
+          </a:p>
+        </p:txBody>
+      </p:sp>
+      <p:sp>
+        <p:nvSpPr>
+          <p:cNvPr id="58" name="Rectangle 57">
+            <a:extLst>
+              <a:ext uri="{FF2B5EF4-FFF2-40B4-BE49-F238E27FC236}">
+                <a16:creationId xmlns:a16="http://schemas.microsoft.com/office/drawing/2014/main" id="{5F2441A7-0563-88A4-9930-FEF90842377F}"/>
+              </a:ext>
+            </a:extLst>
+          </p:cNvPr>
+          <p:cNvSpPr/>
+          <p:nvPr/>
+        </p:nvSpPr>
+        <p:spPr>
+          <a:xfrm>
+            <a:off x="7923945" y="4820679"/>
+            <a:ext cx="72674" cy="202223"/>
+          </a:xfrm>
+          <a:prstGeom prst="rect">
+            <a:avLst/>
+          </a:prstGeom>
+          <a:solidFill>
+            <a:srgbClr val="FF1515">
+              <a:alpha val="40000"/>
+            </a:srgbClr>
+          </a:solidFill>
+          <a:ln>
+            <a:solidFill>
+              <a:srgbClr val="FF0000"/>
+            </a:solidFill>
+          </a:ln>
+        </p:spPr>
+        <p:style>
+          <a:lnRef idx="2">
+            <a:schemeClr val="accent1">
+              <a:shade val="15000"/>
+            </a:schemeClr>
+          </a:lnRef>
+          <a:fillRef idx="1">
+            <a:schemeClr val="accent1"/>
+          </a:fillRef>
+          <a:effectRef idx="0">
+            <a:schemeClr val="accent1"/>
+          </a:effectRef>
+          <a:fontRef idx="minor">
+            <a:schemeClr val="lt1"/>
+          </a:fontRef>
+        </p:style>
+        <p:txBody>
+          <a:bodyPr rtlCol="0" anchor="ctr"/>
+          <a:lstStyle/>
+          <a:p>
+            <a:pPr algn="ctr"/>
+            <a:endParaRPr lang="ca-ES"/>
+          </a:p>
+        </p:txBody>
+      </p:sp>
+      <p:sp>
+        <p:nvSpPr>
+          <p:cNvPr id="59" name="Rectangle 58">
+            <a:extLst>
+              <a:ext uri="{FF2B5EF4-FFF2-40B4-BE49-F238E27FC236}">
+                <a16:creationId xmlns:a16="http://schemas.microsoft.com/office/drawing/2014/main" id="{07FAEB5E-BD32-F7AE-6C92-08CE6B8874C3}"/>
+              </a:ext>
+            </a:extLst>
+          </p:cNvPr>
+          <p:cNvSpPr/>
+          <p:nvPr/>
+        </p:nvSpPr>
+        <p:spPr>
+          <a:xfrm>
+            <a:off x="7923945" y="5146911"/>
+            <a:ext cx="72674" cy="202223"/>
+          </a:xfrm>
+          <a:prstGeom prst="rect">
+            <a:avLst/>
+          </a:prstGeom>
+          <a:solidFill>
+            <a:srgbClr val="FF1515">
+              <a:alpha val="40000"/>
+            </a:srgbClr>
+          </a:solidFill>
+          <a:ln>
+            <a:solidFill>
+              <a:srgbClr val="FF0000"/>
+            </a:solidFill>
+          </a:ln>
+        </p:spPr>
+        <p:style>
+          <a:lnRef idx="2">
+            <a:schemeClr val="accent1">
+              <a:shade val="15000"/>
+            </a:schemeClr>
+          </a:lnRef>
+          <a:fillRef idx="1">
+            <a:schemeClr val="accent1"/>
+          </a:fillRef>
+          <a:effectRef idx="0">
+            <a:schemeClr val="accent1"/>
+          </a:effectRef>
+          <a:fontRef idx="minor">
+            <a:schemeClr val="lt1"/>
+          </a:fontRef>
+        </p:style>
+        <p:txBody>
+          <a:bodyPr rtlCol="0" anchor="ctr"/>
+          <a:lstStyle/>
+          <a:p>
+            <a:pPr algn="ctr"/>
+            <a:endParaRPr lang="ca-ES"/>
+          </a:p>
+        </p:txBody>
+      </p:sp>
+      <p:sp>
+        <p:nvSpPr>
+          <p:cNvPr id="60" name="Rectangle 59">
+            <a:extLst>
+              <a:ext uri="{FF2B5EF4-FFF2-40B4-BE49-F238E27FC236}">
+                <a16:creationId xmlns:a16="http://schemas.microsoft.com/office/drawing/2014/main" id="{DA8945A4-0EBD-A616-0722-B0706455DC0A}"/>
+              </a:ext>
+            </a:extLst>
+          </p:cNvPr>
+          <p:cNvSpPr/>
+          <p:nvPr/>
+        </p:nvSpPr>
+        <p:spPr>
+          <a:xfrm>
+            <a:off x="7923945" y="5473143"/>
+            <a:ext cx="72674" cy="202223"/>
+          </a:xfrm>
+          <a:prstGeom prst="rect">
+            <a:avLst/>
+          </a:prstGeom>
+          <a:solidFill>
+            <a:srgbClr val="FF1515">
+              <a:alpha val="40000"/>
+            </a:srgbClr>
+          </a:solidFill>
+          <a:ln>
+            <a:solidFill>
+              <a:srgbClr val="FF0000"/>
+            </a:solidFill>
+          </a:ln>
+        </p:spPr>
+        <p:style>
+          <a:lnRef idx="2">
+            <a:schemeClr val="accent1">
+              <a:shade val="15000"/>
+            </a:schemeClr>
+          </a:lnRef>
+          <a:fillRef idx="1">
+            <a:schemeClr val="accent1"/>
+          </a:fillRef>
+          <a:effectRef idx="0">
+            <a:schemeClr val="accent1"/>
+          </a:effectRef>
+          <a:fontRef idx="minor">
+            <a:schemeClr val="lt1"/>
+          </a:fontRef>
+        </p:style>
+        <p:txBody>
+          <a:bodyPr rtlCol="0" anchor="ctr"/>
+          <a:lstStyle/>
+          <a:p>
+            <a:pPr algn="ctr"/>
+            <a:endParaRPr lang="ca-ES"/>
+          </a:p>
+        </p:txBody>
+      </p:sp>
+      <p:sp>
+        <p:nvSpPr>
+          <p:cNvPr id="61" name="Rectangle 60">
+            <a:extLst>
+              <a:ext uri="{FF2B5EF4-FFF2-40B4-BE49-F238E27FC236}">
+                <a16:creationId xmlns:a16="http://schemas.microsoft.com/office/drawing/2014/main" id="{ED9D215E-48A7-3854-0D6B-357CF94D486A}"/>
+              </a:ext>
+            </a:extLst>
+          </p:cNvPr>
+          <p:cNvSpPr/>
+          <p:nvPr/>
+        </p:nvSpPr>
+        <p:spPr>
+          <a:xfrm>
+            <a:off x="7923945" y="5799375"/>
+            <a:ext cx="72674" cy="202223"/>
+          </a:xfrm>
+          <a:prstGeom prst="rect">
+            <a:avLst/>
+          </a:prstGeom>
+          <a:solidFill>
+            <a:srgbClr val="FF1515">
+              <a:alpha val="40000"/>
+            </a:srgbClr>
+          </a:solidFill>
+          <a:ln>
+            <a:solidFill>
+              <a:srgbClr val="FF0000"/>
+            </a:solidFill>
+          </a:ln>
+        </p:spPr>
+        <p:style>
+          <a:lnRef idx="2">
+            <a:schemeClr val="accent1">
+              <a:shade val="15000"/>
+            </a:schemeClr>
+          </a:lnRef>
+          <a:fillRef idx="1">
+            <a:schemeClr val="accent1"/>
+          </a:fillRef>
+          <a:effectRef idx="0">
+            <a:schemeClr val="accent1"/>
+          </a:effectRef>
+          <a:fontRef idx="minor">
+            <a:schemeClr val="lt1"/>
+          </a:fontRef>
+        </p:style>
+        <p:txBody>
+          <a:bodyPr rtlCol="0" anchor="ctr"/>
+          <a:lstStyle/>
+          <a:p>
+            <a:pPr algn="ctr"/>
+            <a:endParaRPr lang="ca-ES"/>
+          </a:p>
+        </p:txBody>
+      </p:sp>
+      <p:sp>
+        <p:nvSpPr>
+          <p:cNvPr id="62" name="Rectangle 61">
+            <a:extLst>
+              <a:ext uri="{FF2B5EF4-FFF2-40B4-BE49-F238E27FC236}">
+                <a16:creationId xmlns:a16="http://schemas.microsoft.com/office/drawing/2014/main" id="{48E01FE1-8FDB-C5F5-DB36-D1A6644CB1BE}"/>
+              </a:ext>
+            </a:extLst>
+          </p:cNvPr>
+          <p:cNvSpPr/>
+          <p:nvPr/>
+        </p:nvSpPr>
+        <p:spPr>
+          <a:xfrm>
+            <a:off x="7923945" y="6114867"/>
+            <a:ext cx="72674" cy="202223"/>
+          </a:xfrm>
+          <a:prstGeom prst="rect">
+            <a:avLst/>
+          </a:prstGeom>
+          <a:solidFill>
+            <a:srgbClr val="FF1515">
+              <a:alpha val="40000"/>
+            </a:srgbClr>
+          </a:solidFill>
+          <a:ln>
+            <a:solidFill>
+              <a:srgbClr val="FF0000"/>
+            </a:solidFill>
+          </a:ln>
+        </p:spPr>
+        <p:style>
+          <a:lnRef idx="2">
+            <a:schemeClr val="accent1">
+              <a:shade val="15000"/>
+            </a:schemeClr>
+          </a:lnRef>
+          <a:fillRef idx="1">
+            <a:schemeClr val="accent1"/>
+          </a:fillRef>
+          <a:effectRef idx="0">
+            <a:schemeClr val="accent1"/>
+          </a:effectRef>
+          <a:fontRef idx="minor">
+            <a:schemeClr val="lt1"/>
+          </a:fontRef>
+        </p:style>
+        <p:txBody>
+          <a:bodyPr rtlCol="0" anchor="ctr"/>
+          <a:lstStyle/>
+          <a:p>
+            <a:pPr algn="ctr"/>
+            <a:endParaRPr lang="ca-ES"/>
+          </a:p>
+        </p:txBody>
+      </p:sp>
+      <p:sp>
+        <p:nvSpPr>
+          <p:cNvPr id="66" name="Rectangle 65">
+            <a:extLst>
+              <a:ext uri="{FF2B5EF4-FFF2-40B4-BE49-F238E27FC236}">
+                <a16:creationId xmlns:a16="http://schemas.microsoft.com/office/drawing/2014/main" id="{A37D7789-8B09-28DD-878C-71AC58D22DE6}"/>
+              </a:ext>
+            </a:extLst>
+          </p:cNvPr>
+          <p:cNvSpPr/>
+          <p:nvPr/>
+        </p:nvSpPr>
+        <p:spPr>
+          <a:xfrm>
+            <a:off x="7923945" y="4494447"/>
+            <a:ext cx="72674" cy="202223"/>
+          </a:xfrm>
+          <a:prstGeom prst="rect">
+            <a:avLst/>
+          </a:prstGeom>
+          <a:solidFill>
+            <a:srgbClr val="FF1515">
+              <a:alpha val="40000"/>
+            </a:srgbClr>
+          </a:solidFill>
+          <a:ln>
+            <a:solidFill>
+              <a:srgbClr val="FF0000"/>
+            </a:solidFill>
+          </a:ln>
+        </p:spPr>
+        <p:style>
+          <a:lnRef idx="2">
+            <a:schemeClr val="accent1">
+              <a:shade val="15000"/>
+            </a:schemeClr>
+          </a:lnRef>
+          <a:fillRef idx="1">
+            <a:schemeClr val="accent1"/>
+          </a:fillRef>
+          <a:effectRef idx="0">
+            <a:schemeClr val="accent1"/>
+          </a:effectRef>
+          <a:fontRef idx="minor">
+            <a:schemeClr val="lt1"/>
+          </a:fontRef>
+        </p:style>
+        <p:txBody>
+          <a:bodyPr rtlCol="0" anchor="ctr"/>
+          <a:lstStyle/>
+          <a:p>
+            <a:pPr algn="ctr"/>
+            <a:endParaRPr lang="ca-ES"/>
+          </a:p>
+        </p:txBody>
+      </p:sp>
+      <p:sp>
+        <p:nvSpPr>
+          <p:cNvPr id="67" name="Rectangle 66">
+            <a:extLst>
+              <a:ext uri="{FF2B5EF4-FFF2-40B4-BE49-F238E27FC236}">
+                <a16:creationId xmlns:a16="http://schemas.microsoft.com/office/drawing/2014/main" id="{FD6A82E8-F5CB-EB43-3861-836F229E8631}"/>
+              </a:ext>
+            </a:extLst>
+          </p:cNvPr>
+          <p:cNvSpPr/>
+          <p:nvPr/>
+        </p:nvSpPr>
+        <p:spPr>
+          <a:xfrm>
+            <a:off x="7923945" y="728040"/>
+            <a:ext cx="72674" cy="202223"/>
+          </a:xfrm>
+          <a:prstGeom prst="rect">
+            <a:avLst/>
+          </a:prstGeom>
+          <a:solidFill>
+            <a:srgbClr val="FF1515">
+              <a:alpha val="40000"/>
+            </a:srgbClr>
+          </a:solidFill>
+          <a:ln>
+            <a:solidFill>
+              <a:srgbClr val="FF0000"/>
+            </a:solidFill>
+          </a:ln>
+        </p:spPr>
+        <p:style>
+          <a:lnRef idx="2">
+            <a:schemeClr val="accent1">
+              <a:shade val="15000"/>
+            </a:schemeClr>
+          </a:lnRef>
+          <a:fillRef idx="1">
+            <a:schemeClr val="accent1"/>
+          </a:fillRef>
+          <a:effectRef idx="0">
+            <a:schemeClr val="accent1"/>
+          </a:effectRef>
+          <a:fontRef idx="minor">
+            <a:schemeClr val="lt1"/>
+          </a:fontRef>
+        </p:style>
+        <p:txBody>
+          <a:bodyPr rtlCol="0" anchor="ctr"/>
+          <a:lstStyle/>
+          <a:p>
+            <a:pPr algn="ctr"/>
+            <a:endParaRPr lang="ca-ES"/>
+          </a:p>
+        </p:txBody>
+      </p:sp>
+      <p:sp>
+        <p:nvSpPr>
+          <p:cNvPr id="68" name="Rectangle 67">
+            <a:extLst>
+              <a:ext uri="{FF2B5EF4-FFF2-40B4-BE49-F238E27FC236}">
+                <a16:creationId xmlns:a16="http://schemas.microsoft.com/office/drawing/2014/main" id="{B79D769F-FCFB-A542-A641-D125BB3D54EC}"/>
+              </a:ext>
+            </a:extLst>
+          </p:cNvPr>
+          <p:cNvSpPr/>
+          <p:nvPr/>
+        </p:nvSpPr>
+        <p:spPr>
+          <a:xfrm>
+            <a:off x="7923945" y="1054272"/>
+            <a:ext cx="72674" cy="202223"/>
+          </a:xfrm>
+          <a:prstGeom prst="rect">
+            <a:avLst/>
+          </a:prstGeom>
+          <a:solidFill>
+            <a:srgbClr val="FF1515">
+              <a:alpha val="40000"/>
+            </a:srgbClr>
+          </a:solidFill>
+          <a:ln>
+            <a:solidFill>
+              <a:srgbClr val="FF0000"/>
+            </a:solidFill>
+          </a:ln>
+        </p:spPr>
+        <p:style>
+          <a:lnRef idx="2">
+            <a:schemeClr val="accent1">
+              <a:shade val="15000"/>
+            </a:schemeClr>
+          </a:lnRef>
+          <a:fillRef idx="1">
+            <a:schemeClr val="accent1"/>
+          </a:fillRef>
+          <a:effectRef idx="0">
+            <a:schemeClr val="accent1"/>
+          </a:effectRef>
+          <a:fontRef idx="minor">
+            <a:schemeClr val="lt1"/>
+          </a:fontRef>
+        </p:style>
+        <p:txBody>
+          <a:bodyPr rtlCol="0" anchor="ctr"/>
+          <a:lstStyle/>
+          <a:p>
+            <a:pPr algn="ctr"/>
+            <a:endParaRPr lang="ca-ES"/>
+          </a:p>
+        </p:txBody>
+      </p:sp>
+      <p:sp>
+        <p:nvSpPr>
+          <p:cNvPr id="69" name="Rectangle 68">
+            <a:extLst>
+              <a:ext uri="{FF2B5EF4-FFF2-40B4-BE49-F238E27FC236}">
+                <a16:creationId xmlns:a16="http://schemas.microsoft.com/office/drawing/2014/main" id="{03EDDFF6-6167-49A6-F015-2C95FCE05DED}"/>
+              </a:ext>
+            </a:extLst>
+          </p:cNvPr>
+          <p:cNvSpPr/>
+          <p:nvPr/>
+        </p:nvSpPr>
+        <p:spPr>
+          <a:xfrm>
+            <a:off x="7923945" y="486431"/>
+            <a:ext cx="72674" cy="117600"/>
+          </a:xfrm>
+          <a:prstGeom prst="rect">
+            <a:avLst/>
+          </a:prstGeom>
+          <a:solidFill>
+            <a:srgbClr val="FF1515">
+              <a:alpha val="40000"/>
+            </a:srgbClr>
+          </a:solidFill>
+          <a:ln>
+            <a:solidFill>
+              <a:srgbClr val="FF0000"/>
+            </a:solidFill>
+          </a:ln>
+        </p:spPr>
+        <p:style>
+          <a:lnRef idx="2">
+            <a:schemeClr val="accent1">
+              <a:shade val="15000"/>
+            </a:schemeClr>
+          </a:lnRef>
+          <a:fillRef idx="1">
+            <a:schemeClr val="accent1"/>
+          </a:fillRef>
+          <a:effectRef idx="0">
+            <a:schemeClr val="accent1"/>
+          </a:effectRef>
+          <a:fontRef idx="minor">
+            <a:schemeClr val="lt1"/>
+          </a:fontRef>
+        </p:style>
+        <p:txBody>
+          <a:bodyPr rtlCol="0" anchor="ctr"/>
+          <a:lstStyle/>
+          <a:p>
+            <a:pPr algn="ctr"/>
+            <a:endParaRPr lang="ca-ES"/>
+          </a:p>
+        </p:txBody>
+      </p:sp>
+    </p:spTree>
+    <p:extLst>
+      <p:ext uri="{BB962C8B-B14F-4D97-AF65-F5344CB8AC3E}">
+        <p14:creationId xmlns:p14="http://schemas.microsoft.com/office/powerpoint/2010/main" val="3257819789"/>
+      </p:ext>
+    </p:extLst>
+  </p:cSld>
+  <p:clrMapOvr>
+    <a:masterClrMapping/>
+  </p:clrMapOvr>
+</p:sld>
+</file>
+
+<file path=ppt/slides/slide12.xml><?xml version="1.0" encoding="utf-8"?>
+<p:sld xmlns:a="http://schemas.openxmlformats.org/drawingml/2006/main" xmlns:r="http://schemas.openxmlformats.org/officeDocument/2006/relationships" xmlns:p="http://schemas.openxmlformats.org/presentationml/2006/main">
+  <p:cSld>
+    <p:bg>
+      <p:bgPr>
+        <a:solidFill>
+          <a:schemeClr val="bg1"/>
+        </a:solidFill>
+        <a:effectLst/>
+      </p:bgPr>
+    </p:bg>
+    <p:spTree>
+      <p:nvGrpSpPr>
+        <p:cNvPr id="1" name=""/>
+        <p:cNvGrpSpPr/>
+        <p:nvPr/>
+      </p:nvGrpSpPr>
+      <p:grpSpPr>
+        <a:xfrm>
+          <a:off x="0" y="0"/>
+          <a:ext cx="0" cy="0"/>
+          <a:chOff x="0" y="0"/>
+          <a:chExt cx="0" cy="0"/>
+        </a:xfrm>
+      </p:grpSpPr>
+      <p:sp useBgFill="1">
+        <p:nvSpPr>
+          <p:cNvPr id="9" name="Rectangle 8">
+            <a:extLst>
+              <a:ext uri="{FF2B5EF4-FFF2-40B4-BE49-F238E27FC236}">
+                <a16:creationId xmlns:a16="http://schemas.microsoft.com/office/drawing/2014/main" id="{8A94871E-96FC-4ADE-815B-41A636E34F1A}"/>
+              </a:ext>
+              <a:ext uri="{C183D7F6-B498-43B3-948B-1728B52AA6E4}">
+                <adec:decorative xmlns:adec="http://schemas.microsoft.com/office/drawing/2017/decorative" val="1"/>
+              </a:ext>
+            </a:extLst>
+          </p:cNvPr>
+          <p:cNvSpPr>
+            <a:spLocks noGrp="1" noRot="1" noChangeAspect="1" noMove="1" noResize="1" noEditPoints="1" noAdjustHandles="1" noChangeArrowheads="1" noChangeShapeType="1" noTextEdit="1"/>
+          </p:cNvSpPr>
+          <p:nvPr>
+            <p:extLst>
+              <p:ext uri="{386F3935-93C4-4BCD-93E2-E3B085C9AB24}">
+                <p16:designElem xmlns:p16="http://schemas.microsoft.com/office/powerpoint/2015/main" val="1"/>
+              </p:ext>
+            </p:extLst>
+          </p:nvPr>
+        </p:nvSpPr>
+        <p:spPr>
+          <a:xfrm>
+            <a:off x="0" y="0"/>
+            <a:ext cx="12192000" cy="6858000"/>
+          </a:xfrm>
+          <a:prstGeom prst="rect">
+            <a:avLst/>
+          </a:prstGeom>
+          <a:ln>
+            <a:noFill/>
+          </a:ln>
+        </p:spPr>
+        <p:style>
+          <a:lnRef idx="2">
+            <a:schemeClr val="accent1">
+              <a:shade val="50000"/>
+            </a:schemeClr>
+          </a:lnRef>
+          <a:fillRef idx="1">
+            <a:schemeClr val="accent1"/>
+          </a:fillRef>
+          <a:effectRef idx="0">
+            <a:schemeClr val="accent1"/>
+          </a:effectRef>
+          <a:fontRef idx="minor">
+            <a:schemeClr val="lt1"/>
+          </a:fontRef>
+        </p:style>
+        <p:txBody>
+          <a:bodyPr rtlCol="0" anchor="ctr"/>
+          <a:lstStyle/>
+          <a:p>
+            <a:pPr algn="ctr"/>
+            <a:endParaRPr lang="en-US"/>
+          </a:p>
+        </p:txBody>
+      </p:sp>
+      <p:sp>
+        <p:nvSpPr>
+          <p:cNvPr id="2" name="Títol 1">
+            <a:extLst>
+              <a:ext uri="{FF2B5EF4-FFF2-40B4-BE49-F238E27FC236}">
+                <a16:creationId xmlns:a16="http://schemas.microsoft.com/office/drawing/2014/main" id="{196C469A-34E1-C3EE-8CDA-86C1B6F5AB6D}"/>
+              </a:ext>
+            </a:extLst>
+          </p:cNvPr>
+          <p:cNvSpPr>
+            <a:spLocks noGrp="1"/>
+          </p:cNvSpPr>
+          <p:nvPr>
+            <p:ph type="title"/>
+          </p:nvPr>
+        </p:nvSpPr>
+        <p:spPr>
+          <a:xfrm>
+            <a:off x="640080" y="320040"/>
+            <a:ext cx="6692827" cy="3892669"/>
+          </a:xfrm>
+        </p:spPr>
+        <p:txBody>
+          <a:bodyPr vert="horz" lIns="91440" tIns="45720" rIns="91440" bIns="45720" rtlCol="0" anchor="b">
+            <a:normAutofit/>
+          </a:bodyPr>
+          <a:lstStyle/>
+          <a:p>
+            <a:r>
+              <a:rPr lang="en-US" sz="6600" kern="1200">
+                <a:solidFill>
+                  <a:schemeClr val="tx1"/>
+                </a:solidFill>
+                <a:latin typeface="+mj-lt"/>
+                <a:ea typeface="+mj-ea"/>
+                <a:cs typeface="+mj-cs"/>
+              </a:rPr>
+              <a:t>Fitness</a:t>
+            </a:r>
+          </a:p>
+        </p:txBody>
+      </p:sp>
+      <p:sp>
+        <p:nvSpPr>
+          <p:cNvPr id="11" name="sketch line">
+            <a:extLst>
+              <a:ext uri="{FF2B5EF4-FFF2-40B4-BE49-F238E27FC236}">
+                <a16:creationId xmlns:a16="http://schemas.microsoft.com/office/drawing/2014/main" id="{3FCFB1DE-0B7E-48CC-BA90-B2AB0889F9D6}"/>
+              </a:ext>
+              <a:ext uri="{C183D7F6-B498-43B3-948B-1728B52AA6E4}">
+                <adec:decorative xmlns:adec="http://schemas.microsoft.com/office/drawing/2017/decorative" val="1"/>
+              </a:ext>
+            </a:extLst>
+          </p:cNvPr>
+          <p:cNvSpPr>
+            <a:spLocks noGrp="1" noRot="1" noChangeAspect="1" noMove="1" noResize="1" noEditPoints="1" noAdjustHandles="1" noChangeArrowheads="1" noChangeShapeType="1" noTextEdit="1"/>
+          </p:cNvSpPr>
+          <p:nvPr>
+            <p:extLst>
+              <p:ext uri="{386F3935-93C4-4BCD-93E2-E3B085C9AB24}">
+                <p16:designElem xmlns:p16="http://schemas.microsoft.com/office/powerpoint/2015/main" val="1"/>
+              </p:ext>
+            </p:extLst>
+          </p:nvPr>
+        </p:nvSpPr>
+        <p:spPr>
+          <a:xfrm>
+            <a:off x="714562" y="4409267"/>
+            <a:ext cx="4243589" cy="18288"/>
+          </a:xfrm>
+          <a:custGeom>
+            <a:avLst/>
+            <a:gdLst>
+              <a:gd name="connsiteX0" fmla="*/ 0 w 4243589"/>
+              <a:gd name="connsiteY0" fmla="*/ 0 h 18288"/>
+              <a:gd name="connsiteX1" fmla="*/ 563791 w 4243589"/>
+              <a:gd name="connsiteY1" fmla="*/ 0 h 18288"/>
+              <a:gd name="connsiteX2" fmla="*/ 1042710 w 4243589"/>
+              <a:gd name="connsiteY2" fmla="*/ 0 h 18288"/>
+              <a:gd name="connsiteX3" fmla="*/ 1564066 w 4243589"/>
+              <a:gd name="connsiteY3" fmla="*/ 0 h 18288"/>
+              <a:gd name="connsiteX4" fmla="*/ 2212729 w 4243589"/>
+              <a:gd name="connsiteY4" fmla="*/ 0 h 18288"/>
+              <a:gd name="connsiteX5" fmla="*/ 2776520 w 4243589"/>
+              <a:gd name="connsiteY5" fmla="*/ 0 h 18288"/>
+              <a:gd name="connsiteX6" fmla="*/ 3297875 w 4243589"/>
+              <a:gd name="connsiteY6" fmla="*/ 0 h 18288"/>
+              <a:gd name="connsiteX7" fmla="*/ 4243589 w 4243589"/>
+              <a:gd name="connsiteY7" fmla="*/ 0 h 18288"/>
+              <a:gd name="connsiteX8" fmla="*/ 4243589 w 4243589"/>
+              <a:gd name="connsiteY8" fmla="*/ 18288 h 18288"/>
+              <a:gd name="connsiteX9" fmla="*/ 3637362 w 4243589"/>
+              <a:gd name="connsiteY9" fmla="*/ 18288 h 18288"/>
+              <a:gd name="connsiteX10" fmla="*/ 3116007 w 4243589"/>
+              <a:gd name="connsiteY10" fmla="*/ 18288 h 18288"/>
+              <a:gd name="connsiteX11" fmla="*/ 2424908 w 4243589"/>
+              <a:gd name="connsiteY11" fmla="*/ 18288 h 18288"/>
+              <a:gd name="connsiteX12" fmla="*/ 1861117 w 4243589"/>
+              <a:gd name="connsiteY12" fmla="*/ 18288 h 18288"/>
+              <a:gd name="connsiteX13" fmla="*/ 1382198 w 4243589"/>
+              <a:gd name="connsiteY13" fmla="*/ 18288 h 18288"/>
+              <a:gd name="connsiteX14" fmla="*/ 733535 w 4243589"/>
+              <a:gd name="connsiteY14" fmla="*/ 18288 h 18288"/>
+              <a:gd name="connsiteX15" fmla="*/ 0 w 4243589"/>
+              <a:gd name="connsiteY15" fmla="*/ 18288 h 18288"/>
+              <a:gd name="connsiteX16" fmla="*/ 0 w 4243589"/>
+              <a:gd name="connsiteY16" fmla="*/ 0 h 18288"/>
+            </a:gdLst>
+            <a:ahLst/>
+            <a:cxnLst>
+              <a:cxn ang="0">
+                <a:pos x="connsiteX0" y="connsiteY0"/>
+              </a:cxn>
+              <a:cxn ang="0">
+                <a:pos x="connsiteX1" y="connsiteY1"/>
+              </a:cxn>
+              <a:cxn ang="0">
+                <a:pos x="connsiteX2" y="connsiteY2"/>
+              </a:cxn>
+              <a:cxn ang="0">
+                <a:pos x="connsiteX3" y="connsiteY3"/>
+              </a:cxn>
+              <a:cxn ang="0">
+                <a:pos x="connsiteX4" y="connsiteY4"/>
+              </a:cxn>
+              <a:cxn ang="0">
+                <a:pos x="connsiteX5" y="connsiteY5"/>
+              </a:cxn>
+              <a:cxn ang="0">
+                <a:pos x="connsiteX6" y="connsiteY6"/>
+              </a:cxn>
+              <a:cxn ang="0">
+                <a:pos x="connsiteX7" y="connsiteY7"/>
+              </a:cxn>
+              <a:cxn ang="0">
+                <a:pos x="connsiteX8" y="connsiteY8"/>
+              </a:cxn>
+              <a:cxn ang="0">
+                <a:pos x="connsiteX9" y="connsiteY9"/>
+              </a:cxn>
+              <a:cxn ang="0">
+                <a:pos x="connsiteX10" y="connsiteY10"/>
+              </a:cxn>
+              <a:cxn ang="0">
+                <a:pos x="connsiteX11" y="connsiteY11"/>
+              </a:cxn>
+              <a:cxn ang="0">
+                <a:pos x="connsiteX12" y="connsiteY12"/>
+              </a:cxn>
+              <a:cxn ang="0">
+                <a:pos x="connsiteX13" y="connsiteY13"/>
+              </a:cxn>
+              <a:cxn ang="0">
+                <a:pos x="connsiteX14" y="connsiteY14"/>
+              </a:cxn>
+              <a:cxn ang="0">
+                <a:pos x="connsiteX15" y="connsiteY15"/>
+              </a:cxn>
+              <a:cxn ang="0">
+                <a:pos x="connsiteX16" y="connsiteY16"/>
+              </a:cxn>
+            </a:cxnLst>
+            <a:rect l="l" t="t" r="r" b="b"/>
+            <a:pathLst>
+              <a:path w="4243589" h="18288" fill="none" extrusionOk="0">
+                <a:moveTo>
+                  <a:pt x="0" y="0"/>
+                </a:moveTo>
+                <a:cubicBezTo>
+                  <a:pt x="157351" y="-15653"/>
+                  <a:pt x="378877" y="-5828"/>
+                  <a:pt x="563791" y="0"/>
+                </a:cubicBezTo>
+                <a:cubicBezTo>
+                  <a:pt x="748705" y="5828"/>
+                  <a:pt x="905659" y="-5525"/>
+                  <a:pt x="1042710" y="0"/>
+                </a:cubicBezTo>
+                <a:cubicBezTo>
+                  <a:pt x="1179761" y="5525"/>
+                  <a:pt x="1356845" y="-21288"/>
+                  <a:pt x="1564066" y="0"/>
+                </a:cubicBezTo>
+                <a:cubicBezTo>
+                  <a:pt x="1771287" y="21288"/>
+                  <a:pt x="1912099" y="25135"/>
+                  <a:pt x="2212729" y="0"/>
+                </a:cubicBezTo>
+                <a:cubicBezTo>
+                  <a:pt x="2513359" y="-25135"/>
+                  <a:pt x="2514918" y="-27119"/>
+                  <a:pt x="2776520" y="0"/>
+                </a:cubicBezTo>
+                <a:cubicBezTo>
+                  <a:pt x="3038122" y="27119"/>
+                  <a:pt x="3178771" y="18116"/>
+                  <a:pt x="3297875" y="0"/>
+                </a:cubicBezTo>
+                <a:cubicBezTo>
+                  <a:pt x="3416980" y="-18116"/>
+                  <a:pt x="4012240" y="-40869"/>
+                  <a:pt x="4243589" y="0"/>
+                </a:cubicBezTo>
+                <a:cubicBezTo>
+                  <a:pt x="4243987" y="7429"/>
+                  <a:pt x="4243569" y="10822"/>
+                  <a:pt x="4243589" y="18288"/>
+                </a:cubicBezTo>
+                <a:cubicBezTo>
+                  <a:pt x="4112949" y="-2855"/>
+                  <a:pt x="3928037" y="1831"/>
+                  <a:pt x="3637362" y="18288"/>
+                </a:cubicBezTo>
+                <a:cubicBezTo>
+                  <a:pt x="3346687" y="34745"/>
+                  <a:pt x="3254446" y="26669"/>
+                  <a:pt x="3116007" y="18288"/>
+                </a:cubicBezTo>
+                <a:cubicBezTo>
+                  <a:pt x="2977569" y="9907"/>
+                  <a:pt x="2620228" y="28873"/>
+                  <a:pt x="2424908" y="18288"/>
+                </a:cubicBezTo>
+                <a:cubicBezTo>
+                  <a:pt x="2229588" y="7703"/>
+                  <a:pt x="2088287" y="-3854"/>
+                  <a:pt x="1861117" y="18288"/>
+                </a:cubicBezTo>
+                <a:cubicBezTo>
+                  <a:pt x="1633947" y="40430"/>
+                  <a:pt x="1502447" y="-871"/>
+                  <a:pt x="1382198" y="18288"/>
+                </a:cubicBezTo>
+                <a:cubicBezTo>
+                  <a:pt x="1261949" y="37447"/>
+                  <a:pt x="1045440" y="28353"/>
+                  <a:pt x="733535" y="18288"/>
+                </a:cubicBezTo>
+                <a:cubicBezTo>
+                  <a:pt x="421630" y="8223"/>
+                  <a:pt x="341257" y="-18359"/>
+                  <a:pt x="0" y="18288"/>
+                </a:cubicBezTo>
+                <a:cubicBezTo>
+                  <a:pt x="-591" y="13205"/>
+                  <a:pt x="-663" y="6329"/>
+                  <a:pt x="0" y="0"/>
+                </a:cubicBezTo>
+                <a:close/>
+              </a:path>
+              <a:path w="4243589" h="18288" stroke="0" extrusionOk="0">
+                <a:moveTo>
+                  <a:pt x="0" y="0"/>
+                </a:moveTo>
+                <a:cubicBezTo>
+                  <a:pt x="128164" y="17204"/>
+                  <a:pt x="312653" y="1129"/>
+                  <a:pt x="563791" y="0"/>
+                </a:cubicBezTo>
+                <a:cubicBezTo>
+                  <a:pt x="814929" y="-1129"/>
+                  <a:pt x="837271" y="8503"/>
+                  <a:pt x="1042710" y="0"/>
+                </a:cubicBezTo>
+                <a:cubicBezTo>
+                  <a:pt x="1248149" y="-8503"/>
+                  <a:pt x="1588432" y="-28862"/>
+                  <a:pt x="1733809" y="0"/>
+                </a:cubicBezTo>
+                <a:cubicBezTo>
+                  <a:pt x="1879186" y="28862"/>
+                  <a:pt x="2052815" y="5974"/>
+                  <a:pt x="2297600" y="0"/>
+                </a:cubicBezTo>
+                <a:cubicBezTo>
+                  <a:pt x="2542385" y="-5974"/>
+                  <a:pt x="2699960" y="-23550"/>
+                  <a:pt x="2861391" y="0"/>
+                </a:cubicBezTo>
+                <a:cubicBezTo>
+                  <a:pt x="3022822" y="23550"/>
+                  <a:pt x="3390411" y="25272"/>
+                  <a:pt x="3552490" y="0"/>
+                </a:cubicBezTo>
+                <a:cubicBezTo>
+                  <a:pt x="3714569" y="-25272"/>
+                  <a:pt x="3950585" y="-31327"/>
+                  <a:pt x="4243589" y="0"/>
+                </a:cubicBezTo>
+                <a:cubicBezTo>
+                  <a:pt x="4242703" y="5429"/>
+                  <a:pt x="4244410" y="14046"/>
+                  <a:pt x="4243589" y="18288"/>
+                </a:cubicBezTo>
+                <a:cubicBezTo>
+                  <a:pt x="4130424" y="-1240"/>
+                  <a:pt x="3932803" y="42249"/>
+                  <a:pt x="3722234" y="18288"/>
+                </a:cubicBezTo>
+                <a:cubicBezTo>
+                  <a:pt x="3511665" y="-5673"/>
+                  <a:pt x="3269903" y="45994"/>
+                  <a:pt x="3116007" y="18288"/>
+                </a:cubicBezTo>
+                <a:cubicBezTo>
+                  <a:pt x="2962111" y="-9418"/>
+                  <a:pt x="2744280" y="23224"/>
+                  <a:pt x="2509780" y="18288"/>
+                </a:cubicBezTo>
+                <a:cubicBezTo>
+                  <a:pt x="2275280" y="13352"/>
+                  <a:pt x="2066059" y="43664"/>
+                  <a:pt x="1945989" y="18288"/>
+                </a:cubicBezTo>
+                <a:cubicBezTo>
+                  <a:pt x="1825919" y="-7088"/>
+                  <a:pt x="1407329" y="12616"/>
+                  <a:pt x="1254890" y="18288"/>
+                </a:cubicBezTo>
+                <a:cubicBezTo>
+                  <a:pt x="1102451" y="23960"/>
+                  <a:pt x="837950" y="31673"/>
+                  <a:pt x="563791" y="18288"/>
+                </a:cubicBezTo>
+                <a:cubicBezTo>
+                  <a:pt x="289632" y="4903"/>
+                  <a:pt x="132768" y="7105"/>
+                  <a:pt x="0" y="18288"/>
+                </a:cubicBezTo>
+                <a:cubicBezTo>
+                  <a:pt x="668" y="13665"/>
+                  <a:pt x="578" y="5675"/>
+                  <a:pt x="0" y="0"/>
+                </a:cubicBezTo>
+                <a:close/>
+              </a:path>
+            </a:pathLst>
+          </a:custGeom>
+          <a:solidFill>
+            <a:schemeClr val="accent2"/>
+          </a:solidFill>
+          <a:ln w="38100" cap="rnd">
+            <a:solidFill>
+              <a:schemeClr val="accent2"/>
+            </a:solidFill>
+            <a:round/>
+            <a:extLst>
+              <a:ext uri="{C807C97D-BFC1-408E-A445-0C87EB9F89A2}">
+                <ask:lineSketchStyleProps xmlns:ask="http://schemas.microsoft.com/office/drawing/2018/sketchyshapes" sd="1219033472">
+                  <a:prstGeom prst="rect">
+                    <a:avLst/>
+                  </a:prstGeom>
+                  <ask:type>
+                    <ask:lineSketchFreehand/>
+                  </ask:type>
+                </ask:lineSketchStyleProps>
+              </a:ext>
+            </a:extLst>
+          </a:ln>
+        </p:spPr>
+        <p:style>
+          <a:lnRef idx="2">
+            <a:schemeClr val="accent1">
+              <a:shade val="50000"/>
+            </a:schemeClr>
+          </a:lnRef>
+          <a:fillRef idx="1">
+            <a:schemeClr val="accent1"/>
+          </a:fillRef>
+          <a:effectRef idx="0">
+            <a:schemeClr val="accent1"/>
+          </a:effectRef>
+          <a:fontRef idx="minor">
+            <a:schemeClr val="lt1"/>
+          </a:fontRef>
+        </p:style>
+        <p:txBody>
+          <a:bodyPr rtlCol="0" anchor="ctr"/>
+          <a:lstStyle/>
+          <a:p>
+            <a:pPr algn="ctr"/>
+            <a:endParaRPr lang="en-US"/>
+          </a:p>
+        </p:txBody>
+      </p:sp>
+      <p:pic>
+        <p:nvPicPr>
+          <p:cNvPr id="4" name="Imagen 2" descr="Imatge que conté captura de pantalla, text, dibuixos, disseny&#10;&#10;Descripció generada automàticament">
+            <a:extLst>
+              <a:ext uri="{FF2B5EF4-FFF2-40B4-BE49-F238E27FC236}">
+                <a16:creationId xmlns:a16="http://schemas.microsoft.com/office/drawing/2014/main" id="{F615FCDE-A613-5109-AAAE-848E2189EDAD}"/>
+              </a:ext>
+            </a:extLst>
+          </p:cNvPr>
+          <p:cNvPicPr>
+            <a:picLocks noChangeAspect="1"/>
+          </p:cNvPicPr>
+          <p:nvPr/>
+        </p:nvPicPr>
+        <p:blipFill>
+          <a:blip r:embed="rId2" cstate="print">
+            <a:extLst>
+              <a:ext uri="{28A0092B-C50C-407E-A947-70E740481C1C}">
+                <a14:useLocalDpi xmlns:a14="http://schemas.microsoft.com/office/drawing/2010/main" val="0"/>
+              </a:ext>
+            </a:extLst>
+          </a:blip>
+          <a:stretch>
+            <a:fillRect/>
+          </a:stretch>
+        </p:blipFill>
+        <p:spPr bwMode="auto">
+          <a:xfrm>
+            <a:off x="6462132" y="320040"/>
+            <a:ext cx="3992615" cy="5981446"/>
+          </a:xfrm>
+          <a:prstGeom prst="rect">
+            <a:avLst/>
+          </a:prstGeom>
+          <a:noFill/>
+        </p:spPr>
+      </p:pic>
+      <p:sp>
+        <p:nvSpPr>
+          <p:cNvPr id="5" name="QuadreDeText 4">
+            <a:extLst>
+              <a:ext uri="{FF2B5EF4-FFF2-40B4-BE49-F238E27FC236}">
+                <a16:creationId xmlns:a16="http://schemas.microsoft.com/office/drawing/2014/main" id="{391BCFF0-E435-618E-38A6-C65A22827D95}"/>
+              </a:ext>
+            </a:extLst>
+          </p:cNvPr>
+          <p:cNvSpPr txBox="1"/>
+          <p:nvPr/>
+        </p:nvSpPr>
+        <p:spPr>
+          <a:xfrm>
+            <a:off x="7735164" y="5715000"/>
+            <a:ext cx="723275" cy="430887"/>
+          </a:xfrm>
+          <a:prstGeom prst="rect">
+            <a:avLst/>
+          </a:prstGeom>
+          <a:noFill/>
+        </p:spPr>
+        <p:txBody>
+          <a:bodyPr wrap="none" rtlCol="0">
+            <a:spAutoFit/>
+          </a:bodyPr>
+          <a:lstStyle/>
+          <a:p>
+            <a:r>
+              <a:rPr lang="es-ES" sz="2000" dirty="0">
+                <a:solidFill>
+                  <a:srgbClr val="FF0000"/>
+                </a:solidFill>
+              </a:rPr>
+              <a:t>-</a:t>
+            </a:r>
+            <a:r>
+              <a:rPr lang="es-ES" sz="2200" dirty="0">
+                <a:solidFill>
+                  <a:srgbClr val="FF0000"/>
+                </a:solidFill>
+              </a:rPr>
+              <a:t>100</a:t>
+            </a:r>
+            <a:endParaRPr lang="ca-ES" sz="2200" dirty="0">
+              <a:solidFill>
+                <a:srgbClr val="FF0000"/>
+              </a:solidFill>
+            </a:endParaRPr>
+          </a:p>
+        </p:txBody>
+      </p:sp>
+      <p:sp>
+        <p:nvSpPr>
+          <p:cNvPr id="6" name="QuadreDeText 5">
+            <a:extLst>
+              <a:ext uri="{FF2B5EF4-FFF2-40B4-BE49-F238E27FC236}">
+                <a16:creationId xmlns:a16="http://schemas.microsoft.com/office/drawing/2014/main" id="{20B301CD-2182-2B5B-8DD9-6DD85A9C68EA}"/>
+              </a:ext>
+            </a:extLst>
+          </p:cNvPr>
+          <p:cNvSpPr txBox="1"/>
+          <p:nvPr/>
+        </p:nvSpPr>
+        <p:spPr>
+          <a:xfrm>
+            <a:off x="9426218" y="3490546"/>
+            <a:ext cx="923651" cy="430887"/>
+          </a:xfrm>
+          <a:prstGeom prst="rect">
+            <a:avLst/>
+          </a:prstGeom>
+          <a:noFill/>
+        </p:spPr>
+        <p:txBody>
+          <a:bodyPr wrap="none" rtlCol="0">
+            <a:spAutoFit/>
+          </a:bodyPr>
+          <a:lstStyle/>
+          <a:p>
+            <a:r>
+              <a:rPr lang="es-ES" sz="2000" dirty="0">
+                <a:solidFill>
+                  <a:srgbClr val="FF0000"/>
+                </a:solidFill>
+              </a:rPr>
+              <a:t>+</a:t>
+            </a:r>
+            <a:r>
+              <a:rPr lang="es-ES" sz="2200" dirty="0">
+                <a:solidFill>
+                  <a:srgbClr val="FF0000"/>
+                </a:solidFill>
+              </a:rPr>
+              <a:t>1000</a:t>
+            </a:r>
+            <a:endParaRPr lang="ca-ES" sz="2200" dirty="0">
+              <a:solidFill>
+                <a:srgbClr val="FF0000"/>
+              </a:solidFill>
+            </a:endParaRPr>
+          </a:p>
+        </p:txBody>
+      </p:sp>
+    </p:spTree>
+    <p:extLst>
+      <p:ext uri="{BB962C8B-B14F-4D97-AF65-F5344CB8AC3E}">
+        <p14:creationId xmlns:p14="http://schemas.microsoft.com/office/powerpoint/2010/main" val="28845332"/>
       </p:ext>
     </p:extLst>
   </p:cSld>

--- a/TR_ESCRIT/PPT_Marc.pptx
+++ b/TR_ESCRIT/PPT_Marc.pptx
@@ -208,7 +208,7 @@
           <a:p>
             <a:fld id="{0226C92E-AAA0-4557-B9A1-29537D615C99}" type="datetimeFigureOut">
               <a:rPr lang="es-ES" smtClean="0"/>
-              <a:t>07/12/2024</a:t>
+              <a:t>08/12/2024</a:t>
             </a:fld>
             <a:endParaRPr lang="es-ES"/>
           </a:p>
@@ -366,7 +366,7 @@
           <a:p>
             <a:fld id="{F31E9070-4173-46FF-8E36-7CADF13F9FE7}" type="slidenum">
               <a:rPr lang="es-ES" smtClean="0"/>
-              <a:t>‹#›</a:t>
+              <a:t>‹Nº›</a:t>
             </a:fld>
             <a:endParaRPr lang="es-ES"/>
           </a:p>
@@ -542,39 +542,7 @@
                 <a:latin typeface="Times New Roman" panose="02020603050405020304" pitchFamily="18" charset="0"/>
                 <a:ea typeface="Aptos" panose="020B0004020202020204" pitchFamily="34" charset="0"/>
               </a:rPr>
-              <a:t>Les xarxes neuronals són un sistema de ML (</a:t>
-            </a:r>
-            <a:r>
-              <a:rPr lang="ca-ES" sz="1200" i="1" dirty="0">
-                <a:effectLst/>
-                <a:latin typeface="Times New Roman" panose="02020603050405020304" pitchFamily="18" charset="0"/>
-                <a:ea typeface="Aptos" panose="020B0004020202020204" pitchFamily="34" charset="0"/>
-              </a:rPr>
-              <a:t>Machine </a:t>
-            </a:r>
-            <a:r>
-              <a:rPr lang="ca-ES" sz="1200" i="1" dirty="0" err="1">
-                <a:effectLst/>
-                <a:latin typeface="Times New Roman" panose="02020603050405020304" pitchFamily="18" charset="0"/>
-                <a:ea typeface="Aptos" panose="020B0004020202020204" pitchFamily="34" charset="0"/>
-              </a:rPr>
-              <a:t>Learning</a:t>
-            </a:r>
-            <a:r>
-              <a:rPr lang="ca-ES" sz="1200" i="1" dirty="0">
-                <a:effectLst/>
-                <a:latin typeface="Times New Roman" panose="02020603050405020304" pitchFamily="18" charset="0"/>
-                <a:ea typeface="Aptos" panose="020B0004020202020204" pitchFamily="34" charset="0"/>
-              </a:rPr>
-              <a:t> </a:t>
-            </a:r>
-            <a:r>
-              <a:rPr lang="ca-ES" sz="1200" dirty="0">
-                <a:effectLst/>
-                <a:latin typeface="Times New Roman" panose="02020603050405020304" pitchFamily="18" charset="0"/>
-                <a:ea typeface="Aptos" panose="020B0004020202020204" pitchFamily="34" charset="0"/>
-              </a:rPr>
-              <a:t>o Aprenentatge Automàtic) que es basa en la biologia, en l’estructura neuronal dels animals. Aquestes xarxes es representen en forma de graf, on els vèrtexs són les neurones encarregades d’emmagatzemar la informació i on les arestes són les connexions encarregades de transformar aquesta informació i transmetre-la a les neurones connectades. La primera columna, vermella amb títol d’</a:t>
+              <a:t>Les xarxes neuronals són un sistema d’Aprenentatge Automàtic que es basa en la biologia, en l’estructura neuronal dels animals. Aquestes xarxes es representen en forma de graf, on els vèrtexs són les neurones encarregades d’emmagatzemar la informació i on les arestes són les connexions encarregades de transformar aquesta informació i transmetre-la a les neurones connectades. La primera columna, vermella amb títol d’</a:t>
             </a:r>
             <a:r>
               <a:rPr lang="ca-ES" sz="1200" i="1" dirty="0">
@@ -1301,7 +1269,7 @@
           <a:p>
             <a:fld id="{5BFCB7AD-FFC1-45CB-A519-22D7131A930E}" type="datetimeFigureOut">
               <a:rPr lang="es-ES" smtClean="0"/>
-              <a:t>07/12/2024</a:t>
+              <a:t>08/12/2024</a:t>
             </a:fld>
             <a:endParaRPr lang="es-ES"/>
           </a:p>
@@ -1355,7 +1323,7 @@
           <a:p>
             <a:fld id="{FA161437-EA61-438E-B9B3-A19C585B0FA1}" type="slidenum">
               <a:rPr lang="es-ES" smtClean="0"/>
-              <a:t>‹#›</a:t>
+              <a:t>‹Nº›</a:t>
             </a:fld>
             <a:endParaRPr lang="es-ES"/>
           </a:p>
@@ -1499,7 +1467,7 @@
           <a:p>
             <a:fld id="{5BFCB7AD-FFC1-45CB-A519-22D7131A930E}" type="datetimeFigureOut">
               <a:rPr lang="es-ES" smtClean="0"/>
-              <a:t>07/12/2024</a:t>
+              <a:t>08/12/2024</a:t>
             </a:fld>
             <a:endParaRPr lang="es-ES"/>
           </a:p>
@@ -1553,7 +1521,7 @@
           <a:p>
             <a:fld id="{FA161437-EA61-438E-B9B3-A19C585B0FA1}" type="slidenum">
               <a:rPr lang="es-ES" smtClean="0"/>
-              <a:t>‹#›</a:t>
+              <a:t>‹Nº›</a:t>
             </a:fld>
             <a:endParaRPr lang="es-ES"/>
           </a:p>
@@ -1707,7 +1675,7 @@
           <a:p>
             <a:fld id="{5BFCB7AD-FFC1-45CB-A519-22D7131A930E}" type="datetimeFigureOut">
               <a:rPr lang="es-ES" smtClean="0"/>
-              <a:t>07/12/2024</a:t>
+              <a:t>08/12/2024</a:t>
             </a:fld>
             <a:endParaRPr lang="es-ES"/>
           </a:p>
@@ -1761,7 +1729,7 @@
           <a:p>
             <a:fld id="{FA161437-EA61-438E-B9B3-A19C585B0FA1}" type="slidenum">
               <a:rPr lang="es-ES" smtClean="0"/>
-              <a:t>‹#›</a:t>
+              <a:t>‹Nº›</a:t>
             </a:fld>
             <a:endParaRPr lang="es-ES"/>
           </a:p>
@@ -1905,7 +1873,7 @@
           <a:p>
             <a:fld id="{5BFCB7AD-FFC1-45CB-A519-22D7131A930E}" type="datetimeFigureOut">
               <a:rPr lang="es-ES" smtClean="0"/>
-              <a:t>07/12/2024</a:t>
+              <a:t>08/12/2024</a:t>
             </a:fld>
             <a:endParaRPr lang="es-ES"/>
           </a:p>
@@ -1959,7 +1927,7 @@
           <a:p>
             <a:fld id="{FA161437-EA61-438E-B9B3-A19C585B0FA1}" type="slidenum">
               <a:rPr lang="es-ES" smtClean="0"/>
-              <a:t>‹#›</a:t>
+              <a:t>‹Nº›</a:t>
             </a:fld>
             <a:endParaRPr lang="es-ES"/>
           </a:p>
@@ -2180,7 +2148,7 @@
           <a:p>
             <a:fld id="{5BFCB7AD-FFC1-45CB-A519-22D7131A930E}" type="datetimeFigureOut">
               <a:rPr lang="es-ES" smtClean="0"/>
-              <a:t>07/12/2024</a:t>
+              <a:t>08/12/2024</a:t>
             </a:fld>
             <a:endParaRPr lang="es-ES"/>
           </a:p>
@@ -2234,7 +2202,7 @@
           <a:p>
             <a:fld id="{FA161437-EA61-438E-B9B3-A19C585B0FA1}" type="slidenum">
               <a:rPr lang="es-ES" smtClean="0"/>
-              <a:t>‹#›</a:t>
+              <a:t>‹Nº›</a:t>
             </a:fld>
             <a:endParaRPr lang="es-ES"/>
           </a:p>
@@ -2445,7 +2413,7 @@
           <a:p>
             <a:fld id="{5BFCB7AD-FFC1-45CB-A519-22D7131A930E}" type="datetimeFigureOut">
               <a:rPr lang="es-ES" smtClean="0"/>
-              <a:t>07/12/2024</a:t>
+              <a:t>08/12/2024</a:t>
             </a:fld>
             <a:endParaRPr lang="es-ES"/>
           </a:p>
@@ -2499,7 +2467,7 @@
           <a:p>
             <a:fld id="{FA161437-EA61-438E-B9B3-A19C585B0FA1}" type="slidenum">
               <a:rPr lang="es-ES" smtClean="0"/>
-              <a:t>‹#›</a:t>
+              <a:t>‹Nº›</a:t>
             </a:fld>
             <a:endParaRPr lang="es-ES"/>
           </a:p>
@@ -2857,7 +2825,7 @@
           <a:p>
             <a:fld id="{5BFCB7AD-FFC1-45CB-A519-22D7131A930E}" type="datetimeFigureOut">
               <a:rPr lang="es-ES" smtClean="0"/>
-              <a:t>07/12/2024</a:t>
+              <a:t>08/12/2024</a:t>
             </a:fld>
             <a:endParaRPr lang="es-ES"/>
           </a:p>
@@ -2911,7 +2879,7 @@
           <a:p>
             <a:fld id="{FA161437-EA61-438E-B9B3-A19C585B0FA1}" type="slidenum">
               <a:rPr lang="es-ES" smtClean="0"/>
-              <a:t>‹#›</a:t>
+              <a:t>‹Nº›</a:t>
             </a:fld>
             <a:endParaRPr lang="es-ES"/>
           </a:p>
@@ -2998,7 +2966,7 @@
           <a:p>
             <a:fld id="{5BFCB7AD-FFC1-45CB-A519-22D7131A930E}" type="datetimeFigureOut">
               <a:rPr lang="es-ES" smtClean="0"/>
-              <a:t>07/12/2024</a:t>
+              <a:t>08/12/2024</a:t>
             </a:fld>
             <a:endParaRPr lang="es-ES"/>
           </a:p>
@@ -3052,7 +3020,7 @@
           <a:p>
             <a:fld id="{FA161437-EA61-438E-B9B3-A19C585B0FA1}" type="slidenum">
               <a:rPr lang="es-ES" smtClean="0"/>
-              <a:t>‹#›</a:t>
+              <a:t>‹Nº›</a:t>
             </a:fld>
             <a:endParaRPr lang="es-ES"/>
           </a:p>
@@ -3111,7 +3079,7 @@
           <a:p>
             <a:fld id="{5BFCB7AD-FFC1-45CB-A519-22D7131A930E}" type="datetimeFigureOut">
               <a:rPr lang="es-ES" smtClean="0"/>
-              <a:t>07/12/2024</a:t>
+              <a:t>08/12/2024</a:t>
             </a:fld>
             <a:endParaRPr lang="es-ES"/>
           </a:p>
@@ -3165,7 +3133,7 @@
           <a:p>
             <a:fld id="{FA161437-EA61-438E-B9B3-A19C585B0FA1}" type="slidenum">
               <a:rPr lang="es-ES" smtClean="0"/>
-              <a:t>‹#›</a:t>
+              <a:t>‹Nº›</a:t>
             </a:fld>
             <a:endParaRPr lang="es-ES"/>
           </a:p>
@@ -3422,7 +3390,7 @@
           <a:p>
             <a:fld id="{5BFCB7AD-FFC1-45CB-A519-22D7131A930E}" type="datetimeFigureOut">
               <a:rPr lang="es-ES" smtClean="0"/>
-              <a:t>07/12/2024</a:t>
+              <a:t>08/12/2024</a:t>
             </a:fld>
             <a:endParaRPr lang="es-ES"/>
           </a:p>
@@ -3476,7 +3444,7 @@
           <a:p>
             <a:fld id="{FA161437-EA61-438E-B9B3-A19C585B0FA1}" type="slidenum">
               <a:rPr lang="es-ES" smtClean="0"/>
-              <a:t>‹#›</a:t>
+              <a:t>‹Nº›</a:t>
             </a:fld>
             <a:endParaRPr lang="es-ES"/>
           </a:p>
@@ -3710,7 +3678,7 @@
           <a:p>
             <a:fld id="{5BFCB7AD-FFC1-45CB-A519-22D7131A930E}" type="datetimeFigureOut">
               <a:rPr lang="es-ES" smtClean="0"/>
-              <a:t>07/12/2024</a:t>
+              <a:t>08/12/2024</a:t>
             </a:fld>
             <a:endParaRPr lang="es-ES"/>
           </a:p>
@@ -3764,7 +3732,7 @@
           <a:p>
             <a:fld id="{FA161437-EA61-438E-B9B3-A19C585B0FA1}" type="slidenum">
               <a:rPr lang="es-ES" smtClean="0"/>
-              <a:t>‹#›</a:t>
+              <a:t>‹Nº›</a:t>
             </a:fld>
             <a:endParaRPr lang="es-ES"/>
           </a:p>
@@ -3951,7 +3919,7 @@
           <a:p>
             <a:fld id="{5BFCB7AD-FFC1-45CB-A519-22D7131A930E}" type="datetimeFigureOut">
               <a:rPr lang="es-ES" smtClean="0"/>
-              <a:t>07/12/2024</a:t>
+              <a:t>08/12/2024</a:t>
             </a:fld>
             <a:endParaRPr lang="es-ES"/>
           </a:p>
@@ -4041,7 +4009,7 @@
           <a:p>
             <a:fld id="{FA161437-EA61-438E-B9B3-A19C585B0FA1}" type="slidenum">
               <a:rPr lang="es-ES" smtClean="0"/>
-              <a:t>‹#›</a:t>
+              <a:t>‹Nº›</a:t>
             </a:fld>
             <a:endParaRPr lang="es-ES"/>
           </a:p>
@@ -4378,10 +4346,10 @@
       </p:grpSpPr>
       <p:sp>
         <p:nvSpPr>
-          <p:cNvPr id="11" name="Down Arrow 7">
-            <a:extLst>
-              <a:ext uri="{FF2B5EF4-FFF2-40B4-BE49-F238E27FC236}">
-                <a16:creationId xmlns:a16="http://schemas.microsoft.com/office/drawing/2014/main" id="{D4771268-CB57-404A-9271-370EB28F6090}"/>
+          <p:cNvPr id="16" name="Flowchart: Document 15">
+            <a:extLst>
+              <a:ext uri="{FF2B5EF4-FFF2-40B4-BE49-F238E27FC236}">
+                <a16:creationId xmlns:a16="http://schemas.microsoft.com/office/drawing/2014/main" id="{D12DDE76-C203-4047-9998-63900085B5E8}"/>
               </a:ext>
               <a:ext uri="{C183D7F6-B498-43B3-948B-1728B52AA6E4}">
                 <adec:decorative xmlns:adec="http://schemas.microsoft.com/office/drawing/2017/decorative" val="1"/>
@@ -4400,20 +4368,17 @@
           </p:nvPr>
         </p:nvSpPr>
         <p:spPr>
-          <a:xfrm rot="16200000">
-            <a:off x="800100" y="1491343"/>
-            <a:ext cx="3333749" cy="3499103"/>
-          </a:xfrm>
-          <a:prstGeom prst="downArrow">
-            <a:avLst>
-              <a:gd name="adj1" fmla="val 100000"/>
-              <a:gd name="adj2" fmla="val 15788"/>
-            </a:avLst>
+          <a:xfrm>
+            <a:off x="638175" y="0"/>
+            <a:ext cx="3248025" cy="3400426"/>
+          </a:xfrm>
+          <a:prstGeom prst="flowChartDocument">
+            <a:avLst/>
           </a:prstGeom>
           <a:solidFill>
-            <a:srgbClr val="404040"/>
+            <a:schemeClr val="accent1"/>
           </a:solidFill>
-          <a:ln w="53975">
+          <a:ln>
             <a:noFill/>
           </a:ln>
         </p:spPr>
@@ -4460,10 +4425,9 @@
         </p:nvSpPr>
         <p:spPr>
           <a:xfrm>
-            <a:off x="1028700" y="1967266"/>
-            <a:ext cx="2628900" cy="2547257"/>
-          </a:xfrm>
-          <a:noFill/>
+            <a:off x="838200" y="171162"/>
+            <a:ext cx="2840182" cy="2371148"/>
+          </a:xfrm>
         </p:spPr>
         <p:txBody>
           <a:bodyPr vert="horz" lIns="91440" tIns="45720" rIns="91440" bIns="45720" rtlCol="0" anchor="ctr">
@@ -4471,9 +4435,8 @@
           </a:bodyPr>
           <a:lstStyle/>
           <a:p>
-            <a:pPr algn="ctr"/>
-            <a:r>
-              <a:rPr lang="en-US" sz="3300" kern="1200">
+            <a:r>
+              <a:rPr lang="en-US" sz="3200" kern="1200">
                 <a:solidFill>
                   <a:srgbClr val="FFFFFF"/>
                 </a:solidFill>
@@ -4488,10 +4451,13 @@
       </p:sp>
       <p:pic>
         <p:nvPicPr>
-          <p:cNvPr id="6" name="Imatge 1" descr="Imatge que conté text, captura de pantalla, Font, cercle&#10;&#10;Descripció generada automàticament">
-            <a:extLst>
-              <a:ext uri="{FF2B5EF4-FFF2-40B4-BE49-F238E27FC236}">
-                <a16:creationId xmlns:a16="http://schemas.microsoft.com/office/drawing/2014/main" id="{5B403C1F-FD6D-B242-42F8-F585BF96F1B0}"/>
+          <p:cNvPr id="3" name="Imatge 1" descr="Diagrama, Esquemático">
+            <a:extLst>
+              <a:ext uri="{FF2B5EF4-FFF2-40B4-BE49-F238E27FC236}">
+                <a16:creationId xmlns:a16="http://schemas.microsoft.com/office/drawing/2014/main" id="{D25AAD6A-5FBA-61D3-DC1F-539BACB8CD62}"/>
+              </a:ext>
+              <a:ext uri="{C183D7F6-B498-43B3-948B-1728B52AA6E4}">
+                <adec:decorative xmlns:adec="http://schemas.microsoft.com/office/drawing/2017/decorative" val="0"/>
               </a:ext>
             </a:extLst>
           </p:cNvPr>
@@ -4503,7 +4469,7 @@
           </p:nvPr>
         </p:nvPicPr>
         <p:blipFill>
-          <a:blip r:embed="rId3" cstate="print">
+          <a:blip r:embed="rId3">
             <a:extLst>
               <a:ext uri="{28A0092B-C50C-407E-A947-70E740481C1C}">
                 <a14:useLocalDpi xmlns:a14="http://schemas.microsoft.com/office/drawing/2010/main" val="0"/>
@@ -4516,8 +4482,8 @@
         </p:blipFill>
         <p:spPr>
           <a:xfrm>
-            <a:off x="5071321" y="643466"/>
-            <a:ext cx="6192689" cy="5568739"/>
+            <a:off x="5071215" y="640080"/>
+            <a:ext cx="5620973" cy="5578816"/>
           </a:xfrm>
           <a:prstGeom prst="rect">
             <a:avLst/>
@@ -5162,7 +5128,7 @@
         </p:nvSpPr>
         <p:spPr>
           <a:xfrm>
-            <a:off x="534513" y="2829719"/>
+            <a:off x="570727" y="2120253"/>
             <a:ext cx="6052274" cy="1569660"/>
           </a:xfrm>
           <a:prstGeom prst="rect">
@@ -8060,6 +8026,44 @@
           </a:p>
         </p:txBody>
       </p:sp>
+      <p:pic>
+        <p:nvPicPr>
+          <p:cNvPr id="3" name="Imatge 1" descr="Imatge que conté text, captura de pantalla, Font, cercle&#10;&#10;Descripció generada automàticament">
+            <a:extLst>
+              <a:ext uri="{FF2B5EF4-FFF2-40B4-BE49-F238E27FC236}">
+                <a16:creationId xmlns:a16="http://schemas.microsoft.com/office/drawing/2014/main" id="{12F677B0-A822-B630-3028-30EAA47E376F}"/>
+              </a:ext>
+            </a:extLst>
+          </p:cNvPr>
+          <p:cNvPicPr>
+            <a:picLocks noGrp="1" noChangeAspect="1"/>
+          </p:cNvPicPr>
+          <p:nvPr>
+            <p:ph idx="1"/>
+          </p:nvPr>
+        </p:nvPicPr>
+        <p:blipFill>
+          <a:blip r:embed="rId3" cstate="print">
+            <a:extLst>
+              <a:ext uri="{28A0092B-C50C-407E-A947-70E740481C1C}">
+                <a14:useLocalDpi xmlns:a14="http://schemas.microsoft.com/office/drawing/2010/main" val="0"/>
+              </a:ext>
+            </a:extLst>
+          </a:blip>
+          <a:stretch>
+            <a:fillRect/>
+          </a:stretch>
+        </p:blipFill>
+        <p:spPr>
+          <a:xfrm>
+            <a:off x="1819633" y="3762588"/>
+            <a:ext cx="3251585" cy="2923969"/>
+          </a:xfrm>
+          <a:prstGeom prst="rect">
+            <a:avLst/>
+          </a:prstGeom>
+        </p:spPr>
+      </p:pic>
     </p:spTree>
     <p:extLst>
       <p:ext uri="{BB962C8B-B14F-4D97-AF65-F5344CB8AC3E}">
@@ -8961,7 +8965,7 @@
               <a:t> el </a:t>
             </a:r>
             <a:r>
-              <a:rPr lang="es-ES" b="1" dirty="0"/>
+              <a:rPr lang="es-ES" b="1" i="1" dirty="0"/>
               <a:t>fitness</a:t>
             </a:r>
             <a:r>
@@ -9298,7 +9302,7 @@
           <a:lstStyle/>
           <a:p>
             <a:r>
-              <a:rPr lang="es-ES" dirty="0"/>
+              <a:rPr lang="es-ES" i="1" dirty="0"/>
               <a:t>Fitness</a:t>
             </a:r>
           </a:p>
@@ -9646,8 +9650,12 @@
               <a:buNone/>
             </a:pPr>
             <a:r>
+              <a:rPr lang="es-ES" dirty="0" err="1"/>
+              <a:t>Són</a:t>
+            </a:r>
+            <a:r>
               <a:rPr lang="es-ES" dirty="0"/>
-              <a:t>Son </a:t>
+              <a:t> </a:t>
             </a:r>
             <a:r>
               <a:rPr lang="es-ES" dirty="0" err="1"/>

--- a/TR_ESCRIT/PPT_Marc.pptx
+++ b/TR_ESCRIT/PPT_Marc.pptx
@@ -208,7 +208,7 @@
           <a:p>
             <a:fld id="{0226C92E-AAA0-4557-B9A1-29537D615C99}" type="datetimeFigureOut">
               <a:rPr lang="es-ES" smtClean="0"/>
-              <a:t>08/12/2024</a:t>
+              <a:t>10/12/2024</a:t>
             </a:fld>
             <a:endParaRPr lang="es-ES"/>
           </a:p>
@@ -366,7 +366,7 @@
           <a:p>
             <a:fld id="{F31E9070-4173-46FF-8E36-7CADF13F9FE7}" type="slidenum">
               <a:rPr lang="es-ES" smtClean="0"/>
-              <a:t>‹Nº›</a:t>
+              <a:t>‹#›</a:t>
             </a:fld>
             <a:endParaRPr lang="es-ES"/>
           </a:p>
@@ -1269,7 +1269,7 @@
           <a:p>
             <a:fld id="{5BFCB7AD-FFC1-45CB-A519-22D7131A930E}" type="datetimeFigureOut">
               <a:rPr lang="es-ES" smtClean="0"/>
-              <a:t>08/12/2024</a:t>
+              <a:t>10/12/2024</a:t>
             </a:fld>
             <a:endParaRPr lang="es-ES"/>
           </a:p>
@@ -1323,7 +1323,7 @@
           <a:p>
             <a:fld id="{FA161437-EA61-438E-B9B3-A19C585B0FA1}" type="slidenum">
               <a:rPr lang="es-ES" smtClean="0"/>
-              <a:t>‹Nº›</a:t>
+              <a:t>‹#›</a:t>
             </a:fld>
             <a:endParaRPr lang="es-ES"/>
           </a:p>
@@ -1467,7 +1467,7 @@
           <a:p>
             <a:fld id="{5BFCB7AD-FFC1-45CB-A519-22D7131A930E}" type="datetimeFigureOut">
               <a:rPr lang="es-ES" smtClean="0"/>
-              <a:t>08/12/2024</a:t>
+              <a:t>10/12/2024</a:t>
             </a:fld>
             <a:endParaRPr lang="es-ES"/>
           </a:p>
@@ -1521,7 +1521,7 @@
           <a:p>
             <a:fld id="{FA161437-EA61-438E-B9B3-A19C585B0FA1}" type="slidenum">
               <a:rPr lang="es-ES" smtClean="0"/>
-              <a:t>‹Nº›</a:t>
+              <a:t>‹#›</a:t>
             </a:fld>
             <a:endParaRPr lang="es-ES"/>
           </a:p>
@@ -1675,7 +1675,7 @@
           <a:p>
             <a:fld id="{5BFCB7AD-FFC1-45CB-A519-22D7131A930E}" type="datetimeFigureOut">
               <a:rPr lang="es-ES" smtClean="0"/>
-              <a:t>08/12/2024</a:t>
+              <a:t>10/12/2024</a:t>
             </a:fld>
             <a:endParaRPr lang="es-ES"/>
           </a:p>
@@ -1729,7 +1729,7 @@
           <a:p>
             <a:fld id="{FA161437-EA61-438E-B9B3-A19C585B0FA1}" type="slidenum">
               <a:rPr lang="es-ES" smtClean="0"/>
-              <a:t>‹Nº›</a:t>
+              <a:t>‹#›</a:t>
             </a:fld>
             <a:endParaRPr lang="es-ES"/>
           </a:p>
@@ -1873,7 +1873,7 @@
           <a:p>
             <a:fld id="{5BFCB7AD-FFC1-45CB-A519-22D7131A930E}" type="datetimeFigureOut">
               <a:rPr lang="es-ES" smtClean="0"/>
-              <a:t>08/12/2024</a:t>
+              <a:t>10/12/2024</a:t>
             </a:fld>
             <a:endParaRPr lang="es-ES"/>
           </a:p>
@@ -1927,7 +1927,7 @@
           <a:p>
             <a:fld id="{FA161437-EA61-438E-B9B3-A19C585B0FA1}" type="slidenum">
               <a:rPr lang="es-ES" smtClean="0"/>
-              <a:t>‹Nº›</a:t>
+              <a:t>‹#›</a:t>
             </a:fld>
             <a:endParaRPr lang="es-ES"/>
           </a:p>
@@ -2148,7 +2148,7 @@
           <a:p>
             <a:fld id="{5BFCB7AD-FFC1-45CB-A519-22D7131A930E}" type="datetimeFigureOut">
               <a:rPr lang="es-ES" smtClean="0"/>
-              <a:t>08/12/2024</a:t>
+              <a:t>10/12/2024</a:t>
             </a:fld>
             <a:endParaRPr lang="es-ES"/>
           </a:p>
@@ -2202,7 +2202,7 @@
           <a:p>
             <a:fld id="{FA161437-EA61-438E-B9B3-A19C585B0FA1}" type="slidenum">
               <a:rPr lang="es-ES" smtClean="0"/>
-              <a:t>‹Nº›</a:t>
+              <a:t>‹#›</a:t>
             </a:fld>
             <a:endParaRPr lang="es-ES"/>
           </a:p>
@@ -2413,7 +2413,7 @@
           <a:p>
             <a:fld id="{5BFCB7AD-FFC1-45CB-A519-22D7131A930E}" type="datetimeFigureOut">
               <a:rPr lang="es-ES" smtClean="0"/>
-              <a:t>08/12/2024</a:t>
+              <a:t>10/12/2024</a:t>
             </a:fld>
             <a:endParaRPr lang="es-ES"/>
           </a:p>
@@ -2467,7 +2467,7 @@
           <a:p>
             <a:fld id="{FA161437-EA61-438E-B9B3-A19C585B0FA1}" type="slidenum">
               <a:rPr lang="es-ES" smtClean="0"/>
-              <a:t>‹Nº›</a:t>
+              <a:t>‹#›</a:t>
             </a:fld>
             <a:endParaRPr lang="es-ES"/>
           </a:p>
@@ -2825,7 +2825,7 @@
           <a:p>
             <a:fld id="{5BFCB7AD-FFC1-45CB-A519-22D7131A930E}" type="datetimeFigureOut">
               <a:rPr lang="es-ES" smtClean="0"/>
-              <a:t>08/12/2024</a:t>
+              <a:t>10/12/2024</a:t>
             </a:fld>
             <a:endParaRPr lang="es-ES"/>
           </a:p>
@@ -2879,7 +2879,7 @@
           <a:p>
             <a:fld id="{FA161437-EA61-438E-B9B3-A19C585B0FA1}" type="slidenum">
               <a:rPr lang="es-ES" smtClean="0"/>
-              <a:t>‹Nº›</a:t>
+              <a:t>‹#›</a:t>
             </a:fld>
             <a:endParaRPr lang="es-ES"/>
           </a:p>
@@ -2966,7 +2966,7 @@
           <a:p>
             <a:fld id="{5BFCB7AD-FFC1-45CB-A519-22D7131A930E}" type="datetimeFigureOut">
               <a:rPr lang="es-ES" smtClean="0"/>
-              <a:t>08/12/2024</a:t>
+              <a:t>10/12/2024</a:t>
             </a:fld>
             <a:endParaRPr lang="es-ES"/>
           </a:p>
@@ -3020,7 +3020,7 @@
           <a:p>
             <a:fld id="{FA161437-EA61-438E-B9B3-A19C585B0FA1}" type="slidenum">
               <a:rPr lang="es-ES" smtClean="0"/>
-              <a:t>‹Nº›</a:t>
+              <a:t>‹#›</a:t>
             </a:fld>
             <a:endParaRPr lang="es-ES"/>
           </a:p>
@@ -3079,7 +3079,7 @@
           <a:p>
             <a:fld id="{5BFCB7AD-FFC1-45CB-A519-22D7131A930E}" type="datetimeFigureOut">
               <a:rPr lang="es-ES" smtClean="0"/>
-              <a:t>08/12/2024</a:t>
+              <a:t>10/12/2024</a:t>
             </a:fld>
             <a:endParaRPr lang="es-ES"/>
           </a:p>
@@ -3133,7 +3133,7 @@
           <a:p>
             <a:fld id="{FA161437-EA61-438E-B9B3-A19C585B0FA1}" type="slidenum">
               <a:rPr lang="es-ES" smtClean="0"/>
-              <a:t>‹Nº›</a:t>
+              <a:t>‹#›</a:t>
             </a:fld>
             <a:endParaRPr lang="es-ES"/>
           </a:p>
@@ -3390,7 +3390,7 @@
           <a:p>
             <a:fld id="{5BFCB7AD-FFC1-45CB-A519-22D7131A930E}" type="datetimeFigureOut">
               <a:rPr lang="es-ES" smtClean="0"/>
-              <a:t>08/12/2024</a:t>
+              <a:t>10/12/2024</a:t>
             </a:fld>
             <a:endParaRPr lang="es-ES"/>
           </a:p>
@@ -3444,7 +3444,7 @@
           <a:p>
             <a:fld id="{FA161437-EA61-438E-B9B3-A19C585B0FA1}" type="slidenum">
               <a:rPr lang="es-ES" smtClean="0"/>
-              <a:t>‹Nº›</a:t>
+              <a:t>‹#›</a:t>
             </a:fld>
             <a:endParaRPr lang="es-ES"/>
           </a:p>
@@ -3678,7 +3678,7 @@
           <a:p>
             <a:fld id="{5BFCB7AD-FFC1-45CB-A519-22D7131A930E}" type="datetimeFigureOut">
               <a:rPr lang="es-ES" smtClean="0"/>
-              <a:t>08/12/2024</a:t>
+              <a:t>10/12/2024</a:t>
             </a:fld>
             <a:endParaRPr lang="es-ES"/>
           </a:p>
@@ -3732,7 +3732,7 @@
           <a:p>
             <a:fld id="{FA161437-EA61-438E-B9B3-A19C585B0FA1}" type="slidenum">
               <a:rPr lang="es-ES" smtClean="0"/>
-              <a:t>‹Nº›</a:t>
+              <a:t>‹#›</a:t>
             </a:fld>
             <a:endParaRPr lang="es-ES"/>
           </a:p>
@@ -3919,7 +3919,7 @@
           <a:p>
             <a:fld id="{5BFCB7AD-FFC1-45CB-A519-22D7131A930E}" type="datetimeFigureOut">
               <a:rPr lang="es-ES" smtClean="0"/>
-              <a:t>08/12/2024</a:t>
+              <a:t>10/12/2024</a:t>
             </a:fld>
             <a:endParaRPr lang="es-ES"/>
           </a:p>
@@ -4009,7 +4009,7 @@
           <a:p>
             <a:fld id="{FA161437-EA61-438E-B9B3-A19C585B0FA1}" type="slidenum">
               <a:rPr lang="es-ES" smtClean="0"/>
-              <a:t>‹Nº›</a:t>
+              <a:t>‹#›</a:t>
             </a:fld>
             <a:endParaRPr lang="es-ES"/>
           </a:p>
@@ -4436,7 +4436,7 @@
           <a:lstStyle/>
           <a:p>
             <a:r>
-              <a:rPr lang="en-US" sz="3200" kern="1200">
+              <a:rPr lang="en-US" sz="3200" kern="1200" dirty="0" err="1">
                 <a:solidFill>
                   <a:srgbClr val="FFFFFF"/>
                 </a:solidFill>
@@ -4444,8 +4444,126 @@
                 <a:ea typeface="+mj-ea"/>
                 <a:cs typeface="+mj-cs"/>
               </a:rPr>
-              <a:t>Què és una xarxa neuronal i com funciona</a:t>
-            </a:r>
+              <a:t>Què</a:t>
+            </a:r>
+            <a:r>
+              <a:rPr lang="en-US" sz="3200" kern="1200" dirty="0">
+                <a:solidFill>
+                  <a:srgbClr val="FFFFFF"/>
+                </a:solidFill>
+                <a:latin typeface="+mj-lt"/>
+                <a:ea typeface="+mj-ea"/>
+                <a:cs typeface="+mj-cs"/>
+              </a:rPr>
+              <a:t> </a:t>
+            </a:r>
+            <a:r>
+              <a:rPr lang="en-US" sz="3200" kern="1200" dirty="0" err="1">
+                <a:solidFill>
+                  <a:srgbClr val="FFFFFF"/>
+                </a:solidFill>
+                <a:latin typeface="+mj-lt"/>
+                <a:ea typeface="+mj-ea"/>
+                <a:cs typeface="+mj-cs"/>
+              </a:rPr>
+              <a:t>és</a:t>
+            </a:r>
+            <a:r>
+              <a:rPr lang="en-US" sz="3200" kern="1200" dirty="0">
+                <a:solidFill>
+                  <a:srgbClr val="FFFFFF"/>
+                </a:solidFill>
+                <a:latin typeface="+mj-lt"/>
+                <a:ea typeface="+mj-ea"/>
+                <a:cs typeface="+mj-cs"/>
+              </a:rPr>
+              <a:t> </a:t>
+            </a:r>
+            <a:r>
+              <a:rPr lang="en-US" sz="3200" kern="1200" dirty="0" err="1">
+                <a:solidFill>
+                  <a:srgbClr val="FFFFFF"/>
+                </a:solidFill>
+                <a:latin typeface="+mj-lt"/>
+                <a:ea typeface="+mj-ea"/>
+                <a:cs typeface="+mj-cs"/>
+              </a:rPr>
+              <a:t>una</a:t>
+            </a:r>
+            <a:r>
+              <a:rPr lang="en-US" sz="3200" kern="1200" dirty="0">
+                <a:solidFill>
+                  <a:srgbClr val="FFFFFF"/>
+                </a:solidFill>
+                <a:latin typeface="+mj-lt"/>
+                <a:ea typeface="+mj-ea"/>
+                <a:cs typeface="+mj-cs"/>
+              </a:rPr>
+              <a:t> </a:t>
+            </a:r>
+            <a:r>
+              <a:rPr lang="en-US" sz="3200" kern="1200" dirty="0" err="1">
+                <a:solidFill>
+                  <a:srgbClr val="FFFFFF"/>
+                </a:solidFill>
+                <a:latin typeface="+mj-lt"/>
+                <a:ea typeface="+mj-ea"/>
+                <a:cs typeface="+mj-cs"/>
+              </a:rPr>
+              <a:t>xarxa</a:t>
+            </a:r>
+            <a:r>
+              <a:rPr lang="en-US" sz="3200" kern="1200" dirty="0">
+                <a:solidFill>
+                  <a:srgbClr val="FFFFFF"/>
+                </a:solidFill>
+                <a:latin typeface="+mj-lt"/>
+                <a:ea typeface="+mj-ea"/>
+                <a:cs typeface="+mj-cs"/>
+              </a:rPr>
+              <a:t> neuronal </a:t>
+            </a:r>
+            <a:r>
+              <a:rPr lang="en-US" sz="3200" kern="1200" dirty="0" err="1">
+                <a:solidFill>
+                  <a:srgbClr val="FFFFFF"/>
+                </a:solidFill>
+                <a:latin typeface="+mj-lt"/>
+                <a:ea typeface="+mj-ea"/>
+                <a:cs typeface="+mj-cs"/>
+              </a:rPr>
+              <a:t>i</a:t>
+            </a:r>
+            <a:r>
+              <a:rPr lang="en-US" sz="3200" kern="1200" dirty="0">
+                <a:solidFill>
+                  <a:srgbClr val="FFFFFF"/>
+                </a:solidFill>
+                <a:latin typeface="+mj-lt"/>
+                <a:ea typeface="+mj-ea"/>
+                <a:cs typeface="+mj-cs"/>
+              </a:rPr>
+              <a:t> com </a:t>
+            </a:r>
+            <a:r>
+              <a:rPr lang="en-US" sz="3200" kern="1200" dirty="0" err="1">
+                <a:solidFill>
+                  <a:srgbClr val="FFFFFF"/>
+                </a:solidFill>
+                <a:latin typeface="+mj-lt"/>
+                <a:ea typeface="+mj-ea"/>
+                <a:cs typeface="+mj-cs"/>
+              </a:rPr>
+              <a:t>funciona</a:t>
+            </a:r>
+            <a:endParaRPr lang="en-US" sz="3200" kern="1200" dirty="0">
+              <a:solidFill>
+                <a:srgbClr val="FFFFFF"/>
+              </a:solidFill>
+              <a:latin typeface="+mj-lt"/>
+              <a:ea typeface="+mj-ea"/>
+              <a:cs typeface="+mj-cs"/>
+            </a:endParaRPr>
           </a:p>
         </p:txBody>
       </p:sp>
@@ -8733,7 +8851,7 @@
         <p:spPr>
           <a:xfrm>
             <a:off x="562708" y="342872"/>
-            <a:ext cx="6693114" cy="369332"/>
+            <a:ext cx="6758838" cy="369332"/>
           </a:xfrm>
           <a:prstGeom prst="rect">
             <a:avLst/>
@@ -8778,7 +8896,10 @@
               <a:rPr lang="es-ES" dirty="0" err="1"/>
               <a:t>genètic</a:t>
             </a:r>
-            <a:endParaRPr lang="es-ES" dirty="0"/>
+            <a:r>
+              <a:rPr lang="es-ES" dirty="0"/>
+              <a:t>:</a:t>
+            </a:r>
           </a:p>
         </p:txBody>
       </p:sp>
@@ -8958,7 +9079,7 @@
             <a:pPr algn="ctr"/>
             <a:r>
               <a:rPr lang="es-ES" dirty="0" err="1"/>
-              <a:t>Evaluem</a:t>
+              <a:t>Avaluem</a:t>
             </a:r>
             <a:r>
               <a:rPr lang="es-ES" dirty="0"/>
@@ -10759,7 +10880,7 @@
         <p:spPr>
           <a:xfrm>
             <a:off x="562708" y="342872"/>
-            <a:ext cx="6693114" cy="369332"/>
+            <a:ext cx="6758838" cy="369332"/>
           </a:xfrm>
           <a:prstGeom prst="rect">
             <a:avLst/>
@@ -10804,7 +10925,10 @@
               <a:rPr lang="es-ES" dirty="0" err="1"/>
               <a:t>genètic</a:t>
             </a:r>
-            <a:endParaRPr lang="es-ES" dirty="0"/>
+            <a:r>
+              <a:rPr lang="es-ES" dirty="0"/>
+              <a:t>:</a:t>
+            </a:r>
           </a:p>
         </p:txBody>
       </p:sp>
@@ -10984,7 +11108,7 @@
             <a:pPr algn="ctr"/>
             <a:r>
               <a:rPr lang="es-ES" dirty="0" err="1"/>
-              <a:t>Evaluem</a:t>
+              <a:t>Avaluem</a:t>
             </a:r>
             <a:r>
               <a:rPr lang="es-ES" dirty="0"/>
